--- a/presentation/The_Powerpoint.pptx
+++ b/presentation/The_Powerpoint.pptx
@@ -5,16 +5,23 @@
     <p:sldMasterId id="2147483648" r:id="rId1"/>
   </p:sldMasterIdLst>
   <p:notesMasterIdLst>
-    <p:notesMasterId r:id="rId9"/>
+    <p:notesMasterId r:id="rId16"/>
   </p:notesMasterIdLst>
   <p:sldIdLst>
     <p:sldId id="256" r:id="rId2"/>
     <p:sldId id="259" r:id="rId3"/>
     <p:sldId id="262" r:id="rId4"/>
-    <p:sldId id="257" r:id="rId5"/>
-    <p:sldId id="258" r:id="rId6"/>
-    <p:sldId id="261" r:id="rId7"/>
-    <p:sldId id="260" r:id="rId8"/>
+    <p:sldId id="263" r:id="rId5"/>
+    <p:sldId id="266" r:id="rId6"/>
+    <p:sldId id="257" r:id="rId7"/>
+    <p:sldId id="258" r:id="rId8"/>
+    <p:sldId id="261" r:id="rId9"/>
+    <p:sldId id="260" r:id="rId10"/>
+    <p:sldId id="264" r:id="rId11"/>
+    <p:sldId id="265" r:id="rId12"/>
+    <p:sldId id="267" r:id="rId13"/>
+    <p:sldId id="268" r:id="rId14"/>
+    <p:sldId id="269" r:id="rId15"/>
   </p:sldIdLst>
   <p:sldSz cx="12192000" cy="6858000"/>
   <p:notesSz cx="6858000" cy="9144000"/>
@@ -550,6 +557,174 @@
 </p:notes>
 </file>
 
+<file path=ppt/notesSlides/notesSlide10.xml><?xml version="1.0" encoding="utf-8"?>
+<p:notes xmlns:a="http://schemas.openxmlformats.org/drawingml/2006/main" xmlns:r="http://schemas.openxmlformats.org/officeDocument/2006/relationships" xmlns:p="http://schemas.openxmlformats.org/presentationml/2006/main">
+  <p:cSld>
+    <p:spTree>
+      <p:nvGrpSpPr>
+        <p:cNvPr id="1" name=""/>
+        <p:cNvGrpSpPr/>
+        <p:nvPr/>
+      </p:nvGrpSpPr>
+      <p:grpSpPr>
+        <a:xfrm>
+          <a:off x="0" y="0"/>
+          <a:ext cx="0" cy="0"/>
+          <a:chOff x="0" y="0"/>
+          <a:chExt cx="0" cy="0"/>
+        </a:xfrm>
+      </p:grpSpPr>
+      <p:sp>
+        <p:nvSpPr>
+          <p:cNvPr id="2" name="Slide Image Placeholder 1"/>
+          <p:cNvSpPr>
+            <a:spLocks noGrp="1" noRot="1" noChangeAspect="1"/>
+          </p:cNvSpPr>
+          <p:nvPr>
+            <p:ph type="sldImg"/>
+          </p:nvPr>
+        </p:nvSpPr>
+        <p:spPr/>
+      </p:sp>
+      <p:sp>
+        <p:nvSpPr>
+          <p:cNvPr id="3" name="Notes Placeholder 2"/>
+          <p:cNvSpPr>
+            <a:spLocks noGrp="1"/>
+          </p:cNvSpPr>
+          <p:nvPr>
+            <p:ph type="body" idx="1"/>
+          </p:nvPr>
+        </p:nvSpPr>
+        <p:spPr/>
+        <p:txBody>
+          <a:bodyPr/>
+          <a:lstStyle/>
+          <a:p>
+            <a:endParaRPr lang="en-US" dirty="0"/>
+          </a:p>
+        </p:txBody>
+      </p:sp>
+      <p:sp>
+        <p:nvSpPr>
+          <p:cNvPr id="4" name="Slide Number Placeholder 3"/>
+          <p:cNvSpPr>
+            <a:spLocks noGrp="1"/>
+          </p:cNvSpPr>
+          <p:nvPr>
+            <p:ph type="sldNum" sz="quarter" idx="10"/>
+          </p:nvPr>
+        </p:nvSpPr>
+        <p:spPr/>
+        <p:txBody>
+          <a:bodyPr/>
+          <a:lstStyle/>
+          <a:p>
+            <a:fld id="{9F017D99-8513-8043-A1B0-1BEC03716888}" type="slidenum">
+              <a:rPr lang="en-US" smtClean="0"/>
+              <a:t>13</a:t>
+            </a:fld>
+            <a:endParaRPr lang="en-US"/>
+          </a:p>
+        </p:txBody>
+      </p:sp>
+    </p:spTree>
+    <p:extLst>
+      <p:ext uri="{BB962C8B-B14F-4D97-AF65-F5344CB8AC3E}">
+        <p14:creationId xmlns:p14="http://schemas.microsoft.com/office/powerpoint/2010/main" val="66885556"/>
+      </p:ext>
+    </p:extLst>
+  </p:cSld>
+  <p:clrMapOvr>
+    <a:masterClrMapping/>
+  </p:clrMapOvr>
+</p:notes>
+</file>
+
+<file path=ppt/notesSlides/notesSlide11.xml><?xml version="1.0" encoding="utf-8"?>
+<p:notes xmlns:a="http://schemas.openxmlformats.org/drawingml/2006/main" xmlns:r="http://schemas.openxmlformats.org/officeDocument/2006/relationships" xmlns:p="http://schemas.openxmlformats.org/presentationml/2006/main">
+  <p:cSld>
+    <p:spTree>
+      <p:nvGrpSpPr>
+        <p:cNvPr id="1" name=""/>
+        <p:cNvGrpSpPr/>
+        <p:nvPr/>
+      </p:nvGrpSpPr>
+      <p:grpSpPr>
+        <a:xfrm>
+          <a:off x="0" y="0"/>
+          <a:ext cx="0" cy="0"/>
+          <a:chOff x="0" y="0"/>
+          <a:chExt cx="0" cy="0"/>
+        </a:xfrm>
+      </p:grpSpPr>
+      <p:sp>
+        <p:nvSpPr>
+          <p:cNvPr id="2" name="Slide Image Placeholder 1"/>
+          <p:cNvSpPr>
+            <a:spLocks noGrp="1" noRot="1" noChangeAspect="1"/>
+          </p:cNvSpPr>
+          <p:nvPr>
+            <p:ph type="sldImg"/>
+          </p:nvPr>
+        </p:nvSpPr>
+        <p:spPr/>
+      </p:sp>
+      <p:sp>
+        <p:nvSpPr>
+          <p:cNvPr id="3" name="Notes Placeholder 2"/>
+          <p:cNvSpPr>
+            <a:spLocks noGrp="1"/>
+          </p:cNvSpPr>
+          <p:nvPr>
+            <p:ph type="body" idx="1"/>
+          </p:nvPr>
+        </p:nvSpPr>
+        <p:spPr/>
+        <p:txBody>
+          <a:bodyPr/>
+          <a:lstStyle/>
+          <a:p>
+            <a:endParaRPr lang="en-US" dirty="0"/>
+          </a:p>
+        </p:txBody>
+      </p:sp>
+      <p:sp>
+        <p:nvSpPr>
+          <p:cNvPr id="4" name="Slide Number Placeholder 3"/>
+          <p:cNvSpPr>
+            <a:spLocks noGrp="1"/>
+          </p:cNvSpPr>
+          <p:nvPr>
+            <p:ph type="sldNum" sz="quarter" idx="10"/>
+          </p:nvPr>
+        </p:nvSpPr>
+        <p:spPr/>
+        <p:txBody>
+          <a:bodyPr/>
+          <a:lstStyle/>
+          <a:p>
+            <a:fld id="{9F017D99-8513-8043-A1B0-1BEC03716888}" type="slidenum">
+              <a:rPr lang="en-US" smtClean="0"/>
+              <a:t>14</a:t>
+            </a:fld>
+            <a:endParaRPr lang="en-US"/>
+          </a:p>
+        </p:txBody>
+      </p:sp>
+    </p:spTree>
+    <p:extLst>
+      <p:ext uri="{BB962C8B-B14F-4D97-AF65-F5344CB8AC3E}">
+        <p14:creationId xmlns:p14="http://schemas.microsoft.com/office/powerpoint/2010/main" val="1514097834"/>
+      </p:ext>
+    </p:extLst>
+  </p:cSld>
+  <p:clrMapOvr>
+    <a:masterClrMapping/>
+  </p:clrMapOvr>
+</p:notes>
+</file>
+
 <file path=ppt/notesSlides/notesSlide2.xml><?xml version="1.0" encoding="utf-8"?>
 <p:notes xmlns:a="http://schemas.openxmlformats.org/drawingml/2006/main" xmlns:r="http://schemas.openxmlformats.org/officeDocument/2006/relationships" xmlns:p="http://schemas.openxmlformats.org/presentationml/2006/main">
   <p:cSld>
@@ -762,7 +937,7 @@
           <a:bodyPr/>
           <a:lstStyle/>
           <a:p>
-            <a:endParaRPr lang="en-US"/>
+            <a:endParaRPr lang="en-US" dirty="0"/>
           </a:p>
         </p:txBody>
       </p:sp>
@@ -783,7 +958,175 @@
           <a:p>
             <a:fld id="{9F017D99-8513-8043-A1B0-1BEC03716888}" type="slidenum">
               <a:rPr lang="en-US" smtClean="0"/>
+              <a:t>4</a:t>
+            </a:fld>
+            <a:endParaRPr lang="en-US"/>
+          </a:p>
+        </p:txBody>
+      </p:sp>
+    </p:spTree>
+    <p:extLst>
+      <p:ext uri="{BB962C8B-B14F-4D97-AF65-F5344CB8AC3E}">
+        <p14:creationId xmlns:p14="http://schemas.microsoft.com/office/powerpoint/2010/main" val="1240730097"/>
+      </p:ext>
+    </p:extLst>
+  </p:cSld>
+  <p:clrMapOvr>
+    <a:masterClrMapping/>
+  </p:clrMapOvr>
+</p:notes>
+</file>
+
+<file path=ppt/notesSlides/notesSlide5.xml><?xml version="1.0" encoding="utf-8"?>
+<p:notes xmlns:a="http://schemas.openxmlformats.org/drawingml/2006/main" xmlns:r="http://schemas.openxmlformats.org/officeDocument/2006/relationships" xmlns:p="http://schemas.openxmlformats.org/presentationml/2006/main">
+  <p:cSld>
+    <p:spTree>
+      <p:nvGrpSpPr>
+        <p:cNvPr id="1" name=""/>
+        <p:cNvGrpSpPr/>
+        <p:nvPr/>
+      </p:nvGrpSpPr>
+      <p:grpSpPr>
+        <a:xfrm>
+          <a:off x="0" y="0"/>
+          <a:ext cx="0" cy="0"/>
+          <a:chOff x="0" y="0"/>
+          <a:chExt cx="0" cy="0"/>
+        </a:xfrm>
+      </p:grpSpPr>
+      <p:sp>
+        <p:nvSpPr>
+          <p:cNvPr id="2" name="Slide Image Placeholder 1"/>
+          <p:cNvSpPr>
+            <a:spLocks noGrp="1" noRot="1" noChangeAspect="1"/>
+          </p:cNvSpPr>
+          <p:nvPr>
+            <p:ph type="sldImg"/>
+          </p:nvPr>
+        </p:nvSpPr>
+        <p:spPr/>
+      </p:sp>
+      <p:sp>
+        <p:nvSpPr>
+          <p:cNvPr id="3" name="Notes Placeholder 2"/>
+          <p:cNvSpPr>
+            <a:spLocks noGrp="1"/>
+          </p:cNvSpPr>
+          <p:nvPr>
+            <p:ph type="body" idx="1"/>
+          </p:nvPr>
+        </p:nvSpPr>
+        <p:spPr/>
+        <p:txBody>
+          <a:bodyPr/>
+          <a:lstStyle/>
+          <a:p>
+            <a:endParaRPr lang="en-US" dirty="0"/>
+          </a:p>
+        </p:txBody>
+      </p:sp>
+      <p:sp>
+        <p:nvSpPr>
+          <p:cNvPr id="4" name="Slide Number Placeholder 3"/>
+          <p:cNvSpPr>
+            <a:spLocks noGrp="1"/>
+          </p:cNvSpPr>
+          <p:nvPr>
+            <p:ph type="sldNum" sz="quarter" idx="10"/>
+          </p:nvPr>
+        </p:nvSpPr>
+        <p:spPr/>
+        <p:txBody>
+          <a:bodyPr/>
+          <a:lstStyle/>
+          <a:p>
+            <a:fld id="{9F017D99-8513-8043-A1B0-1BEC03716888}" type="slidenum">
+              <a:rPr lang="en-US" smtClean="0"/>
               <a:t>5</a:t>
+            </a:fld>
+            <a:endParaRPr lang="en-US"/>
+          </a:p>
+        </p:txBody>
+      </p:sp>
+    </p:spTree>
+    <p:extLst>
+      <p:ext uri="{BB962C8B-B14F-4D97-AF65-F5344CB8AC3E}">
+        <p14:creationId xmlns:p14="http://schemas.microsoft.com/office/powerpoint/2010/main" val="339190117"/>
+      </p:ext>
+    </p:extLst>
+  </p:cSld>
+  <p:clrMapOvr>
+    <a:masterClrMapping/>
+  </p:clrMapOvr>
+</p:notes>
+</file>
+
+<file path=ppt/notesSlides/notesSlide6.xml><?xml version="1.0" encoding="utf-8"?>
+<p:notes xmlns:a="http://schemas.openxmlformats.org/drawingml/2006/main" xmlns:r="http://schemas.openxmlformats.org/officeDocument/2006/relationships" xmlns:p="http://schemas.openxmlformats.org/presentationml/2006/main">
+  <p:cSld>
+    <p:spTree>
+      <p:nvGrpSpPr>
+        <p:cNvPr id="1" name=""/>
+        <p:cNvGrpSpPr/>
+        <p:nvPr/>
+      </p:nvGrpSpPr>
+      <p:grpSpPr>
+        <a:xfrm>
+          <a:off x="0" y="0"/>
+          <a:ext cx="0" cy="0"/>
+          <a:chOff x="0" y="0"/>
+          <a:chExt cx="0" cy="0"/>
+        </a:xfrm>
+      </p:grpSpPr>
+      <p:sp>
+        <p:nvSpPr>
+          <p:cNvPr id="2" name="Slide Image Placeholder 1"/>
+          <p:cNvSpPr>
+            <a:spLocks noGrp="1" noRot="1" noChangeAspect="1"/>
+          </p:cNvSpPr>
+          <p:nvPr>
+            <p:ph type="sldImg"/>
+          </p:nvPr>
+        </p:nvSpPr>
+        <p:spPr/>
+      </p:sp>
+      <p:sp>
+        <p:nvSpPr>
+          <p:cNvPr id="3" name="Notes Placeholder 2"/>
+          <p:cNvSpPr>
+            <a:spLocks noGrp="1"/>
+          </p:cNvSpPr>
+          <p:nvPr>
+            <p:ph type="body" idx="1"/>
+          </p:nvPr>
+        </p:nvSpPr>
+        <p:spPr/>
+        <p:txBody>
+          <a:bodyPr/>
+          <a:lstStyle/>
+          <a:p>
+            <a:endParaRPr lang="en-US"/>
+          </a:p>
+        </p:txBody>
+      </p:sp>
+      <p:sp>
+        <p:nvSpPr>
+          <p:cNvPr id="4" name="Slide Number Placeholder 3"/>
+          <p:cNvSpPr>
+            <a:spLocks noGrp="1"/>
+          </p:cNvSpPr>
+          <p:nvPr>
+            <p:ph type="sldNum" sz="quarter" idx="10"/>
+          </p:nvPr>
+        </p:nvSpPr>
+        <p:spPr/>
+        <p:txBody>
+          <a:bodyPr/>
+          <a:lstStyle/>
+          <a:p>
+            <a:fld id="{9F017D99-8513-8043-A1B0-1BEC03716888}" type="slidenum">
+              <a:rPr lang="en-US" smtClean="0"/>
+              <a:t>7</a:t>
             </a:fld>
             <a:endParaRPr lang="en-US"/>
           </a:p>
@@ -793,6 +1136,258 @@
     <p:extLst>
       <p:ext uri="{BB962C8B-B14F-4D97-AF65-F5344CB8AC3E}">
         <p14:creationId xmlns:p14="http://schemas.microsoft.com/office/powerpoint/2010/main" val="252757833"/>
+      </p:ext>
+    </p:extLst>
+  </p:cSld>
+  <p:clrMapOvr>
+    <a:masterClrMapping/>
+  </p:clrMapOvr>
+</p:notes>
+</file>
+
+<file path=ppt/notesSlides/notesSlide7.xml><?xml version="1.0" encoding="utf-8"?>
+<p:notes xmlns:a="http://schemas.openxmlformats.org/drawingml/2006/main" xmlns:r="http://schemas.openxmlformats.org/officeDocument/2006/relationships" xmlns:p="http://schemas.openxmlformats.org/presentationml/2006/main">
+  <p:cSld>
+    <p:spTree>
+      <p:nvGrpSpPr>
+        <p:cNvPr id="1" name=""/>
+        <p:cNvGrpSpPr/>
+        <p:nvPr/>
+      </p:nvGrpSpPr>
+      <p:grpSpPr>
+        <a:xfrm>
+          <a:off x="0" y="0"/>
+          <a:ext cx="0" cy="0"/>
+          <a:chOff x="0" y="0"/>
+          <a:chExt cx="0" cy="0"/>
+        </a:xfrm>
+      </p:grpSpPr>
+      <p:sp>
+        <p:nvSpPr>
+          <p:cNvPr id="2" name="Slide Image Placeholder 1"/>
+          <p:cNvSpPr>
+            <a:spLocks noGrp="1" noRot="1" noChangeAspect="1"/>
+          </p:cNvSpPr>
+          <p:nvPr>
+            <p:ph type="sldImg"/>
+          </p:nvPr>
+        </p:nvSpPr>
+        <p:spPr/>
+      </p:sp>
+      <p:sp>
+        <p:nvSpPr>
+          <p:cNvPr id="3" name="Notes Placeholder 2"/>
+          <p:cNvSpPr>
+            <a:spLocks noGrp="1"/>
+          </p:cNvSpPr>
+          <p:nvPr>
+            <p:ph type="body" idx="1"/>
+          </p:nvPr>
+        </p:nvSpPr>
+        <p:spPr/>
+        <p:txBody>
+          <a:bodyPr/>
+          <a:lstStyle/>
+          <a:p>
+            <a:endParaRPr lang="en-US" dirty="0"/>
+          </a:p>
+        </p:txBody>
+      </p:sp>
+      <p:sp>
+        <p:nvSpPr>
+          <p:cNvPr id="4" name="Slide Number Placeholder 3"/>
+          <p:cNvSpPr>
+            <a:spLocks noGrp="1"/>
+          </p:cNvSpPr>
+          <p:nvPr>
+            <p:ph type="sldNum" sz="quarter" idx="10"/>
+          </p:nvPr>
+        </p:nvSpPr>
+        <p:spPr/>
+        <p:txBody>
+          <a:bodyPr/>
+          <a:lstStyle/>
+          <a:p>
+            <a:fld id="{9F017D99-8513-8043-A1B0-1BEC03716888}" type="slidenum">
+              <a:rPr lang="en-US" smtClean="0"/>
+              <a:t>10</a:t>
+            </a:fld>
+            <a:endParaRPr lang="en-US"/>
+          </a:p>
+        </p:txBody>
+      </p:sp>
+    </p:spTree>
+    <p:extLst>
+      <p:ext uri="{BB962C8B-B14F-4D97-AF65-F5344CB8AC3E}">
+        <p14:creationId xmlns:p14="http://schemas.microsoft.com/office/powerpoint/2010/main" val="483327700"/>
+      </p:ext>
+    </p:extLst>
+  </p:cSld>
+  <p:clrMapOvr>
+    <a:masterClrMapping/>
+  </p:clrMapOvr>
+</p:notes>
+</file>
+
+<file path=ppt/notesSlides/notesSlide8.xml><?xml version="1.0" encoding="utf-8"?>
+<p:notes xmlns:a="http://schemas.openxmlformats.org/drawingml/2006/main" xmlns:r="http://schemas.openxmlformats.org/officeDocument/2006/relationships" xmlns:p="http://schemas.openxmlformats.org/presentationml/2006/main">
+  <p:cSld>
+    <p:spTree>
+      <p:nvGrpSpPr>
+        <p:cNvPr id="1" name=""/>
+        <p:cNvGrpSpPr/>
+        <p:nvPr/>
+      </p:nvGrpSpPr>
+      <p:grpSpPr>
+        <a:xfrm>
+          <a:off x="0" y="0"/>
+          <a:ext cx="0" cy="0"/>
+          <a:chOff x="0" y="0"/>
+          <a:chExt cx="0" cy="0"/>
+        </a:xfrm>
+      </p:grpSpPr>
+      <p:sp>
+        <p:nvSpPr>
+          <p:cNvPr id="2" name="Slide Image Placeholder 1"/>
+          <p:cNvSpPr>
+            <a:spLocks noGrp="1" noRot="1" noChangeAspect="1"/>
+          </p:cNvSpPr>
+          <p:nvPr>
+            <p:ph type="sldImg"/>
+          </p:nvPr>
+        </p:nvSpPr>
+        <p:spPr/>
+      </p:sp>
+      <p:sp>
+        <p:nvSpPr>
+          <p:cNvPr id="3" name="Notes Placeholder 2"/>
+          <p:cNvSpPr>
+            <a:spLocks noGrp="1"/>
+          </p:cNvSpPr>
+          <p:nvPr>
+            <p:ph type="body" idx="1"/>
+          </p:nvPr>
+        </p:nvSpPr>
+        <p:spPr/>
+        <p:txBody>
+          <a:bodyPr/>
+          <a:lstStyle/>
+          <a:p>
+            <a:endParaRPr lang="en-US" dirty="0"/>
+          </a:p>
+        </p:txBody>
+      </p:sp>
+      <p:sp>
+        <p:nvSpPr>
+          <p:cNvPr id="4" name="Slide Number Placeholder 3"/>
+          <p:cNvSpPr>
+            <a:spLocks noGrp="1"/>
+          </p:cNvSpPr>
+          <p:nvPr>
+            <p:ph type="sldNum" sz="quarter" idx="10"/>
+          </p:nvPr>
+        </p:nvSpPr>
+        <p:spPr/>
+        <p:txBody>
+          <a:bodyPr/>
+          <a:lstStyle/>
+          <a:p>
+            <a:fld id="{9F017D99-8513-8043-A1B0-1BEC03716888}" type="slidenum">
+              <a:rPr lang="en-US" smtClean="0"/>
+              <a:t>11</a:t>
+            </a:fld>
+            <a:endParaRPr lang="en-US"/>
+          </a:p>
+        </p:txBody>
+      </p:sp>
+    </p:spTree>
+    <p:extLst>
+      <p:ext uri="{BB962C8B-B14F-4D97-AF65-F5344CB8AC3E}">
+        <p14:creationId xmlns:p14="http://schemas.microsoft.com/office/powerpoint/2010/main" val="1845058908"/>
+      </p:ext>
+    </p:extLst>
+  </p:cSld>
+  <p:clrMapOvr>
+    <a:masterClrMapping/>
+  </p:clrMapOvr>
+</p:notes>
+</file>
+
+<file path=ppt/notesSlides/notesSlide9.xml><?xml version="1.0" encoding="utf-8"?>
+<p:notes xmlns:a="http://schemas.openxmlformats.org/drawingml/2006/main" xmlns:r="http://schemas.openxmlformats.org/officeDocument/2006/relationships" xmlns:p="http://schemas.openxmlformats.org/presentationml/2006/main">
+  <p:cSld>
+    <p:spTree>
+      <p:nvGrpSpPr>
+        <p:cNvPr id="1" name=""/>
+        <p:cNvGrpSpPr/>
+        <p:nvPr/>
+      </p:nvGrpSpPr>
+      <p:grpSpPr>
+        <a:xfrm>
+          <a:off x="0" y="0"/>
+          <a:ext cx="0" cy="0"/>
+          <a:chOff x="0" y="0"/>
+          <a:chExt cx="0" cy="0"/>
+        </a:xfrm>
+      </p:grpSpPr>
+      <p:sp>
+        <p:nvSpPr>
+          <p:cNvPr id="2" name="Slide Image Placeholder 1"/>
+          <p:cNvSpPr>
+            <a:spLocks noGrp="1" noRot="1" noChangeAspect="1"/>
+          </p:cNvSpPr>
+          <p:nvPr>
+            <p:ph type="sldImg"/>
+          </p:nvPr>
+        </p:nvSpPr>
+        <p:spPr/>
+      </p:sp>
+      <p:sp>
+        <p:nvSpPr>
+          <p:cNvPr id="3" name="Notes Placeholder 2"/>
+          <p:cNvSpPr>
+            <a:spLocks noGrp="1"/>
+          </p:cNvSpPr>
+          <p:nvPr>
+            <p:ph type="body" idx="1"/>
+          </p:nvPr>
+        </p:nvSpPr>
+        <p:spPr/>
+        <p:txBody>
+          <a:bodyPr/>
+          <a:lstStyle/>
+          <a:p>
+            <a:endParaRPr lang="en-US" dirty="0"/>
+          </a:p>
+        </p:txBody>
+      </p:sp>
+      <p:sp>
+        <p:nvSpPr>
+          <p:cNvPr id="4" name="Slide Number Placeholder 3"/>
+          <p:cNvSpPr>
+            <a:spLocks noGrp="1"/>
+          </p:cNvSpPr>
+          <p:nvPr>
+            <p:ph type="sldNum" sz="quarter" idx="10"/>
+          </p:nvPr>
+        </p:nvSpPr>
+        <p:spPr/>
+        <p:txBody>
+          <a:bodyPr/>
+          <a:lstStyle/>
+          <a:p>
+            <a:fld id="{9F017D99-8513-8043-A1B0-1BEC03716888}" type="slidenum">
+              <a:rPr lang="en-US" smtClean="0"/>
+              <a:t>12</a:t>
+            </a:fld>
+            <a:endParaRPr lang="en-US"/>
+          </a:p>
+        </p:txBody>
+      </p:sp>
+    </p:spTree>
+    <p:extLst>
+      <p:ext uri="{BB962C8B-B14F-4D97-AF65-F5344CB8AC3E}">
+        <p14:creationId xmlns:p14="http://schemas.microsoft.com/office/powerpoint/2010/main" val="744862430"/>
       </p:ext>
     </p:extLst>
   </p:cSld>
@@ -4036,6 +4631,4033 @@
 </p:sld>
 </file>
 
+<file path=ppt/slides/slide10.xml><?xml version="1.0" encoding="utf-8"?>
+<p:sld xmlns:a="http://schemas.openxmlformats.org/drawingml/2006/main" xmlns:r="http://schemas.openxmlformats.org/officeDocument/2006/relationships" xmlns:p="http://schemas.openxmlformats.org/presentationml/2006/main">
+  <p:cSld>
+    <p:bg>
+      <p:bgPr>
+        <a:solidFill>
+          <a:schemeClr val="tx1"/>
+        </a:solidFill>
+        <a:effectLst/>
+      </p:bgPr>
+    </p:bg>
+    <p:spTree>
+      <p:nvGrpSpPr>
+        <p:cNvPr id="1" name=""/>
+        <p:cNvGrpSpPr/>
+        <p:nvPr/>
+      </p:nvGrpSpPr>
+      <p:grpSpPr>
+        <a:xfrm>
+          <a:off x="0" y="0"/>
+          <a:ext cx="0" cy="0"/>
+          <a:chOff x="0" y="0"/>
+          <a:chExt cx="0" cy="0"/>
+        </a:xfrm>
+      </p:grpSpPr>
+      <p:sp>
+        <p:nvSpPr>
+          <p:cNvPr id="5" name="Title 4"/>
+          <p:cNvSpPr>
+            <a:spLocks noGrp="1"/>
+          </p:cNvSpPr>
+          <p:nvPr>
+            <p:ph type="title"/>
+          </p:nvPr>
+        </p:nvSpPr>
+        <p:spPr/>
+        <p:txBody>
+          <a:bodyPr/>
+          <a:lstStyle/>
+          <a:p>
+            <a:r>
+              <a:rPr lang="en-US" b="1" dirty="0" smtClean="0">
+                <a:solidFill>
+                  <a:schemeClr val="bg1"/>
+                </a:solidFill>
+                <a:latin typeface="Arial" charset="0"/>
+                <a:ea typeface="Arial" charset="0"/>
+                <a:cs typeface="Arial" charset="0"/>
+              </a:rPr>
+              <a:t>The Results</a:t>
+            </a:r>
+            <a:endParaRPr lang="en-US" dirty="0"/>
+          </a:p>
+        </p:txBody>
+      </p:sp>
+      <p:sp>
+        <p:nvSpPr>
+          <p:cNvPr id="8" name="Content Placeholder 7"/>
+          <p:cNvSpPr>
+            <a:spLocks noGrp="1"/>
+          </p:cNvSpPr>
+          <p:nvPr>
+            <p:ph idx="1"/>
+          </p:nvPr>
+        </p:nvSpPr>
+        <p:spPr>
+          <a:xfrm>
+            <a:off x="838200" y="1825625"/>
+            <a:ext cx="10515600" cy="4332108"/>
+          </a:xfrm>
+        </p:spPr>
+        <p:txBody>
+          <a:bodyPr>
+            <a:normAutofit/>
+          </a:bodyPr>
+          <a:lstStyle/>
+          <a:p>
+            <a:r>
+              <a:rPr lang="en-US" sz="2000" dirty="0">
+                <a:solidFill>
+                  <a:schemeClr val="bg1"/>
+                </a:solidFill>
+                <a:latin typeface="Arial" charset="0"/>
+                <a:ea typeface="Arial" charset="0"/>
+                <a:cs typeface="Arial" charset="0"/>
+              </a:rPr>
+              <a:t>A world without extremists (based on paper)</a:t>
+            </a:r>
+          </a:p>
+          <a:p>
+            <a:pPr lvl="1"/>
+            <a:r>
+              <a:rPr lang="en-US" sz="2000" dirty="0" smtClean="0">
+                <a:solidFill>
+                  <a:schemeClr val="bg1"/>
+                </a:solidFill>
+                <a:latin typeface="Arial" charset="0"/>
+                <a:ea typeface="Arial" charset="0"/>
+                <a:cs typeface="Arial" charset="0"/>
+              </a:rPr>
+              <a:t>𝝻</a:t>
+            </a:r>
+            <a:r>
+              <a:rPr lang="en-US" sz="2000" dirty="0" smtClean="0">
+                <a:solidFill>
+                  <a:schemeClr val="bg1"/>
+                </a:solidFill>
+                <a:latin typeface="Arial" charset="0"/>
+                <a:ea typeface="Arial" charset="0"/>
+                <a:cs typeface="Arial" charset="0"/>
+              </a:rPr>
+              <a:t> </a:t>
+            </a:r>
+            <a:r>
+              <a:rPr lang="en-US" sz="2000" dirty="0">
+                <a:solidFill>
+                  <a:schemeClr val="bg1"/>
+                </a:solidFill>
+                <a:latin typeface="Arial" charset="0"/>
+                <a:ea typeface="Arial" charset="0"/>
+                <a:cs typeface="Arial" charset="0"/>
+              </a:rPr>
+              <a:t>as speed of convergence and therefore correlated with the number of </a:t>
+            </a:r>
+            <a:r>
+              <a:rPr lang="en-US" sz="2000" dirty="0" err="1">
+                <a:solidFill>
+                  <a:schemeClr val="bg1"/>
+                </a:solidFill>
+                <a:latin typeface="Arial" charset="0"/>
+                <a:ea typeface="Arial" charset="0"/>
+                <a:cs typeface="Arial" charset="0"/>
+              </a:rPr>
+              <a:t>timesteps</a:t>
+            </a:r>
+            <a:r>
+              <a:rPr lang="en-US" sz="2000" dirty="0">
+                <a:solidFill>
+                  <a:schemeClr val="bg1"/>
+                </a:solidFill>
+                <a:latin typeface="Arial" charset="0"/>
+                <a:ea typeface="Arial" charset="0"/>
+                <a:cs typeface="Arial" charset="0"/>
+              </a:rPr>
+              <a:t> </a:t>
+            </a:r>
+            <a:endParaRPr lang="en-US" sz="2000" dirty="0" smtClean="0">
+              <a:solidFill>
+                <a:schemeClr val="bg1"/>
+              </a:solidFill>
+              <a:latin typeface="Arial" charset="0"/>
+              <a:ea typeface="Arial" charset="0"/>
+              <a:cs typeface="Arial" charset="0"/>
+            </a:endParaRPr>
+          </a:p>
+          <a:p>
+            <a:pPr lvl="1"/>
+            <a:r>
+              <a:rPr lang="en-US" sz="2000" dirty="0" smtClean="0">
+                <a:solidFill>
+                  <a:schemeClr val="bg1"/>
+                </a:solidFill>
+                <a:latin typeface="Arial" charset="0"/>
+                <a:ea typeface="Arial" charset="0"/>
+                <a:cs typeface="Arial" charset="0"/>
+              </a:rPr>
+              <a:t>if </a:t>
+            </a:r>
+            <a:r>
+              <a:rPr lang="en-US" sz="2000" dirty="0">
+                <a:solidFill>
+                  <a:schemeClr val="bg1"/>
+                </a:solidFill>
+                <a:latin typeface="Arial" charset="0"/>
+                <a:ea typeface="Arial" charset="0"/>
+                <a:cs typeface="Arial" charset="0"/>
+              </a:rPr>
+              <a:t>u &gt; 0.3, opinion converges to a single </a:t>
+            </a:r>
+            <a:r>
+              <a:rPr lang="en-US" sz="2000" dirty="0" smtClean="0">
+                <a:solidFill>
+                  <a:schemeClr val="bg1"/>
+                </a:solidFill>
+                <a:latin typeface="Arial" charset="0"/>
+                <a:ea typeface="Arial" charset="0"/>
+                <a:cs typeface="Arial" charset="0"/>
+              </a:rPr>
+              <a:t>opinion</a:t>
+            </a:r>
+            <a:endParaRPr lang="en-US" sz="2000" dirty="0">
+              <a:solidFill>
+                <a:schemeClr val="bg1"/>
+              </a:solidFill>
+              <a:latin typeface="Arial" charset="0"/>
+              <a:ea typeface="Arial" charset="0"/>
+              <a:cs typeface="Arial" charset="0"/>
+            </a:endParaRPr>
+          </a:p>
+        </p:txBody>
+      </p:sp>
+      <p:sp>
+        <p:nvSpPr>
+          <p:cNvPr id="6" name="Footer Placeholder 5"/>
+          <p:cNvSpPr>
+            <a:spLocks noGrp="1"/>
+          </p:cNvSpPr>
+          <p:nvPr>
+            <p:ph type="ftr" sz="quarter" idx="11"/>
+          </p:nvPr>
+        </p:nvSpPr>
+        <p:spPr/>
+        <p:txBody>
+          <a:bodyPr/>
+          <a:lstStyle/>
+          <a:p>
+            <a:r>
+              <a:rPr lang="en-US" smtClean="0"/>
+              <a:t>Alexander Stein | Niklas Tidbury | Elisa Wall</a:t>
+            </a:r>
+            <a:endParaRPr lang="en-US"/>
+          </a:p>
+        </p:txBody>
+      </p:sp>
+      <p:sp>
+        <p:nvSpPr>
+          <p:cNvPr id="7" name="Slide Number Placeholder 6"/>
+          <p:cNvSpPr>
+            <a:spLocks noGrp="1"/>
+          </p:cNvSpPr>
+          <p:nvPr>
+            <p:ph type="sldNum" sz="quarter" idx="12"/>
+          </p:nvPr>
+        </p:nvSpPr>
+        <p:spPr/>
+        <p:txBody>
+          <a:bodyPr/>
+          <a:lstStyle/>
+          <a:p>
+            <a:fld id="{F2596965-FA8D-4049-94E7-50F8EE20294F}" type="slidenum">
+              <a:rPr lang="en-US" smtClean="0"/>
+              <a:t>10</a:t>
+            </a:fld>
+            <a:endParaRPr lang="en-US"/>
+          </a:p>
+        </p:txBody>
+      </p:sp>
+      <p:sp>
+        <p:nvSpPr>
+          <p:cNvPr id="9" name="Date Placeholder 8"/>
+          <p:cNvSpPr>
+            <a:spLocks noGrp="1"/>
+          </p:cNvSpPr>
+          <p:nvPr>
+            <p:ph type="dt" sz="half" idx="10"/>
+          </p:nvPr>
+        </p:nvSpPr>
+        <p:spPr/>
+        <p:txBody>
+          <a:bodyPr/>
+          <a:lstStyle/>
+          <a:p>
+            <a:r>
+              <a:rPr lang="en-US" smtClean="0"/>
+              <a:t>18.12.17</a:t>
+            </a:r>
+            <a:endParaRPr lang="en-US"/>
+          </a:p>
+        </p:txBody>
+      </p:sp>
+      <p:pic>
+        <p:nvPicPr>
+          <p:cNvPr id="2" name="Picture 1"/>
+          <p:cNvPicPr>
+            <a:picLocks noChangeAspect="1"/>
+          </p:cNvPicPr>
+          <p:nvPr/>
+        </p:nvPicPr>
+        <p:blipFill>
+          <a:blip r:embed="rId3">
+            <a:extLst>
+              <a:ext uri="{28A0092B-C50C-407E-A947-70E740481C1C}">
+                <a14:useLocalDpi xmlns:a14="http://schemas.microsoft.com/office/drawing/2010/main" val="0"/>
+              </a:ext>
+            </a:extLst>
+          </a:blip>
+          <a:stretch>
+            <a:fillRect/>
+          </a:stretch>
+        </p:blipFill>
+        <p:spPr>
+          <a:xfrm>
+            <a:off x="442251" y="1690687"/>
+            <a:ext cx="5664452" cy="4247125"/>
+          </a:xfrm>
+          <a:prstGeom prst="rect">
+            <a:avLst/>
+          </a:prstGeom>
+        </p:spPr>
+      </p:pic>
+      <p:pic>
+        <p:nvPicPr>
+          <p:cNvPr id="3" name="Picture 2"/>
+          <p:cNvPicPr>
+            <a:picLocks noChangeAspect="1"/>
+          </p:cNvPicPr>
+          <p:nvPr/>
+        </p:nvPicPr>
+        <p:blipFill>
+          <a:blip r:embed="rId4">
+            <a:extLst>
+              <a:ext uri="{28A0092B-C50C-407E-A947-70E740481C1C}">
+                <a14:useLocalDpi xmlns:a14="http://schemas.microsoft.com/office/drawing/2010/main" val="0"/>
+              </a:ext>
+            </a:extLst>
+          </a:blip>
+          <a:stretch>
+            <a:fillRect/>
+          </a:stretch>
+        </p:blipFill>
+        <p:spPr>
+          <a:xfrm>
+            <a:off x="6096876" y="1690688"/>
+            <a:ext cx="5664449" cy="4247124"/>
+          </a:xfrm>
+          <a:prstGeom prst="rect">
+            <a:avLst/>
+          </a:prstGeom>
+        </p:spPr>
+      </p:pic>
+      <p:sp>
+        <p:nvSpPr>
+          <p:cNvPr id="12" name="Rectangle 11"/>
+          <p:cNvSpPr/>
+          <p:nvPr/>
+        </p:nvSpPr>
+        <p:spPr>
+          <a:xfrm>
+            <a:off x="266218" y="1431236"/>
+            <a:ext cx="11794602" cy="2770374"/>
+          </a:xfrm>
+          <a:prstGeom prst="rect">
+            <a:avLst/>
+          </a:prstGeom>
+          <a:solidFill>
+            <a:schemeClr val="tx1"/>
+          </a:solidFill>
+          <a:ln>
+            <a:solidFill>
+              <a:schemeClr val="tx1"/>
+            </a:solidFill>
+          </a:ln>
+        </p:spPr>
+        <p:style>
+          <a:lnRef idx="2">
+            <a:schemeClr val="accent1">
+              <a:shade val="50000"/>
+            </a:schemeClr>
+          </a:lnRef>
+          <a:fillRef idx="1">
+            <a:schemeClr val="accent1"/>
+          </a:fillRef>
+          <a:effectRef idx="0">
+            <a:schemeClr val="accent1"/>
+          </a:effectRef>
+          <a:fontRef idx="minor">
+            <a:schemeClr val="lt1"/>
+          </a:fontRef>
+        </p:style>
+        <p:txBody>
+          <a:bodyPr rtlCol="0" anchor="ctr"/>
+          <a:lstStyle/>
+          <a:p>
+            <a:pPr algn="ctr"/>
+            <a:endParaRPr lang="en-US"/>
+          </a:p>
+        </p:txBody>
+      </p:sp>
+      <p:pic>
+        <p:nvPicPr>
+          <p:cNvPr id="11" name="Picture 10"/>
+          <p:cNvPicPr>
+            <a:picLocks noChangeAspect="1"/>
+          </p:cNvPicPr>
+          <p:nvPr/>
+        </p:nvPicPr>
+        <p:blipFill>
+          <a:blip r:embed="rId5">
+            <a:extLst>
+              <a:ext uri="{28A0092B-C50C-407E-A947-70E740481C1C}">
+                <a14:useLocalDpi xmlns:a14="http://schemas.microsoft.com/office/drawing/2010/main" val="0"/>
+              </a:ext>
+            </a:extLst>
+          </a:blip>
+          <a:stretch>
+            <a:fillRect/>
+          </a:stretch>
+        </p:blipFill>
+        <p:spPr>
+          <a:xfrm>
+            <a:off x="3162717" y="1690686"/>
+            <a:ext cx="5596564" cy="4221675"/>
+          </a:xfrm>
+          <a:prstGeom prst="rect">
+            <a:avLst/>
+          </a:prstGeom>
+        </p:spPr>
+      </p:pic>
+      <p:sp>
+        <p:nvSpPr>
+          <p:cNvPr id="13" name="Content Placeholder 7"/>
+          <p:cNvSpPr txBox="1">
+            <a:spLocks/>
+          </p:cNvSpPr>
+          <p:nvPr/>
+        </p:nvSpPr>
+        <p:spPr>
+          <a:xfrm>
+            <a:off x="10462592" y="217930"/>
+            <a:ext cx="1729408" cy="1213306"/>
+          </a:xfrm>
+          <a:prstGeom prst="rect">
+            <a:avLst/>
+          </a:prstGeom>
+        </p:spPr>
+        <p:txBody>
+          <a:bodyPr vert="horz" lIns="91440" tIns="45720" rIns="91440" bIns="45720" rtlCol="0">
+            <a:normAutofit/>
+          </a:bodyPr>
+          <a:lstStyle>
+            <a:lvl1pPr marL="228600" indent="-228600" algn="l" defTabSz="914400" rtl="0" eaLnBrk="1" latinLnBrk="0" hangingPunct="1">
+              <a:lnSpc>
+                <a:spcPct val="90000"/>
+              </a:lnSpc>
+              <a:spcBef>
+                <a:spcPts val="1000"/>
+              </a:spcBef>
+              <a:buFont typeface="Arial"/>
+              <a:buChar char="•"/>
+              <a:defRPr sz="2800" kern="1200">
+                <a:solidFill>
+                  <a:schemeClr val="tx1"/>
+                </a:solidFill>
+                <a:latin typeface="+mn-lt"/>
+                <a:ea typeface="+mn-ea"/>
+                <a:cs typeface="+mn-cs"/>
+              </a:defRPr>
+            </a:lvl1pPr>
+            <a:lvl2pPr marL="685800" indent="-228600" algn="l" defTabSz="914400" rtl="0" eaLnBrk="1" latinLnBrk="0" hangingPunct="1">
+              <a:lnSpc>
+                <a:spcPct val="90000"/>
+              </a:lnSpc>
+              <a:spcBef>
+                <a:spcPts val="500"/>
+              </a:spcBef>
+              <a:buFont typeface="Arial"/>
+              <a:buChar char="•"/>
+              <a:defRPr sz="2400" kern="1200">
+                <a:solidFill>
+                  <a:schemeClr val="tx1"/>
+                </a:solidFill>
+                <a:latin typeface="+mn-lt"/>
+                <a:ea typeface="+mn-ea"/>
+                <a:cs typeface="+mn-cs"/>
+              </a:defRPr>
+            </a:lvl2pPr>
+            <a:lvl3pPr marL="1143000" indent="-228600" algn="l" defTabSz="914400" rtl="0" eaLnBrk="1" latinLnBrk="0" hangingPunct="1">
+              <a:lnSpc>
+                <a:spcPct val="90000"/>
+              </a:lnSpc>
+              <a:spcBef>
+                <a:spcPts val="500"/>
+              </a:spcBef>
+              <a:buFont typeface="Arial"/>
+              <a:buChar char="•"/>
+              <a:defRPr sz="2000" kern="1200">
+                <a:solidFill>
+                  <a:schemeClr val="tx1"/>
+                </a:solidFill>
+                <a:latin typeface="+mn-lt"/>
+                <a:ea typeface="+mn-ea"/>
+                <a:cs typeface="+mn-cs"/>
+              </a:defRPr>
+            </a:lvl3pPr>
+            <a:lvl4pPr marL="1600200" indent="-228600" algn="l" defTabSz="914400" rtl="0" eaLnBrk="1" latinLnBrk="0" hangingPunct="1">
+              <a:lnSpc>
+                <a:spcPct val="90000"/>
+              </a:lnSpc>
+              <a:spcBef>
+                <a:spcPts val="500"/>
+              </a:spcBef>
+              <a:buFont typeface="Arial"/>
+              <a:buChar char="•"/>
+              <a:defRPr sz="1800" kern="1200">
+                <a:solidFill>
+                  <a:schemeClr val="tx1"/>
+                </a:solidFill>
+                <a:latin typeface="+mn-lt"/>
+                <a:ea typeface="+mn-ea"/>
+                <a:cs typeface="+mn-cs"/>
+              </a:defRPr>
+            </a:lvl4pPr>
+            <a:lvl5pPr marL="2057400" indent="-228600" algn="l" defTabSz="914400" rtl="0" eaLnBrk="1" latinLnBrk="0" hangingPunct="1">
+              <a:lnSpc>
+                <a:spcPct val="90000"/>
+              </a:lnSpc>
+              <a:spcBef>
+                <a:spcPts val="500"/>
+              </a:spcBef>
+              <a:buFont typeface="Arial"/>
+              <a:buChar char="•"/>
+              <a:defRPr sz="1800" kern="1200">
+                <a:solidFill>
+                  <a:schemeClr val="tx1"/>
+                </a:solidFill>
+                <a:latin typeface="+mn-lt"/>
+                <a:ea typeface="+mn-ea"/>
+                <a:cs typeface="+mn-cs"/>
+              </a:defRPr>
+            </a:lvl5pPr>
+            <a:lvl6pPr marL="2514600" indent="-228600" algn="l" defTabSz="914400" rtl="0" eaLnBrk="1" latinLnBrk="0" hangingPunct="1">
+              <a:lnSpc>
+                <a:spcPct val="90000"/>
+              </a:lnSpc>
+              <a:spcBef>
+                <a:spcPts val="500"/>
+              </a:spcBef>
+              <a:buFont typeface="Arial"/>
+              <a:buChar char="•"/>
+              <a:defRPr sz="1800" kern="1200">
+                <a:solidFill>
+                  <a:schemeClr val="tx1"/>
+                </a:solidFill>
+                <a:latin typeface="+mn-lt"/>
+                <a:ea typeface="+mn-ea"/>
+                <a:cs typeface="+mn-cs"/>
+              </a:defRPr>
+            </a:lvl6pPr>
+            <a:lvl7pPr marL="2971800" indent="-228600" algn="l" defTabSz="914400" rtl="0" eaLnBrk="1" latinLnBrk="0" hangingPunct="1">
+              <a:lnSpc>
+                <a:spcPct val="90000"/>
+              </a:lnSpc>
+              <a:spcBef>
+                <a:spcPts val="500"/>
+              </a:spcBef>
+              <a:buFont typeface="Arial"/>
+              <a:buChar char="•"/>
+              <a:defRPr sz="1800" kern="1200">
+                <a:solidFill>
+                  <a:schemeClr val="tx1"/>
+                </a:solidFill>
+                <a:latin typeface="+mn-lt"/>
+                <a:ea typeface="+mn-ea"/>
+                <a:cs typeface="+mn-cs"/>
+              </a:defRPr>
+            </a:lvl7pPr>
+            <a:lvl8pPr marL="3429000" indent="-228600" algn="l" defTabSz="914400" rtl="0" eaLnBrk="1" latinLnBrk="0" hangingPunct="1">
+              <a:lnSpc>
+                <a:spcPct val="90000"/>
+              </a:lnSpc>
+              <a:spcBef>
+                <a:spcPts val="500"/>
+              </a:spcBef>
+              <a:buFont typeface="Arial"/>
+              <a:buChar char="•"/>
+              <a:defRPr sz="1800" kern="1200">
+                <a:solidFill>
+                  <a:schemeClr val="tx1"/>
+                </a:solidFill>
+                <a:latin typeface="+mn-lt"/>
+                <a:ea typeface="+mn-ea"/>
+                <a:cs typeface="+mn-cs"/>
+              </a:defRPr>
+            </a:lvl8pPr>
+            <a:lvl9pPr marL="3886200" indent="-228600" algn="l" defTabSz="914400" rtl="0" eaLnBrk="1" latinLnBrk="0" hangingPunct="1">
+              <a:lnSpc>
+                <a:spcPct val="90000"/>
+              </a:lnSpc>
+              <a:spcBef>
+                <a:spcPts val="500"/>
+              </a:spcBef>
+              <a:buFont typeface="Arial"/>
+              <a:buChar char="•"/>
+              <a:defRPr sz="1800" kern="1200">
+                <a:solidFill>
+                  <a:schemeClr val="tx1"/>
+                </a:solidFill>
+                <a:latin typeface="+mn-lt"/>
+                <a:ea typeface="+mn-ea"/>
+                <a:cs typeface="+mn-cs"/>
+              </a:defRPr>
+            </a:lvl9pPr>
+          </a:lstStyle>
+          <a:p>
+            <a:pPr>
+              <a:lnSpc>
+                <a:spcPct val="100000"/>
+              </a:lnSpc>
+              <a:spcBef>
+                <a:spcPts val="0"/>
+              </a:spcBef>
+              <a:buFontTx/>
+              <a:buChar char="-"/>
+            </a:pPr>
+            <a:r>
+              <a:rPr lang="en-US" sz="1400" dirty="0" smtClean="0">
+                <a:solidFill>
+                  <a:schemeClr val="bg1">
+                    <a:lumMod val="50000"/>
+                  </a:schemeClr>
+                </a:solidFill>
+                <a:latin typeface="Arial" charset="0"/>
+                <a:ea typeface="Arial" charset="0"/>
+                <a:cs typeface="Arial" charset="0"/>
+              </a:rPr>
+              <a:t>Introduction</a:t>
+            </a:r>
+          </a:p>
+          <a:p>
+            <a:pPr>
+              <a:lnSpc>
+                <a:spcPct val="100000"/>
+              </a:lnSpc>
+              <a:spcBef>
+                <a:spcPts val="0"/>
+              </a:spcBef>
+              <a:buFontTx/>
+              <a:buChar char="-"/>
+            </a:pPr>
+            <a:r>
+              <a:rPr lang="en-US" sz="1400" dirty="0" smtClean="0">
+                <a:solidFill>
+                  <a:schemeClr val="bg1">
+                    <a:lumMod val="50000"/>
+                  </a:schemeClr>
+                </a:solidFill>
+                <a:latin typeface="Arial" charset="0"/>
+                <a:ea typeface="Arial" charset="0"/>
+                <a:cs typeface="Arial" charset="0"/>
+              </a:rPr>
+              <a:t>The Model</a:t>
+            </a:r>
+          </a:p>
+          <a:p>
+            <a:pPr>
+              <a:lnSpc>
+                <a:spcPct val="100000"/>
+              </a:lnSpc>
+              <a:spcBef>
+                <a:spcPts val="0"/>
+              </a:spcBef>
+              <a:buFontTx/>
+              <a:buChar char="-"/>
+            </a:pPr>
+            <a:r>
+              <a:rPr lang="en-US" sz="1400" dirty="0" smtClean="0">
+                <a:solidFill>
+                  <a:schemeClr val="bg1">
+                    <a:lumMod val="50000"/>
+                  </a:schemeClr>
+                </a:solidFill>
+                <a:latin typeface="Arial" charset="0"/>
+                <a:ea typeface="Arial" charset="0"/>
+                <a:cs typeface="Arial" charset="0"/>
+              </a:rPr>
+              <a:t>The Code</a:t>
+            </a:r>
+          </a:p>
+          <a:p>
+            <a:pPr>
+              <a:lnSpc>
+                <a:spcPct val="100000"/>
+              </a:lnSpc>
+              <a:spcBef>
+                <a:spcPts val="0"/>
+              </a:spcBef>
+              <a:buFontTx/>
+              <a:buChar char="-"/>
+            </a:pPr>
+            <a:r>
+              <a:rPr lang="en-US" sz="1400" dirty="0" smtClean="0">
+                <a:solidFill>
+                  <a:schemeClr val="bg1"/>
+                </a:solidFill>
+                <a:latin typeface="Arial" charset="0"/>
+                <a:ea typeface="Arial" charset="0"/>
+                <a:cs typeface="Arial" charset="0"/>
+              </a:rPr>
+              <a:t>The Results</a:t>
+            </a:r>
+          </a:p>
+          <a:p>
+            <a:pPr>
+              <a:lnSpc>
+                <a:spcPct val="100000"/>
+              </a:lnSpc>
+              <a:spcBef>
+                <a:spcPts val="0"/>
+              </a:spcBef>
+              <a:buFontTx/>
+              <a:buChar char="-"/>
+            </a:pPr>
+            <a:r>
+              <a:rPr lang="en-US" sz="1400" dirty="0" smtClean="0">
+                <a:solidFill>
+                  <a:schemeClr val="bg1">
+                    <a:lumMod val="50000"/>
+                  </a:schemeClr>
+                </a:solidFill>
+                <a:latin typeface="Arial" charset="0"/>
+                <a:ea typeface="Arial" charset="0"/>
+                <a:cs typeface="Arial" charset="0"/>
+              </a:rPr>
+              <a:t>The Problems</a:t>
+            </a:r>
+          </a:p>
+          <a:p>
+            <a:pPr>
+              <a:lnSpc>
+                <a:spcPct val="100000"/>
+              </a:lnSpc>
+              <a:spcBef>
+                <a:spcPts val="0"/>
+              </a:spcBef>
+              <a:buFontTx/>
+              <a:buChar char="-"/>
+            </a:pPr>
+            <a:endParaRPr lang="en-US" sz="1400" dirty="0">
+              <a:solidFill>
+                <a:schemeClr val="bg1">
+                  <a:lumMod val="50000"/>
+                </a:schemeClr>
+              </a:solidFill>
+              <a:latin typeface="Arial" charset="0"/>
+              <a:ea typeface="Arial" charset="0"/>
+              <a:cs typeface="Arial" charset="0"/>
+            </a:endParaRPr>
+          </a:p>
+        </p:txBody>
+      </p:sp>
+    </p:spTree>
+    <p:extLst>
+      <p:ext uri="{BB962C8B-B14F-4D97-AF65-F5344CB8AC3E}">
+        <p14:creationId xmlns:p14="http://schemas.microsoft.com/office/powerpoint/2010/main" val="132146214"/>
+      </p:ext>
+    </p:extLst>
+  </p:cSld>
+  <p:clrMapOvr>
+    <a:masterClrMapping/>
+  </p:clrMapOvr>
+  <p:timing>
+    <p:tnLst>
+      <p:par>
+        <p:cTn id="1" dur="indefinite" restart="never" nodeType="tmRoot">
+          <p:childTnLst>
+            <p:seq concurrent="1" nextAc="seek">
+              <p:cTn id="2" dur="indefinite" nodeType="mainSeq">
+                <p:childTnLst>
+                  <p:par>
+                    <p:cTn id="3" fill="hold">
+                      <p:stCondLst>
+                        <p:cond delay="indefinite"/>
+                      </p:stCondLst>
+                      <p:childTnLst>
+                        <p:par>
+                          <p:cTn id="4" fill="hold">
+                            <p:stCondLst>
+                              <p:cond delay="0"/>
+                            </p:stCondLst>
+                            <p:childTnLst>
+                              <p:par>
+                                <p:cTn id="5" presetID="1" presetClass="entr" presetSubtype="0" fill="hold" nodeType="clickEffect">
+                                  <p:stCondLst>
+                                    <p:cond delay="0"/>
+                                  </p:stCondLst>
+                                  <p:childTnLst>
+                                    <p:set>
+                                      <p:cBhvr>
+                                        <p:cTn id="6" dur="1" fill="hold">
+                                          <p:stCondLst>
+                                            <p:cond delay="0"/>
+                                          </p:stCondLst>
+                                        </p:cTn>
+                                        <p:tgtEl>
+                                          <p:spTgt spid="2"/>
+                                        </p:tgtEl>
+                                        <p:attrNameLst>
+                                          <p:attrName>style.visibility</p:attrName>
+                                        </p:attrNameLst>
+                                      </p:cBhvr>
+                                      <p:to>
+                                        <p:strVal val="visible"/>
+                                      </p:to>
+                                    </p:set>
+                                  </p:childTnLst>
+                                </p:cTn>
+                              </p:par>
+                              <p:par>
+                                <p:cTn id="7" presetID="1" presetClass="entr" presetSubtype="0" fill="hold" nodeType="withEffect">
+                                  <p:stCondLst>
+                                    <p:cond delay="0"/>
+                                  </p:stCondLst>
+                                  <p:childTnLst>
+                                    <p:set>
+                                      <p:cBhvr>
+                                        <p:cTn id="8" dur="1" fill="hold">
+                                          <p:stCondLst>
+                                            <p:cond delay="0"/>
+                                          </p:stCondLst>
+                                        </p:cTn>
+                                        <p:tgtEl>
+                                          <p:spTgt spid="3"/>
+                                        </p:tgtEl>
+                                        <p:attrNameLst>
+                                          <p:attrName>style.visibility</p:attrName>
+                                        </p:attrNameLst>
+                                      </p:cBhvr>
+                                      <p:to>
+                                        <p:strVal val="visible"/>
+                                      </p:to>
+                                    </p:set>
+                                  </p:childTnLst>
+                                </p:cTn>
+                              </p:par>
+                            </p:childTnLst>
+                          </p:cTn>
+                        </p:par>
+                      </p:childTnLst>
+                    </p:cTn>
+                  </p:par>
+                  <p:par>
+                    <p:cTn id="9" fill="hold">
+                      <p:stCondLst>
+                        <p:cond delay="indefinite"/>
+                      </p:stCondLst>
+                      <p:childTnLst>
+                        <p:par>
+                          <p:cTn id="10" fill="hold">
+                            <p:stCondLst>
+                              <p:cond delay="0"/>
+                            </p:stCondLst>
+                            <p:childTnLst>
+                              <p:par>
+                                <p:cTn id="11" presetID="1" presetClass="exit" presetSubtype="0" fill="hold" nodeType="clickEffect">
+                                  <p:stCondLst>
+                                    <p:cond delay="0"/>
+                                  </p:stCondLst>
+                                  <p:childTnLst>
+                                    <p:set>
+                                      <p:cBhvr>
+                                        <p:cTn id="12" dur="1" fill="hold">
+                                          <p:stCondLst>
+                                            <p:cond delay="0"/>
+                                          </p:stCondLst>
+                                        </p:cTn>
+                                        <p:tgtEl>
+                                          <p:spTgt spid="3"/>
+                                        </p:tgtEl>
+                                        <p:attrNameLst>
+                                          <p:attrName>style.visibility</p:attrName>
+                                        </p:attrNameLst>
+                                      </p:cBhvr>
+                                      <p:to>
+                                        <p:strVal val="hidden"/>
+                                      </p:to>
+                                    </p:set>
+                                  </p:childTnLst>
+                                </p:cTn>
+                              </p:par>
+                              <p:par>
+                                <p:cTn id="13" presetID="1" presetClass="exit" presetSubtype="0" fill="hold" nodeType="withEffect">
+                                  <p:stCondLst>
+                                    <p:cond delay="0"/>
+                                  </p:stCondLst>
+                                  <p:childTnLst>
+                                    <p:set>
+                                      <p:cBhvr>
+                                        <p:cTn id="14" dur="1" fill="hold">
+                                          <p:stCondLst>
+                                            <p:cond delay="0"/>
+                                          </p:stCondLst>
+                                        </p:cTn>
+                                        <p:tgtEl>
+                                          <p:spTgt spid="2"/>
+                                        </p:tgtEl>
+                                        <p:attrNameLst>
+                                          <p:attrName>style.visibility</p:attrName>
+                                        </p:attrNameLst>
+                                      </p:cBhvr>
+                                      <p:to>
+                                        <p:strVal val="hidden"/>
+                                      </p:to>
+                                    </p:set>
+                                  </p:childTnLst>
+                                </p:cTn>
+                              </p:par>
+                            </p:childTnLst>
+                          </p:cTn>
+                        </p:par>
+                      </p:childTnLst>
+                    </p:cTn>
+                  </p:par>
+                  <p:par>
+                    <p:cTn id="15" fill="hold">
+                      <p:stCondLst>
+                        <p:cond delay="indefinite"/>
+                      </p:stCondLst>
+                      <p:childTnLst>
+                        <p:par>
+                          <p:cTn id="16" fill="hold">
+                            <p:stCondLst>
+                              <p:cond delay="0"/>
+                            </p:stCondLst>
+                            <p:childTnLst>
+                              <p:par>
+                                <p:cTn id="17" presetID="1" presetClass="entr" presetSubtype="0" fill="hold" nodeType="clickEffect">
+                                  <p:stCondLst>
+                                    <p:cond delay="0"/>
+                                  </p:stCondLst>
+                                  <p:childTnLst>
+                                    <p:set>
+                                      <p:cBhvr>
+                                        <p:cTn id="18" dur="1" fill="hold">
+                                          <p:stCondLst>
+                                            <p:cond delay="0"/>
+                                          </p:stCondLst>
+                                        </p:cTn>
+                                        <p:tgtEl>
+                                          <p:spTgt spid="11"/>
+                                        </p:tgtEl>
+                                        <p:attrNameLst>
+                                          <p:attrName>style.visibility</p:attrName>
+                                        </p:attrNameLst>
+                                      </p:cBhvr>
+                                      <p:to>
+                                        <p:strVal val="visible"/>
+                                      </p:to>
+                                    </p:set>
+                                  </p:childTnLst>
+                                </p:cTn>
+                              </p:par>
+                              <p:par>
+                                <p:cTn id="19" presetID="1" presetClass="entr" presetSubtype="0" fill="hold" grpId="0" nodeType="withEffect">
+                                  <p:stCondLst>
+                                    <p:cond delay="0"/>
+                                  </p:stCondLst>
+                                  <p:childTnLst>
+                                    <p:set>
+                                      <p:cBhvr>
+                                        <p:cTn id="20" dur="1" fill="hold">
+                                          <p:stCondLst>
+                                            <p:cond delay="0"/>
+                                          </p:stCondLst>
+                                        </p:cTn>
+                                        <p:tgtEl>
+                                          <p:spTgt spid="12"/>
+                                        </p:tgtEl>
+                                        <p:attrNameLst>
+                                          <p:attrName>style.visibility</p:attrName>
+                                        </p:attrNameLst>
+                                      </p:cBhvr>
+                                      <p:to>
+                                        <p:strVal val="visible"/>
+                                      </p:to>
+                                    </p:set>
+                                  </p:childTnLst>
+                                </p:cTn>
+                              </p:par>
+                            </p:childTnLst>
+                          </p:cTn>
+                        </p:par>
+                      </p:childTnLst>
+                    </p:cTn>
+                  </p:par>
+                  <p:par>
+                    <p:cTn id="21" fill="hold">
+                      <p:stCondLst>
+                        <p:cond delay="indefinite"/>
+                      </p:stCondLst>
+                      <p:childTnLst>
+                        <p:par>
+                          <p:cTn id="22" fill="hold">
+                            <p:stCondLst>
+                              <p:cond delay="0"/>
+                            </p:stCondLst>
+                            <p:childTnLst>
+                              <p:par>
+                                <p:cTn id="23" presetID="1" presetClass="exit" presetSubtype="0" fill="hold" nodeType="clickEffect">
+                                  <p:stCondLst>
+                                    <p:cond delay="0"/>
+                                  </p:stCondLst>
+                                  <p:childTnLst>
+                                    <p:set>
+                                      <p:cBhvr>
+                                        <p:cTn id="24" dur="1" fill="hold">
+                                          <p:stCondLst>
+                                            <p:cond delay="0"/>
+                                          </p:stCondLst>
+                                        </p:cTn>
+                                        <p:tgtEl>
+                                          <p:spTgt spid="11"/>
+                                        </p:tgtEl>
+                                        <p:attrNameLst>
+                                          <p:attrName>style.visibility</p:attrName>
+                                        </p:attrNameLst>
+                                      </p:cBhvr>
+                                      <p:to>
+                                        <p:strVal val="hidden"/>
+                                      </p:to>
+                                    </p:set>
+                                  </p:childTnLst>
+                                </p:cTn>
+                              </p:par>
+                              <p:par>
+                                <p:cTn id="25" presetID="1" presetClass="exit" presetSubtype="0" fill="hold" grpId="1" nodeType="withEffect">
+                                  <p:stCondLst>
+                                    <p:cond delay="0"/>
+                                  </p:stCondLst>
+                                  <p:childTnLst>
+                                    <p:set>
+                                      <p:cBhvr>
+                                        <p:cTn id="26" dur="1" fill="hold">
+                                          <p:stCondLst>
+                                            <p:cond delay="0"/>
+                                          </p:stCondLst>
+                                        </p:cTn>
+                                        <p:tgtEl>
+                                          <p:spTgt spid="12"/>
+                                        </p:tgtEl>
+                                        <p:attrNameLst>
+                                          <p:attrName>style.visibility</p:attrName>
+                                        </p:attrNameLst>
+                                      </p:cBhvr>
+                                      <p:to>
+                                        <p:strVal val="hidden"/>
+                                      </p:to>
+                                    </p:set>
+                                  </p:childTnLst>
+                                </p:cTn>
+                              </p:par>
+                            </p:childTnLst>
+                          </p:cTn>
+                        </p:par>
+                      </p:childTnLst>
+                    </p:cTn>
+                  </p:par>
+                </p:childTnLst>
+              </p:cTn>
+              <p:prevCondLst>
+                <p:cond evt="onPrev" delay="0">
+                  <p:tgtEl>
+                    <p:sldTgt/>
+                  </p:tgtEl>
+                </p:cond>
+              </p:prevCondLst>
+              <p:nextCondLst>
+                <p:cond evt="onNext" delay="0">
+                  <p:tgtEl>
+                    <p:sldTgt/>
+                  </p:tgtEl>
+                </p:cond>
+              </p:nextCondLst>
+            </p:seq>
+          </p:childTnLst>
+        </p:cTn>
+      </p:par>
+    </p:tnLst>
+    <p:bldLst>
+      <p:bldP spid="12" grpId="0" animBg="1"/>
+      <p:bldP spid="12" grpId="1" animBg="1"/>
+    </p:bldLst>
+  </p:timing>
+</p:sld>
+</file>
+
+<file path=ppt/slides/slide11.xml><?xml version="1.0" encoding="utf-8"?>
+<p:sld xmlns:a="http://schemas.openxmlformats.org/drawingml/2006/main" xmlns:r="http://schemas.openxmlformats.org/officeDocument/2006/relationships" xmlns:p="http://schemas.openxmlformats.org/presentationml/2006/main">
+  <p:cSld>
+    <p:bg>
+      <p:bgPr>
+        <a:solidFill>
+          <a:schemeClr val="tx1"/>
+        </a:solidFill>
+        <a:effectLst/>
+      </p:bgPr>
+    </p:bg>
+    <p:spTree>
+      <p:nvGrpSpPr>
+        <p:cNvPr id="1" name=""/>
+        <p:cNvGrpSpPr/>
+        <p:nvPr/>
+      </p:nvGrpSpPr>
+      <p:grpSpPr>
+        <a:xfrm>
+          <a:off x="0" y="0"/>
+          <a:ext cx="0" cy="0"/>
+          <a:chOff x="0" y="0"/>
+          <a:chExt cx="0" cy="0"/>
+        </a:xfrm>
+      </p:grpSpPr>
+      <p:sp>
+        <p:nvSpPr>
+          <p:cNvPr id="5" name="Title 4"/>
+          <p:cNvSpPr>
+            <a:spLocks noGrp="1"/>
+          </p:cNvSpPr>
+          <p:nvPr>
+            <p:ph type="title"/>
+          </p:nvPr>
+        </p:nvSpPr>
+        <p:spPr/>
+        <p:txBody>
+          <a:bodyPr/>
+          <a:lstStyle/>
+          <a:p>
+            <a:r>
+              <a:rPr lang="en-US" b="1" dirty="0" smtClean="0">
+                <a:solidFill>
+                  <a:schemeClr val="bg1"/>
+                </a:solidFill>
+                <a:latin typeface="Arial" charset="0"/>
+                <a:ea typeface="Arial" charset="0"/>
+                <a:cs typeface="Arial" charset="0"/>
+              </a:rPr>
+              <a:t>The Results</a:t>
+            </a:r>
+            <a:endParaRPr lang="en-US" dirty="0"/>
+          </a:p>
+        </p:txBody>
+      </p:sp>
+      <p:sp>
+        <p:nvSpPr>
+          <p:cNvPr id="8" name="Content Placeholder 7"/>
+          <p:cNvSpPr>
+            <a:spLocks noGrp="1"/>
+          </p:cNvSpPr>
+          <p:nvPr>
+            <p:ph idx="1"/>
+          </p:nvPr>
+        </p:nvSpPr>
+        <p:spPr>
+          <a:xfrm>
+            <a:off x="838200" y="1825625"/>
+            <a:ext cx="10515600" cy="4332108"/>
+          </a:xfrm>
+        </p:spPr>
+        <p:txBody>
+          <a:bodyPr>
+            <a:normAutofit/>
+          </a:bodyPr>
+          <a:lstStyle/>
+          <a:p>
+            <a:r>
+              <a:rPr lang="en-US" sz="2000" dirty="0">
+                <a:solidFill>
+                  <a:schemeClr val="bg1"/>
+                </a:solidFill>
+                <a:latin typeface="Arial" charset="0"/>
+                <a:ea typeface="Arial" charset="0"/>
+                <a:cs typeface="Arial" charset="0"/>
+              </a:rPr>
+              <a:t>A world with extremists</a:t>
+            </a:r>
+          </a:p>
+          <a:p>
+            <a:pPr lvl="1"/>
+            <a:r>
+              <a:rPr lang="en-US" sz="2000" dirty="0">
+                <a:solidFill>
+                  <a:schemeClr val="bg1"/>
+                </a:solidFill>
+                <a:latin typeface="Arial" charset="0"/>
+                <a:ea typeface="Arial" charset="0"/>
+                <a:cs typeface="Arial" charset="0"/>
+              </a:rPr>
+              <a:t>the new </a:t>
+            </a:r>
+            <a:r>
+              <a:rPr lang="en-US" sz="2000" dirty="0" smtClean="0">
+                <a:solidFill>
+                  <a:schemeClr val="bg1"/>
+                </a:solidFill>
+                <a:latin typeface="Arial" charset="0"/>
+                <a:ea typeface="Arial" charset="0"/>
+                <a:cs typeface="Arial" charset="0"/>
+              </a:rPr>
+              <a:t>𝝻:</a:t>
+            </a:r>
+          </a:p>
+          <a:p>
+            <a:pPr lvl="2"/>
+            <a:r>
+              <a:rPr lang="en-US" dirty="0" smtClean="0">
+                <a:solidFill>
+                  <a:schemeClr val="bg1"/>
+                </a:solidFill>
+                <a:latin typeface="Arial" charset="0"/>
+                <a:ea typeface="Arial" charset="0"/>
+                <a:cs typeface="Arial" charset="0"/>
+              </a:rPr>
+              <a:t>Before: </a:t>
+            </a:r>
+            <a:r>
+              <a:rPr lang="en-US" dirty="0" smtClean="0">
+                <a:solidFill>
+                  <a:schemeClr val="bg1"/>
+                </a:solidFill>
+                <a:latin typeface="Arial" charset="0"/>
+                <a:ea typeface="Arial" charset="0"/>
+                <a:cs typeface="Arial" charset="0"/>
+              </a:rPr>
+              <a:t>𝝻</a:t>
+            </a:r>
+            <a:r>
+              <a:rPr lang="en-US" dirty="0" smtClean="0">
+                <a:solidFill>
+                  <a:schemeClr val="bg1"/>
+                </a:solidFill>
+                <a:latin typeface="Arial" charset="0"/>
+                <a:ea typeface="Arial" charset="0"/>
+                <a:cs typeface="Arial" charset="0"/>
+              </a:rPr>
+              <a:t> defined the speed of convergence, no influence on the final result</a:t>
+            </a:r>
+          </a:p>
+          <a:p>
+            <a:pPr lvl="2"/>
+            <a:r>
+              <a:rPr lang="en-US" dirty="0" smtClean="0">
+                <a:solidFill>
+                  <a:schemeClr val="bg1"/>
+                </a:solidFill>
+                <a:latin typeface="Arial" charset="0"/>
+                <a:ea typeface="Arial" charset="0"/>
+                <a:cs typeface="Arial" charset="0"/>
+              </a:rPr>
+              <a:t>After: </a:t>
+            </a:r>
+            <a:r>
+              <a:rPr lang="en-US" dirty="0" smtClean="0">
+                <a:solidFill>
+                  <a:schemeClr val="bg1"/>
+                </a:solidFill>
+                <a:latin typeface="Arial" charset="0"/>
+                <a:ea typeface="Arial" charset="0"/>
+                <a:cs typeface="Arial" charset="0"/>
+              </a:rPr>
+              <a:t>𝝻</a:t>
+            </a:r>
+            <a:r>
+              <a:rPr lang="en-US" dirty="0" smtClean="0">
+                <a:solidFill>
+                  <a:schemeClr val="bg1"/>
+                </a:solidFill>
+                <a:latin typeface="Arial" charset="0"/>
+                <a:ea typeface="Arial" charset="0"/>
+                <a:cs typeface="Arial" charset="0"/>
+              </a:rPr>
+              <a:t> has a new role</a:t>
+            </a:r>
+          </a:p>
+          <a:p>
+            <a:pPr lvl="2"/>
+            <a:endParaRPr lang="en-US" dirty="0">
+              <a:solidFill>
+                <a:schemeClr val="bg1"/>
+              </a:solidFill>
+              <a:latin typeface="Arial" charset="0"/>
+              <a:ea typeface="Arial" charset="0"/>
+              <a:cs typeface="Arial" charset="0"/>
+            </a:endParaRPr>
+          </a:p>
+          <a:p>
+            <a:pPr lvl="1"/>
+            <a:r>
+              <a:rPr lang="en-US" sz="2000" dirty="0">
+                <a:solidFill>
+                  <a:schemeClr val="bg1"/>
+                </a:solidFill>
+                <a:latin typeface="Arial" charset="0"/>
+                <a:ea typeface="Arial" charset="0"/>
+                <a:cs typeface="Arial" charset="0"/>
+              </a:rPr>
+              <a:t>interval of </a:t>
+            </a:r>
+            <a:r>
+              <a:rPr lang="en-US" sz="2000" dirty="0" smtClean="0">
+                <a:solidFill>
+                  <a:schemeClr val="bg1"/>
+                </a:solidFill>
+                <a:latin typeface="Arial" charset="0"/>
+                <a:ea typeface="Arial" charset="0"/>
+                <a:cs typeface="Arial" charset="0"/>
+              </a:rPr>
+              <a:t>influence</a:t>
+            </a:r>
+          </a:p>
+          <a:p>
+            <a:pPr lvl="2"/>
+            <a:endParaRPr lang="en-US" sz="1600" dirty="0" smtClean="0">
+              <a:solidFill>
+                <a:schemeClr val="bg1"/>
+              </a:solidFill>
+              <a:latin typeface="Arial" charset="0"/>
+              <a:ea typeface="Arial" charset="0"/>
+              <a:cs typeface="Arial" charset="0"/>
+            </a:endParaRPr>
+          </a:p>
+          <a:p>
+            <a:pPr lvl="2"/>
+            <a:endParaRPr lang="en-US" sz="1600" dirty="0">
+              <a:solidFill>
+                <a:schemeClr val="bg1"/>
+              </a:solidFill>
+              <a:latin typeface="Arial" charset="0"/>
+              <a:ea typeface="Arial" charset="0"/>
+              <a:cs typeface="Arial" charset="0"/>
+            </a:endParaRPr>
+          </a:p>
+          <a:p>
+            <a:pPr lvl="2"/>
+            <a:endParaRPr lang="en-US" sz="1600" dirty="0">
+              <a:solidFill>
+                <a:schemeClr val="bg1"/>
+              </a:solidFill>
+              <a:latin typeface="Arial" charset="0"/>
+              <a:ea typeface="Arial" charset="0"/>
+              <a:cs typeface="Arial" charset="0"/>
+            </a:endParaRPr>
+          </a:p>
+          <a:p>
+            <a:pPr lvl="1"/>
+            <a:r>
+              <a:rPr lang="en-US" sz="2000" dirty="0">
+                <a:solidFill>
+                  <a:schemeClr val="bg1"/>
+                </a:solidFill>
+                <a:latin typeface="Arial" charset="0"/>
+                <a:ea typeface="Arial" charset="0"/>
+                <a:cs typeface="Arial" charset="0"/>
+              </a:rPr>
+              <a:t>the power of convincing</a:t>
+            </a:r>
+          </a:p>
+        </p:txBody>
+      </p:sp>
+      <p:sp>
+        <p:nvSpPr>
+          <p:cNvPr id="6" name="Footer Placeholder 5"/>
+          <p:cNvSpPr>
+            <a:spLocks noGrp="1"/>
+          </p:cNvSpPr>
+          <p:nvPr>
+            <p:ph type="ftr" sz="quarter" idx="11"/>
+          </p:nvPr>
+        </p:nvSpPr>
+        <p:spPr/>
+        <p:txBody>
+          <a:bodyPr/>
+          <a:lstStyle/>
+          <a:p>
+            <a:r>
+              <a:rPr lang="en-US" smtClean="0"/>
+              <a:t>Alexander Stein | Niklas Tidbury | Elisa Wall</a:t>
+            </a:r>
+            <a:endParaRPr lang="en-US"/>
+          </a:p>
+        </p:txBody>
+      </p:sp>
+      <p:sp>
+        <p:nvSpPr>
+          <p:cNvPr id="7" name="Slide Number Placeholder 6"/>
+          <p:cNvSpPr>
+            <a:spLocks noGrp="1"/>
+          </p:cNvSpPr>
+          <p:nvPr>
+            <p:ph type="sldNum" sz="quarter" idx="12"/>
+          </p:nvPr>
+        </p:nvSpPr>
+        <p:spPr/>
+        <p:txBody>
+          <a:bodyPr/>
+          <a:lstStyle/>
+          <a:p>
+            <a:fld id="{F2596965-FA8D-4049-94E7-50F8EE20294F}" type="slidenum">
+              <a:rPr lang="en-US" smtClean="0"/>
+              <a:t>11</a:t>
+            </a:fld>
+            <a:endParaRPr lang="en-US"/>
+          </a:p>
+        </p:txBody>
+      </p:sp>
+      <p:sp>
+        <p:nvSpPr>
+          <p:cNvPr id="9" name="Date Placeholder 8"/>
+          <p:cNvSpPr>
+            <a:spLocks noGrp="1"/>
+          </p:cNvSpPr>
+          <p:nvPr>
+            <p:ph type="dt" sz="half" idx="10"/>
+          </p:nvPr>
+        </p:nvSpPr>
+        <p:spPr/>
+        <p:txBody>
+          <a:bodyPr/>
+          <a:lstStyle/>
+          <a:p>
+            <a:r>
+              <a:rPr lang="en-US" smtClean="0"/>
+              <a:t>18.12.17</a:t>
+            </a:r>
+            <a:endParaRPr lang="en-US"/>
+          </a:p>
+        </p:txBody>
+      </p:sp>
+      <p:sp>
+        <p:nvSpPr>
+          <p:cNvPr id="10" name="Content Placeholder 7"/>
+          <p:cNvSpPr txBox="1">
+            <a:spLocks/>
+          </p:cNvSpPr>
+          <p:nvPr/>
+        </p:nvSpPr>
+        <p:spPr>
+          <a:xfrm>
+            <a:off x="10462592" y="217930"/>
+            <a:ext cx="1729408" cy="1213306"/>
+          </a:xfrm>
+          <a:prstGeom prst="rect">
+            <a:avLst/>
+          </a:prstGeom>
+        </p:spPr>
+        <p:txBody>
+          <a:bodyPr vert="horz" lIns="91440" tIns="45720" rIns="91440" bIns="45720" rtlCol="0">
+            <a:normAutofit/>
+          </a:bodyPr>
+          <a:lstStyle>
+            <a:lvl1pPr marL="228600" indent="-228600" algn="l" defTabSz="914400" rtl="0" eaLnBrk="1" latinLnBrk="0" hangingPunct="1">
+              <a:lnSpc>
+                <a:spcPct val="90000"/>
+              </a:lnSpc>
+              <a:spcBef>
+                <a:spcPts val="1000"/>
+              </a:spcBef>
+              <a:buFont typeface="Arial"/>
+              <a:buChar char="•"/>
+              <a:defRPr sz="2800" kern="1200">
+                <a:solidFill>
+                  <a:schemeClr val="tx1"/>
+                </a:solidFill>
+                <a:latin typeface="+mn-lt"/>
+                <a:ea typeface="+mn-ea"/>
+                <a:cs typeface="+mn-cs"/>
+              </a:defRPr>
+            </a:lvl1pPr>
+            <a:lvl2pPr marL="685800" indent="-228600" algn="l" defTabSz="914400" rtl="0" eaLnBrk="1" latinLnBrk="0" hangingPunct="1">
+              <a:lnSpc>
+                <a:spcPct val="90000"/>
+              </a:lnSpc>
+              <a:spcBef>
+                <a:spcPts val="500"/>
+              </a:spcBef>
+              <a:buFont typeface="Arial"/>
+              <a:buChar char="•"/>
+              <a:defRPr sz="2400" kern="1200">
+                <a:solidFill>
+                  <a:schemeClr val="tx1"/>
+                </a:solidFill>
+                <a:latin typeface="+mn-lt"/>
+                <a:ea typeface="+mn-ea"/>
+                <a:cs typeface="+mn-cs"/>
+              </a:defRPr>
+            </a:lvl2pPr>
+            <a:lvl3pPr marL="1143000" indent="-228600" algn="l" defTabSz="914400" rtl="0" eaLnBrk="1" latinLnBrk="0" hangingPunct="1">
+              <a:lnSpc>
+                <a:spcPct val="90000"/>
+              </a:lnSpc>
+              <a:spcBef>
+                <a:spcPts val="500"/>
+              </a:spcBef>
+              <a:buFont typeface="Arial"/>
+              <a:buChar char="•"/>
+              <a:defRPr sz="2000" kern="1200">
+                <a:solidFill>
+                  <a:schemeClr val="tx1"/>
+                </a:solidFill>
+                <a:latin typeface="+mn-lt"/>
+                <a:ea typeface="+mn-ea"/>
+                <a:cs typeface="+mn-cs"/>
+              </a:defRPr>
+            </a:lvl3pPr>
+            <a:lvl4pPr marL="1600200" indent="-228600" algn="l" defTabSz="914400" rtl="0" eaLnBrk="1" latinLnBrk="0" hangingPunct="1">
+              <a:lnSpc>
+                <a:spcPct val="90000"/>
+              </a:lnSpc>
+              <a:spcBef>
+                <a:spcPts val="500"/>
+              </a:spcBef>
+              <a:buFont typeface="Arial"/>
+              <a:buChar char="•"/>
+              <a:defRPr sz="1800" kern="1200">
+                <a:solidFill>
+                  <a:schemeClr val="tx1"/>
+                </a:solidFill>
+                <a:latin typeface="+mn-lt"/>
+                <a:ea typeface="+mn-ea"/>
+                <a:cs typeface="+mn-cs"/>
+              </a:defRPr>
+            </a:lvl4pPr>
+            <a:lvl5pPr marL="2057400" indent="-228600" algn="l" defTabSz="914400" rtl="0" eaLnBrk="1" latinLnBrk="0" hangingPunct="1">
+              <a:lnSpc>
+                <a:spcPct val="90000"/>
+              </a:lnSpc>
+              <a:spcBef>
+                <a:spcPts val="500"/>
+              </a:spcBef>
+              <a:buFont typeface="Arial"/>
+              <a:buChar char="•"/>
+              <a:defRPr sz="1800" kern="1200">
+                <a:solidFill>
+                  <a:schemeClr val="tx1"/>
+                </a:solidFill>
+                <a:latin typeface="+mn-lt"/>
+                <a:ea typeface="+mn-ea"/>
+                <a:cs typeface="+mn-cs"/>
+              </a:defRPr>
+            </a:lvl5pPr>
+            <a:lvl6pPr marL="2514600" indent="-228600" algn="l" defTabSz="914400" rtl="0" eaLnBrk="1" latinLnBrk="0" hangingPunct="1">
+              <a:lnSpc>
+                <a:spcPct val="90000"/>
+              </a:lnSpc>
+              <a:spcBef>
+                <a:spcPts val="500"/>
+              </a:spcBef>
+              <a:buFont typeface="Arial"/>
+              <a:buChar char="•"/>
+              <a:defRPr sz="1800" kern="1200">
+                <a:solidFill>
+                  <a:schemeClr val="tx1"/>
+                </a:solidFill>
+                <a:latin typeface="+mn-lt"/>
+                <a:ea typeface="+mn-ea"/>
+                <a:cs typeface="+mn-cs"/>
+              </a:defRPr>
+            </a:lvl6pPr>
+            <a:lvl7pPr marL="2971800" indent="-228600" algn="l" defTabSz="914400" rtl="0" eaLnBrk="1" latinLnBrk="0" hangingPunct="1">
+              <a:lnSpc>
+                <a:spcPct val="90000"/>
+              </a:lnSpc>
+              <a:spcBef>
+                <a:spcPts val="500"/>
+              </a:spcBef>
+              <a:buFont typeface="Arial"/>
+              <a:buChar char="•"/>
+              <a:defRPr sz="1800" kern="1200">
+                <a:solidFill>
+                  <a:schemeClr val="tx1"/>
+                </a:solidFill>
+                <a:latin typeface="+mn-lt"/>
+                <a:ea typeface="+mn-ea"/>
+                <a:cs typeface="+mn-cs"/>
+              </a:defRPr>
+            </a:lvl7pPr>
+            <a:lvl8pPr marL="3429000" indent="-228600" algn="l" defTabSz="914400" rtl="0" eaLnBrk="1" latinLnBrk="0" hangingPunct="1">
+              <a:lnSpc>
+                <a:spcPct val="90000"/>
+              </a:lnSpc>
+              <a:spcBef>
+                <a:spcPts val="500"/>
+              </a:spcBef>
+              <a:buFont typeface="Arial"/>
+              <a:buChar char="•"/>
+              <a:defRPr sz="1800" kern="1200">
+                <a:solidFill>
+                  <a:schemeClr val="tx1"/>
+                </a:solidFill>
+                <a:latin typeface="+mn-lt"/>
+                <a:ea typeface="+mn-ea"/>
+                <a:cs typeface="+mn-cs"/>
+              </a:defRPr>
+            </a:lvl8pPr>
+            <a:lvl9pPr marL="3886200" indent="-228600" algn="l" defTabSz="914400" rtl="0" eaLnBrk="1" latinLnBrk="0" hangingPunct="1">
+              <a:lnSpc>
+                <a:spcPct val="90000"/>
+              </a:lnSpc>
+              <a:spcBef>
+                <a:spcPts val="500"/>
+              </a:spcBef>
+              <a:buFont typeface="Arial"/>
+              <a:buChar char="•"/>
+              <a:defRPr sz="1800" kern="1200">
+                <a:solidFill>
+                  <a:schemeClr val="tx1"/>
+                </a:solidFill>
+                <a:latin typeface="+mn-lt"/>
+                <a:ea typeface="+mn-ea"/>
+                <a:cs typeface="+mn-cs"/>
+              </a:defRPr>
+            </a:lvl9pPr>
+          </a:lstStyle>
+          <a:p>
+            <a:pPr>
+              <a:lnSpc>
+                <a:spcPct val="100000"/>
+              </a:lnSpc>
+              <a:spcBef>
+                <a:spcPts val="0"/>
+              </a:spcBef>
+              <a:buFontTx/>
+              <a:buChar char="-"/>
+            </a:pPr>
+            <a:r>
+              <a:rPr lang="en-US" sz="1400" dirty="0" smtClean="0">
+                <a:solidFill>
+                  <a:schemeClr val="bg1">
+                    <a:lumMod val="50000"/>
+                  </a:schemeClr>
+                </a:solidFill>
+                <a:latin typeface="Arial" charset="0"/>
+                <a:ea typeface="Arial" charset="0"/>
+                <a:cs typeface="Arial" charset="0"/>
+              </a:rPr>
+              <a:t>Introduction</a:t>
+            </a:r>
+          </a:p>
+          <a:p>
+            <a:pPr>
+              <a:lnSpc>
+                <a:spcPct val="100000"/>
+              </a:lnSpc>
+              <a:spcBef>
+                <a:spcPts val="0"/>
+              </a:spcBef>
+              <a:buFontTx/>
+              <a:buChar char="-"/>
+            </a:pPr>
+            <a:r>
+              <a:rPr lang="en-US" sz="1400" dirty="0" smtClean="0">
+                <a:solidFill>
+                  <a:schemeClr val="bg1">
+                    <a:lumMod val="50000"/>
+                  </a:schemeClr>
+                </a:solidFill>
+                <a:latin typeface="Arial" charset="0"/>
+                <a:ea typeface="Arial" charset="0"/>
+                <a:cs typeface="Arial" charset="0"/>
+              </a:rPr>
+              <a:t>The Model</a:t>
+            </a:r>
+          </a:p>
+          <a:p>
+            <a:pPr>
+              <a:lnSpc>
+                <a:spcPct val="100000"/>
+              </a:lnSpc>
+              <a:spcBef>
+                <a:spcPts val="0"/>
+              </a:spcBef>
+              <a:buFontTx/>
+              <a:buChar char="-"/>
+            </a:pPr>
+            <a:r>
+              <a:rPr lang="en-US" sz="1400" dirty="0" smtClean="0">
+                <a:solidFill>
+                  <a:schemeClr val="bg1">
+                    <a:lumMod val="50000"/>
+                  </a:schemeClr>
+                </a:solidFill>
+                <a:latin typeface="Arial" charset="0"/>
+                <a:ea typeface="Arial" charset="0"/>
+                <a:cs typeface="Arial" charset="0"/>
+              </a:rPr>
+              <a:t>The Code</a:t>
+            </a:r>
+          </a:p>
+          <a:p>
+            <a:pPr>
+              <a:lnSpc>
+                <a:spcPct val="100000"/>
+              </a:lnSpc>
+              <a:spcBef>
+                <a:spcPts val="0"/>
+              </a:spcBef>
+              <a:buFontTx/>
+              <a:buChar char="-"/>
+            </a:pPr>
+            <a:r>
+              <a:rPr lang="en-US" sz="1400" dirty="0" smtClean="0">
+                <a:solidFill>
+                  <a:schemeClr val="bg1"/>
+                </a:solidFill>
+                <a:latin typeface="Arial" charset="0"/>
+                <a:ea typeface="Arial" charset="0"/>
+                <a:cs typeface="Arial" charset="0"/>
+              </a:rPr>
+              <a:t>The Results</a:t>
+            </a:r>
+          </a:p>
+          <a:p>
+            <a:pPr>
+              <a:lnSpc>
+                <a:spcPct val="100000"/>
+              </a:lnSpc>
+              <a:spcBef>
+                <a:spcPts val="0"/>
+              </a:spcBef>
+              <a:buFontTx/>
+              <a:buChar char="-"/>
+            </a:pPr>
+            <a:r>
+              <a:rPr lang="en-US" sz="1400" dirty="0" smtClean="0">
+                <a:solidFill>
+                  <a:schemeClr val="bg1">
+                    <a:lumMod val="50000"/>
+                  </a:schemeClr>
+                </a:solidFill>
+                <a:latin typeface="Arial" charset="0"/>
+                <a:ea typeface="Arial" charset="0"/>
+                <a:cs typeface="Arial" charset="0"/>
+              </a:rPr>
+              <a:t>The Problems</a:t>
+            </a:r>
+          </a:p>
+          <a:p>
+            <a:pPr>
+              <a:lnSpc>
+                <a:spcPct val="100000"/>
+              </a:lnSpc>
+              <a:spcBef>
+                <a:spcPts val="0"/>
+              </a:spcBef>
+              <a:buFontTx/>
+              <a:buChar char="-"/>
+            </a:pPr>
+            <a:endParaRPr lang="en-US" sz="1400" dirty="0">
+              <a:solidFill>
+                <a:schemeClr val="bg1">
+                  <a:lumMod val="50000"/>
+                </a:schemeClr>
+              </a:solidFill>
+              <a:latin typeface="Arial" charset="0"/>
+              <a:ea typeface="Arial" charset="0"/>
+              <a:cs typeface="Arial" charset="0"/>
+            </a:endParaRPr>
+          </a:p>
+        </p:txBody>
+      </p:sp>
+      <p:pic>
+        <p:nvPicPr>
+          <p:cNvPr id="4" name="Picture 3"/>
+          <p:cNvPicPr>
+            <a:picLocks noChangeAspect="1"/>
+          </p:cNvPicPr>
+          <p:nvPr/>
+        </p:nvPicPr>
+        <p:blipFill>
+          <a:blip r:embed="rId3">
+            <a:extLst>
+              <a:ext uri="{28A0092B-C50C-407E-A947-70E740481C1C}">
+                <a14:useLocalDpi xmlns:a14="http://schemas.microsoft.com/office/drawing/2010/main" val="0"/>
+              </a:ext>
+            </a:extLst>
+          </a:blip>
+          <a:stretch>
+            <a:fillRect/>
+          </a:stretch>
+        </p:blipFill>
+        <p:spPr>
+          <a:xfrm>
+            <a:off x="6028948" y="1864690"/>
+            <a:ext cx="5831175" cy="4373381"/>
+          </a:xfrm>
+          <a:prstGeom prst="rect">
+            <a:avLst/>
+          </a:prstGeom>
+        </p:spPr>
+      </p:pic>
+      <p:sp>
+        <p:nvSpPr>
+          <p:cNvPr id="16" name="Rectangle 15"/>
+          <p:cNvSpPr/>
+          <p:nvPr/>
+        </p:nvSpPr>
+        <p:spPr>
+          <a:xfrm>
+            <a:off x="4249271" y="3957878"/>
+            <a:ext cx="5916705" cy="251051"/>
+          </a:xfrm>
+          <a:prstGeom prst="rect">
+            <a:avLst/>
+          </a:prstGeom>
+          <a:solidFill>
+            <a:schemeClr val="bg1"/>
+          </a:solidFill>
+          <a:ln>
+            <a:solidFill>
+              <a:schemeClr val="bg1"/>
+            </a:solidFill>
+          </a:ln>
+        </p:spPr>
+        <p:style>
+          <a:lnRef idx="2">
+            <a:schemeClr val="accent1">
+              <a:shade val="50000"/>
+            </a:schemeClr>
+          </a:lnRef>
+          <a:fillRef idx="1">
+            <a:schemeClr val="accent1"/>
+          </a:fillRef>
+          <a:effectRef idx="0">
+            <a:schemeClr val="accent1"/>
+          </a:effectRef>
+          <a:fontRef idx="minor">
+            <a:schemeClr val="lt1"/>
+          </a:fontRef>
+        </p:style>
+        <p:txBody>
+          <a:bodyPr rtlCol="0" anchor="ctr"/>
+          <a:lstStyle/>
+          <a:p>
+            <a:pPr algn="ctr"/>
+            <a:endParaRPr lang="en-US"/>
+          </a:p>
+        </p:txBody>
+      </p:sp>
+      <p:sp>
+        <p:nvSpPr>
+          <p:cNvPr id="17" name="Rectangle 16"/>
+          <p:cNvSpPr/>
+          <p:nvPr/>
+        </p:nvSpPr>
+        <p:spPr>
+          <a:xfrm>
+            <a:off x="4249271" y="3957878"/>
+            <a:ext cx="1411941" cy="251051"/>
+          </a:xfrm>
+          <a:prstGeom prst="rect">
+            <a:avLst/>
+          </a:prstGeom>
+        </p:spPr>
+        <p:style>
+          <a:lnRef idx="2">
+            <a:schemeClr val="accent1">
+              <a:shade val="50000"/>
+            </a:schemeClr>
+          </a:lnRef>
+          <a:fillRef idx="1">
+            <a:schemeClr val="accent1"/>
+          </a:fillRef>
+          <a:effectRef idx="0">
+            <a:schemeClr val="accent1"/>
+          </a:effectRef>
+          <a:fontRef idx="minor">
+            <a:schemeClr val="lt1"/>
+          </a:fontRef>
+        </p:style>
+        <p:txBody>
+          <a:bodyPr rtlCol="0" anchor="ctr"/>
+          <a:lstStyle/>
+          <a:p>
+            <a:pPr algn="ctr"/>
+            <a:endParaRPr lang="en-US"/>
+          </a:p>
+        </p:txBody>
+      </p:sp>
+      <p:sp>
+        <p:nvSpPr>
+          <p:cNvPr id="18" name="Rectangle 17"/>
+          <p:cNvSpPr/>
+          <p:nvPr/>
+        </p:nvSpPr>
+        <p:spPr>
+          <a:xfrm>
+            <a:off x="8749554" y="3958344"/>
+            <a:ext cx="1411941" cy="251051"/>
+          </a:xfrm>
+          <a:prstGeom prst="rect">
+            <a:avLst/>
+          </a:prstGeom>
+        </p:spPr>
+        <p:style>
+          <a:lnRef idx="2">
+            <a:schemeClr val="accent1">
+              <a:shade val="50000"/>
+            </a:schemeClr>
+          </a:lnRef>
+          <a:fillRef idx="1">
+            <a:schemeClr val="accent1"/>
+          </a:fillRef>
+          <a:effectRef idx="0">
+            <a:schemeClr val="accent1"/>
+          </a:effectRef>
+          <a:fontRef idx="minor">
+            <a:schemeClr val="lt1"/>
+          </a:fontRef>
+        </p:style>
+        <p:txBody>
+          <a:bodyPr rtlCol="0" anchor="ctr"/>
+          <a:lstStyle/>
+          <a:p>
+            <a:pPr algn="ctr"/>
+            <a:endParaRPr lang="en-US"/>
+          </a:p>
+        </p:txBody>
+      </p:sp>
+      <p:sp>
+        <p:nvSpPr>
+          <p:cNvPr id="20" name="TextBox 19"/>
+          <p:cNvSpPr txBox="1"/>
+          <p:nvPr/>
+        </p:nvSpPr>
+        <p:spPr>
+          <a:xfrm>
+            <a:off x="4563218" y="3860412"/>
+            <a:ext cx="1465730" cy="369332"/>
+          </a:xfrm>
+          <a:prstGeom prst="rect">
+            <a:avLst/>
+          </a:prstGeom>
+          <a:noFill/>
+        </p:spPr>
+        <p:txBody>
+          <a:bodyPr wrap="square" rtlCol="0">
+            <a:spAutoFit/>
+          </a:bodyPr>
+          <a:lstStyle/>
+          <a:p>
+            <a:r>
+              <a:rPr lang="en-US" b="1" dirty="0" err="1" smtClean="0">
+                <a:solidFill>
+                  <a:schemeClr val="bg1"/>
+                </a:solidFill>
+                <a:latin typeface="Arial" charset="0"/>
+                <a:ea typeface="Arial" charset="0"/>
+                <a:cs typeface="Arial" charset="0"/>
+              </a:rPr>
+              <a:t>infop</a:t>
+            </a:r>
+            <a:endParaRPr lang="en-US" b="1" dirty="0">
+              <a:solidFill>
+                <a:schemeClr val="bg1"/>
+              </a:solidFill>
+              <a:latin typeface="Arial" charset="0"/>
+              <a:ea typeface="Arial" charset="0"/>
+              <a:cs typeface="Arial" charset="0"/>
+            </a:endParaRPr>
+          </a:p>
+        </p:txBody>
+      </p:sp>
+      <p:sp>
+        <p:nvSpPr>
+          <p:cNvPr id="21" name="TextBox 20"/>
+          <p:cNvSpPr txBox="1"/>
+          <p:nvPr/>
+        </p:nvSpPr>
+        <p:spPr>
+          <a:xfrm>
+            <a:off x="9157446" y="3865201"/>
+            <a:ext cx="1465730" cy="369332"/>
+          </a:xfrm>
+          <a:prstGeom prst="rect">
+            <a:avLst/>
+          </a:prstGeom>
+          <a:noFill/>
+        </p:spPr>
+        <p:txBody>
+          <a:bodyPr wrap="square" rtlCol="0">
+            <a:spAutoFit/>
+          </a:bodyPr>
+          <a:lstStyle/>
+          <a:p>
+            <a:r>
+              <a:rPr lang="en-US" b="1" dirty="0" err="1" smtClean="0">
+                <a:solidFill>
+                  <a:schemeClr val="bg1"/>
+                </a:solidFill>
+                <a:latin typeface="Arial" charset="0"/>
+                <a:ea typeface="Arial" charset="0"/>
+                <a:cs typeface="Arial" charset="0"/>
+              </a:rPr>
+              <a:t>infop</a:t>
+            </a:r>
+            <a:endParaRPr lang="en-US" b="1" dirty="0">
+              <a:solidFill>
+                <a:schemeClr val="bg1"/>
+              </a:solidFill>
+              <a:latin typeface="Arial" charset="0"/>
+              <a:ea typeface="Arial" charset="0"/>
+              <a:cs typeface="Arial" charset="0"/>
+            </a:endParaRPr>
+          </a:p>
+        </p:txBody>
+      </p:sp>
+      <p:pic>
+        <p:nvPicPr>
+          <p:cNvPr id="22" name="Picture 21"/>
+          <p:cNvPicPr>
+            <a:picLocks noChangeAspect="1"/>
+          </p:cNvPicPr>
+          <p:nvPr/>
+        </p:nvPicPr>
+        <p:blipFill>
+          <a:blip r:embed="rId4">
+            <a:extLst>
+              <a:ext uri="{28A0092B-C50C-407E-A947-70E740481C1C}">
+                <a14:useLocalDpi xmlns:a14="http://schemas.microsoft.com/office/drawing/2010/main" val="0"/>
+              </a:ext>
+            </a:extLst>
+          </a:blip>
+          <a:stretch>
+            <a:fillRect/>
+          </a:stretch>
+        </p:blipFill>
+        <p:spPr>
+          <a:xfrm>
+            <a:off x="282574" y="1858709"/>
+            <a:ext cx="5831174" cy="4373381"/>
+          </a:xfrm>
+          <a:prstGeom prst="rect">
+            <a:avLst/>
+          </a:prstGeom>
+        </p:spPr>
+      </p:pic>
+      <p:sp>
+        <p:nvSpPr>
+          <p:cNvPr id="23" name="Rectangle 22"/>
+          <p:cNvSpPr/>
+          <p:nvPr/>
+        </p:nvSpPr>
+        <p:spPr>
+          <a:xfrm>
+            <a:off x="4719918" y="1431236"/>
+            <a:ext cx="7340902" cy="4793388"/>
+          </a:xfrm>
+          <a:prstGeom prst="rect">
+            <a:avLst/>
+          </a:prstGeom>
+          <a:solidFill>
+            <a:schemeClr val="tx1"/>
+          </a:solidFill>
+          <a:ln>
+            <a:solidFill>
+              <a:schemeClr val="tx1"/>
+            </a:solidFill>
+          </a:ln>
+        </p:spPr>
+        <p:style>
+          <a:lnRef idx="2">
+            <a:schemeClr val="accent1">
+              <a:shade val="50000"/>
+            </a:schemeClr>
+          </a:lnRef>
+          <a:fillRef idx="1">
+            <a:schemeClr val="accent1"/>
+          </a:fillRef>
+          <a:effectRef idx="0">
+            <a:schemeClr val="accent1"/>
+          </a:effectRef>
+          <a:fontRef idx="minor">
+            <a:schemeClr val="lt1"/>
+          </a:fontRef>
+        </p:style>
+        <p:txBody>
+          <a:bodyPr rtlCol="0" anchor="ctr"/>
+          <a:lstStyle/>
+          <a:p>
+            <a:pPr algn="ctr"/>
+            <a:endParaRPr lang="en-US"/>
+          </a:p>
+        </p:txBody>
+      </p:sp>
+      <p:pic>
+        <p:nvPicPr>
+          <p:cNvPr id="15" name="Picture 14"/>
+          <p:cNvPicPr>
+            <a:picLocks noChangeAspect="1"/>
+          </p:cNvPicPr>
+          <p:nvPr/>
+        </p:nvPicPr>
+        <p:blipFill>
+          <a:blip r:embed="rId5">
+            <a:extLst>
+              <a:ext uri="{28A0092B-C50C-407E-A947-70E740481C1C}">
+                <a14:useLocalDpi xmlns:a14="http://schemas.microsoft.com/office/drawing/2010/main" val="0"/>
+              </a:ext>
+            </a:extLst>
+          </a:blip>
+          <a:stretch>
+            <a:fillRect/>
+          </a:stretch>
+        </p:blipFill>
+        <p:spPr>
+          <a:xfrm>
+            <a:off x="915680" y="-28258"/>
+            <a:ext cx="8609139" cy="6252882"/>
+          </a:xfrm>
+          <a:prstGeom prst="rect">
+            <a:avLst/>
+          </a:prstGeom>
+        </p:spPr>
+      </p:pic>
+    </p:spTree>
+    <p:extLst>
+      <p:ext uri="{BB962C8B-B14F-4D97-AF65-F5344CB8AC3E}">
+        <p14:creationId xmlns:p14="http://schemas.microsoft.com/office/powerpoint/2010/main" val="1406125728"/>
+      </p:ext>
+    </p:extLst>
+  </p:cSld>
+  <p:clrMapOvr>
+    <a:masterClrMapping/>
+  </p:clrMapOvr>
+  <p:timing>
+    <p:tnLst>
+      <p:par>
+        <p:cTn id="1" dur="indefinite" restart="never" nodeType="tmRoot">
+          <p:childTnLst>
+            <p:seq concurrent="1" nextAc="seek">
+              <p:cTn id="2" dur="indefinite" nodeType="mainSeq">
+                <p:childTnLst>
+                  <p:par>
+                    <p:cTn id="3" fill="hold">
+                      <p:stCondLst>
+                        <p:cond delay="indefinite"/>
+                      </p:stCondLst>
+                      <p:childTnLst>
+                        <p:par>
+                          <p:cTn id="4" fill="hold">
+                            <p:stCondLst>
+                              <p:cond delay="0"/>
+                            </p:stCondLst>
+                            <p:childTnLst>
+                              <p:par>
+                                <p:cTn id="5" presetID="1" presetClass="entr" presetSubtype="0" fill="hold" nodeType="clickEffect">
+                                  <p:stCondLst>
+                                    <p:cond delay="0"/>
+                                  </p:stCondLst>
+                                  <p:childTnLst>
+                                    <p:set>
+                                      <p:cBhvr>
+                                        <p:cTn id="6" dur="1" fill="hold">
+                                          <p:stCondLst>
+                                            <p:cond delay="0"/>
+                                          </p:stCondLst>
+                                        </p:cTn>
+                                        <p:tgtEl>
+                                          <p:spTgt spid="8">
+                                            <p:txEl>
+                                              <p:pRg st="1" end="1"/>
+                                            </p:txEl>
+                                          </p:spTgt>
+                                        </p:tgtEl>
+                                        <p:attrNameLst>
+                                          <p:attrName>style.visibility</p:attrName>
+                                        </p:attrNameLst>
+                                      </p:cBhvr>
+                                      <p:to>
+                                        <p:strVal val="visible"/>
+                                      </p:to>
+                                    </p:set>
+                                  </p:childTnLst>
+                                </p:cTn>
+                              </p:par>
+                              <p:par>
+                                <p:cTn id="7" presetID="1" presetClass="entr" presetSubtype="0" fill="hold" nodeType="withEffect">
+                                  <p:stCondLst>
+                                    <p:cond delay="0"/>
+                                  </p:stCondLst>
+                                  <p:childTnLst>
+                                    <p:set>
+                                      <p:cBhvr>
+                                        <p:cTn id="8" dur="1" fill="hold">
+                                          <p:stCondLst>
+                                            <p:cond delay="0"/>
+                                          </p:stCondLst>
+                                        </p:cTn>
+                                        <p:tgtEl>
+                                          <p:spTgt spid="8">
+                                            <p:txEl>
+                                              <p:pRg st="2" end="2"/>
+                                            </p:txEl>
+                                          </p:spTgt>
+                                        </p:tgtEl>
+                                        <p:attrNameLst>
+                                          <p:attrName>style.visibility</p:attrName>
+                                        </p:attrNameLst>
+                                      </p:cBhvr>
+                                      <p:to>
+                                        <p:strVal val="visible"/>
+                                      </p:to>
+                                    </p:set>
+                                  </p:childTnLst>
+                                </p:cTn>
+                              </p:par>
+                              <p:par>
+                                <p:cTn id="9" presetID="1" presetClass="entr" presetSubtype="0" fill="hold" nodeType="withEffect">
+                                  <p:stCondLst>
+                                    <p:cond delay="0"/>
+                                  </p:stCondLst>
+                                  <p:childTnLst>
+                                    <p:set>
+                                      <p:cBhvr>
+                                        <p:cTn id="10" dur="1" fill="hold">
+                                          <p:stCondLst>
+                                            <p:cond delay="0"/>
+                                          </p:stCondLst>
+                                        </p:cTn>
+                                        <p:tgtEl>
+                                          <p:spTgt spid="8">
+                                            <p:txEl>
+                                              <p:pRg st="3" end="3"/>
+                                            </p:txEl>
+                                          </p:spTgt>
+                                        </p:tgtEl>
+                                        <p:attrNameLst>
+                                          <p:attrName>style.visibility</p:attrName>
+                                        </p:attrNameLst>
+                                      </p:cBhvr>
+                                      <p:to>
+                                        <p:strVal val="visible"/>
+                                      </p:to>
+                                    </p:set>
+                                  </p:childTnLst>
+                                </p:cTn>
+                              </p:par>
+                            </p:childTnLst>
+                          </p:cTn>
+                        </p:par>
+                      </p:childTnLst>
+                    </p:cTn>
+                  </p:par>
+                  <p:par>
+                    <p:cTn id="11" fill="hold">
+                      <p:stCondLst>
+                        <p:cond delay="indefinite"/>
+                      </p:stCondLst>
+                      <p:childTnLst>
+                        <p:par>
+                          <p:cTn id="12" fill="hold">
+                            <p:stCondLst>
+                              <p:cond delay="0"/>
+                            </p:stCondLst>
+                            <p:childTnLst>
+                              <p:par>
+                                <p:cTn id="13" presetID="1" presetClass="entr" presetSubtype="0" fill="hold" nodeType="clickEffect">
+                                  <p:stCondLst>
+                                    <p:cond delay="0"/>
+                                  </p:stCondLst>
+                                  <p:childTnLst>
+                                    <p:set>
+                                      <p:cBhvr>
+                                        <p:cTn id="14" dur="1" fill="hold">
+                                          <p:stCondLst>
+                                            <p:cond delay="0"/>
+                                          </p:stCondLst>
+                                        </p:cTn>
+                                        <p:tgtEl>
+                                          <p:spTgt spid="22"/>
+                                        </p:tgtEl>
+                                        <p:attrNameLst>
+                                          <p:attrName>style.visibility</p:attrName>
+                                        </p:attrNameLst>
+                                      </p:cBhvr>
+                                      <p:to>
+                                        <p:strVal val="visible"/>
+                                      </p:to>
+                                    </p:set>
+                                  </p:childTnLst>
+                                </p:cTn>
+                              </p:par>
+                              <p:par>
+                                <p:cTn id="15" presetID="1" presetClass="entr" presetSubtype="0" fill="hold" nodeType="withEffect">
+                                  <p:stCondLst>
+                                    <p:cond delay="0"/>
+                                  </p:stCondLst>
+                                  <p:childTnLst>
+                                    <p:set>
+                                      <p:cBhvr>
+                                        <p:cTn id="16" dur="1" fill="hold">
+                                          <p:stCondLst>
+                                            <p:cond delay="0"/>
+                                          </p:stCondLst>
+                                        </p:cTn>
+                                        <p:tgtEl>
+                                          <p:spTgt spid="4"/>
+                                        </p:tgtEl>
+                                        <p:attrNameLst>
+                                          <p:attrName>style.visibility</p:attrName>
+                                        </p:attrNameLst>
+                                      </p:cBhvr>
+                                      <p:to>
+                                        <p:strVal val="visible"/>
+                                      </p:to>
+                                    </p:set>
+                                  </p:childTnLst>
+                                </p:cTn>
+                              </p:par>
+                            </p:childTnLst>
+                          </p:cTn>
+                        </p:par>
+                      </p:childTnLst>
+                    </p:cTn>
+                  </p:par>
+                  <p:par>
+                    <p:cTn id="17" fill="hold">
+                      <p:stCondLst>
+                        <p:cond delay="indefinite"/>
+                      </p:stCondLst>
+                      <p:childTnLst>
+                        <p:par>
+                          <p:cTn id="18" fill="hold">
+                            <p:stCondLst>
+                              <p:cond delay="0"/>
+                            </p:stCondLst>
+                            <p:childTnLst>
+                              <p:par>
+                                <p:cTn id="19" presetID="1" presetClass="exit" presetSubtype="0" fill="hold" nodeType="clickEffect">
+                                  <p:stCondLst>
+                                    <p:cond delay="0"/>
+                                  </p:stCondLst>
+                                  <p:childTnLst>
+                                    <p:set>
+                                      <p:cBhvr>
+                                        <p:cTn id="20" dur="1" fill="hold">
+                                          <p:stCondLst>
+                                            <p:cond delay="0"/>
+                                          </p:stCondLst>
+                                        </p:cTn>
+                                        <p:tgtEl>
+                                          <p:spTgt spid="4"/>
+                                        </p:tgtEl>
+                                        <p:attrNameLst>
+                                          <p:attrName>style.visibility</p:attrName>
+                                        </p:attrNameLst>
+                                      </p:cBhvr>
+                                      <p:to>
+                                        <p:strVal val="hidden"/>
+                                      </p:to>
+                                    </p:set>
+                                  </p:childTnLst>
+                                </p:cTn>
+                              </p:par>
+                              <p:par>
+                                <p:cTn id="21" presetID="1" presetClass="exit" presetSubtype="0" fill="hold" nodeType="withEffect">
+                                  <p:stCondLst>
+                                    <p:cond delay="0"/>
+                                  </p:stCondLst>
+                                  <p:childTnLst>
+                                    <p:set>
+                                      <p:cBhvr>
+                                        <p:cTn id="22" dur="1" fill="hold">
+                                          <p:stCondLst>
+                                            <p:cond delay="0"/>
+                                          </p:stCondLst>
+                                        </p:cTn>
+                                        <p:tgtEl>
+                                          <p:spTgt spid="22"/>
+                                        </p:tgtEl>
+                                        <p:attrNameLst>
+                                          <p:attrName>style.visibility</p:attrName>
+                                        </p:attrNameLst>
+                                      </p:cBhvr>
+                                      <p:to>
+                                        <p:strVal val="hidden"/>
+                                      </p:to>
+                                    </p:set>
+                                  </p:childTnLst>
+                                </p:cTn>
+                              </p:par>
+                            </p:childTnLst>
+                          </p:cTn>
+                        </p:par>
+                      </p:childTnLst>
+                    </p:cTn>
+                  </p:par>
+                  <p:par>
+                    <p:cTn id="23" fill="hold">
+                      <p:stCondLst>
+                        <p:cond delay="indefinite"/>
+                      </p:stCondLst>
+                      <p:childTnLst>
+                        <p:par>
+                          <p:cTn id="24" fill="hold">
+                            <p:stCondLst>
+                              <p:cond delay="0"/>
+                            </p:stCondLst>
+                            <p:childTnLst>
+                              <p:par>
+                                <p:cTn id="25" presetID="1" presetClass="entr" presetSubtype="0" fill="hold" nodeType="clickEffect">
+                                  <p:stCondLst>
+                                    <p:cond delay="0"/>
+                                  </p:stCondLst>
+                                  <p:childTnLst>
+                                    <p:set>
+                                      <p:cBhvr>
+                                        <p:cTn id="26" dur="1" fill="hold">
+                                          <p:stCondLst>
+                                            <p:cond delay="0"/>
+                                          </p:stCondLst>
+                                        </p:cTn>
+                                        <p:tgtEl>
+                                          <p:spTgt spid="8">
+                                            <p:txEl>
+                                              <p:pRg st="5" end="5"/>
+                                            </p:txEl>
+                                          </p:spTgt>
+                                        </p:tgtEl>
+                                        <p:attrNameLst>
+                                          <p:attrName>style.visibility</p:attrName>
+                                        </p:attrNameLst>
+                                      </p:cBhvr>
+                                      <p:to>
+                                        <p:strVal val="visible"/>
+                                      </p:to>
+                                    </p:set>
+                                  </p:childTnLst>
+                                </p:cTn>
+                              </p:par>
+                              <p:par>
+                                <p:cTn id="27" presetID="1" presetClass="entr" presetSubtype="0" fill="hold" grpId="0" nodeType="withEffect">
+                                  <p:stCondLst>
+                                    <p:cond delay="0"/>
+                                  </p:stCondLst>
+                                  <p:childTnLst>
+                                    <p:set>
+                                      <p:cBhvr>
+                                        <p:cTn id="28" dur="1" fill="hold">
+                                          <p:stCondLst>
+                                            <p:cond delay="0"/>
+                                          </p:stCondLst>
+                                        </p:cTn>
+                                        <p:tgtEl>
+                                          <p:spTgt spid="20"/>
+                                        </p:tgtEl>
+                                        <p:attrNameLst>
+                                          <p:attrName>style.visibility</p:attrName>
+                                        </p:attrNameLst>
+                                      </p:cBhvr>
+                                      <p:to>
+                                        <p:strVal val="visible"/>
+                                      </p:to>
+                                    </p:set>
+                                  </p:childTnLst>
+                                </p:cTn>
+                              </p:par>
+                              <p:par>
+                                <p:cTn id="29" presetID="1" presetClass="entr" presetSubtype="0" fill="hold" grpId="0" nodeType="withEffect">
+                                  <p:stCondLst>
+                                    <p:cond delay="0"/>
+                                  </p:stCondLst>
+                                  <p:childTnLst>
+                                    <p:set>
+                                      <p:cBhvr>
+                                        <p:cTn id="30" dur="1" fill="hold">
+                                          <p:stCondLst>
+                                            <p:cond delay="0"/>
+                                          </p:stCondLst>
+                                        </p:cTn>
+                                        <p:tgtEl>
+                                          <p:spTgt spid="17"/>
+                                        </p:tgtEl>
+                                        <p:attrNameLst>
+                                          <p:attrName>style.visibility</p:attrName>
+                                        </p:attrNameLst>
+                                      </p:cBhvr>
+                                      <p:to>
+                                        <p:strVal val="visible"/>
+                                      </p:to>
+                                    </p:set>
+                                  </p:childTnLst>
+                                </p:cTn>
+                              </p:par>
+                              <p:par>
+                                <p:cTn id="31" presetID="1" presetClass="entr" presetSubtype="0" fill="hold" grpId="0" nodeType="withEffect">
+                                  <p:stCondLst>
+                                    <p:cond delay="0"/>
+                                  </p:stCondLst>
+                                  <p:childTnLst>
+                                    <p:set>
+                                      <p:cBhvr>
+                                        <p:cTn id="32" dur="1" fill="hold">
+                                          <p:stCondLst>
+                                            <p:cond delay="0"/>
+                                          </p:stCondLst>
+                                        </p:cTn>
+                                        <p:tgtEl>
+                                          <p:spTgt spid="16"/>
+                                        </p:tgtEl>
+                                        <p:attrNameLst>
+                                          <p:attrName>style.visibility</p:attrName>
+                                        </p:attrNameLst>
+                                      </p:cBhvr>
+                                      <p:to>
+                                        <p:strVal val="visible"/>
+                                      </p:to>
+                                    </p:set>
+                                  </p:childTnLst>
+                                </p:cTn>
+                              </p:par>
+                              <p:par>
+                                <p:cTn id="33" presetID="1" presetClass="entr" presetSubtype="0" fill="hold" grpId="0" nodeType="withEffect">
+                                  <p:stCondLst>
+                                    <p:cond delay="0"/>
+                                  </p:stCondLst>
+                                  <p:childTnLst>
+                                    <p:set>
+                                      <p:cBhvr>
+                                        <p:cTn id="34" dur="1" fill="hold">
+                                          <p:stCondLst>
+                                            <p:cond delay="0"/>
+                                          </p:stCondLst>
+                                        </p:cTn>
+                                        <p:tgtEl>
+                                          <p:spTgt spid="18"/>
+                                        </p:tgtEl>
+                                        <p:attrNameLst>
+                                          <p:attrName>style.visibility</p:attrName>
+                                        </p:attrNameLst>
+                                      </p:cBhvr>
+                                      <p:to>
+                                        <p:strVal val="visible"/>
+                                      </p:to>
+                                    </p:set>
+                                  </p:childTnLst>
+                                </p:cTn>
+                              </p:par>
+                              <p:par>
+                                <p:cTn id="35" presetID="1" presetClass="entr" presetSubtype="0" fill="hold" grpId="0" nodeType="withEffect">
+                                  <p:stCondLst>
+                                    <p:cond delay="0"/>
+                                  </p:stCondLst>
+                                  <p:childTnLst>
+                                    <p:set>
+                                      <p:cBhvr>
+                                        <p:cTn id="36" dur="1" fill="hold">
+                                          <p:stCondLst>
+                                            <p:cond delay="0"/>
+                                          </p:stCondLst>
+                                        </p:cTn>
+                                        <p:tgtEl>
+                                          <p:spTgt spid="21"/>
+                                        </p:tgtEl>
+                                        <p:attrNameLst>
+                                          <p:attrName>style.visibility</p:attrName>
+                                        </p:attrNameLst>
+                                      </p:cBhvr>
+                                      <p:to>
+                                        <p:strVal val="visible"/>
+                                      </p:to>
+                                    </p:set>
+                                  </p:childTnLst>
+                                </p:cTn>
+                              </p:par>
+                            </p:childTnLst>
+                          </p:cTn>
+                        </p:par>
+                      </p:childTnLst>
+                    </p:cTn>
+                  </p:par>
+                  <p:par>
+                    <p:cTn id="37" fill="hold">
+                      <p:stCondLst>
+                        <p:cond delay="indefinite"/>
+                      </p:stCondLst>
+                      <p:childTnLst>
+                        <p:par>
+                          <p:cTn id="38" fill="hold">
+                            <p:stCondLst>
+                              <p:cond delay="0"/>
+                            </p:stCondLst>
+                            <p:childTnLst>
+                              <p:par>
+                                <p:cTn id="39" presetID="1" presetClass="entr" presetSubtype="0" fill="hold" nodeType="clickEffect">
+                                  <p:stCondLst>
+                                    <p:cond delay="0"/>
+                                  </p:stCondLst>
+                                  <p:childTnLst>
+                                    <p:set>
+                                      <p:cBhvr>
+                                        <p:cTn id="40" dur="1" fill="hold">
+                                          <p:stCondLst>
+                                            <p:cond delay="0"/>
+                                          </p:stCondLst>
+                                        </p:cTn>
+                                        <p:tgtEl>
+                                          <p:spTgt spid="8">
+                                            <p:txEl>
+                                              <p:pRg st="9" end="9"/>
+                                            </p:txEl>
+                                          </p:spTgt>
+                                        </p:tgtEl>
+                                        <p:attrNameLst>
+                                          <p:attrName>style.visibility</p:attrName>
+                                        </p:attrNameLst>
+                                      </p:cBhvr>
+                                      <p:to>
+                                        <p:strVal val="visible"/>
+                                      </p:to>
+                                    </p:set>
+                                  </p:childTnLst>
+                                </p:cTn>
+                              </p:par>
+                            </p:childTnLst>
+                          </p:cTn>
+                        </p:par>
+                      </p:childTnLst>
+                    </p:cTn>
+                  </p:par>
+                  <p:par>
+                    <p:cTn id="41" fill="hold">
+                      <p:stCondLst>
+                        <p:cond delay="indefinite"/>
+                      </p:stCondLst>
+                      <p:childTnLst>
+                        <p:par>
+                          <p:cTn id="42" fill="hold">
+                            <p:stCondLst>
+                              <p:cond delay="0"/>
+                            </p:stCondLst>
+                            <p:childTnLst>
+                              <p:par>
+                                <p:cTn id="43" presetID="1" presetClass="entr" presetSubtype="0" fill="hold" nodeType="clickEffect">
+                                  <p:stCondLst>
+                                    <p:cond delay="0"/>
+                                  </p:stCondLst>
+                                  <p:childTnLst>
+                                    <p:set>
+                                      <p:cBhvr>
+                                        <p:cTn id="44" dur="1" fill="hold">
+                                          <p:stCondLst>
+                                            <p:cond delay="0"/>
+                                          </p:stCondLst>
+                                        </p:cTn>
+                                        <p:tgtEl>
+                                          <p:spTgt spid="15"/>
+                                        </p:tgtEl>
+                                        <p:attrNameLst>
+                                          <p:attrName>style.visibility</p:attrName>
+                                        </p:attrNameLst>
+                                      </p:cBhvr>
+                                      <p:to>
+                                        <p:strVal val="visible"/>
+                                      </p:to>
+                                    </p:set>
+                                  </p:childTnLst>
+                                </p:cTn>
+                              </p:par>
+                              <p:par>
+                                <p:cTn id="45" presetID="1" presetClass="entr" presetSubtype="0" fill="hold" grpId="2" nodeType="withEffect">
+                                  <p:stCondLst>
+                                    <p:cond delay="0"/>
+                                  </p:stCondLst>
+                                  <p:childTnLst>
+                                    <p:set>
+                                      <p:cBhvr>
+                                        <p:cTn id="46" dur="1" fill="hold">
+                                          <p:stCondLst>
+                                            <p:cond delay="0"/>
+                                          </p:stCondLst>
+                                        </p:cTn>
+                                        <p:tgtEl>
+                                          <p:spTgt spid="23"/>
+                                        </p:tgtEl>
+                                        <p:attrNameLst>
+                                          <p:attrName>style.visibility</p:attrName>
+                                        </p:attrNameLst>
+                                      </p:cBhvr>
+                                      <p:to>
+                                        <p:strVal val="visible"/>
+                                      </p:to>
+                                    </p:set>
+                                  </p:childTnLst>
+                                </p:cTn>
+                              </p:par>
+                            </p:childTnLst>
+                          </p:cTn>
+                        </p:par>
+                      </p:childTnLst>
+                    </p:cTn>
+                  </p:par>
+                  <p:par>
+                    <p:cTn id="47" fill="hold">
+                      <p:stCondLst>
+                        <p:cond delay="indefinite"/>
+                      </p:stCondLst>
+                      <p:childTnLst>
+                        <p:par>
+                          <p:cTn id="48" fill="hold">
+                            <p:stCondLst>
+                              <p:cond delay="0"/>
+                            </p:stCondLst>
+                            <p:childTnLst>
+                              <p:par>
+                                <p:cTn id="49" presetID="1" presetClass="exit" presetSubtype="0" fill="hold" nodeType="clickEffect">
+                                  <p:stCondLst>
+                                    <p:cond delay="0"/>
+                                  </p:stCondLst>
+                                  <p:childTnLst>
+                                    <p:set>
+                                      <p:cBhvr>
+                                        <p:cTn id="50" dur="1" fill="hold">
+                                          <p:stCondLst>
+                                            <p:cond delay="0"/>
+                                          </p:stCondLst>
+                                        </p:cTn>
+                                        <p:tgtEl>
+                                          <p:spTgt spid="15"/>
+                                        </p:tgtEl>
+                                        <p:attrNameLst>
+                                          <p:attrName>style.visibility</p:attrName>
+                                        </p:attrNameLst>
+                                      </p:cBhvr>
+                                      <p:to>
+                                        <p:strVal val="hidden"/>
+                                      </p:to>
+                                    </p:set>
+                                  </p:childTnLst>
+                                </p:cTn>
+                              </p:par>
+                              <p:par>
+                                <p:cTn id="51" presetID="1" presetClass="exit" presetSubtype="0" fill="hold" grpId="3" nodeType="withEffect">
+                                  <p:stCondLst>
+                                    <p:cond delay="0"/>
+                                  </p:stCondLst>
+                                  <p:childTnLst>
+                                    <p:set>
+                                      <p:cBhvr>
+                                        <p:cTn id="52" dur="1" fill="hold">
+                                          <p:stCondLst>
+                                            <p:cond delay="0"/>
+                                          </p:stCondLst>
+                                        </p:cTn>
+                                        <p:tgtEl>
+                                          <p:spTgt spid="23"/>
+                                        </p:tgtEl>
+                                        <p:attrNameLst>
+                                          <p:attrName>style.visibility</p:attrName>
+                                        </p:attrNameLst>
+                                      </p:cBhvr>
+                                      <p:to>
+                                        <p:strVal val="hidden"/>
+                                      </p:to>
+                                    </p:set>
+                                  </p:childTnLst>
+                                </p:cTn>
+                              </p:par>
+                            </p:childTnLst>
+                          </p:cTn>
+                        </p:par>
+                      </p:childTnLst>
+                    </p:cTn>
+                  </p:par>
+                </p:childTnLst>
+              </p:cTn>
+              <p:prevCondLst>
+                <p:cond evt="onPrev" delay="0">
+                  <p:tgtEl>
+                    <p:sldTgt/>
+                  </p:tgtEl>
+                </p:cond>
+              </p:prevCondLst>
+              <p:nextCondLst>
+                <p:cond evt="onNext" delay="0">
+                  <p:tgtEl>
+                    <p:sldTgt/>
+                  </p:tgtEl>
+                </p:cond>
+              </p:nextCondLst>
+            </p:seq>
+          </p:childTnLst>
+        </p:cTn>
+      </p:par>
+    </p:tnLst>
+    <p:bldLst>
+      <p:bldP spid="16" grpId="0" animBg="1"/>
+      <p:bldP spid="17" grpId="0" animBg="1"/>
+      <p:bldP spid="18" grpId="0" animBg="1"/>
+      <p:bldP spid="20" grpId="0"/>
+      <p:bldP spid="21" grpId="0"/>
+      <p:bldP spid="23" grpId="2" animBg="1"/>
+      <p:bldP spid="23" grpId="3" animBg="1"/>
+    </p:bldLst>
+  </p:timing>
+</p:sld>
+</file>
+
+<file path=ppt/slides/slide12.xml><?xml version="1.0" encoding="utf-8"?>
+<p:sld xmlns:a="http://schemas.openxmlformats.org/drawingml/2006/main" xmlns:r="http://schemas.openxmlformats.org/officeDocument/2006/relationships" xmlns:p="http://schemas.openxmlformats.org/presentationml/2006/main">
+  <p:cSld>
+    <p:bg>
+      <p:bgPr>
+        <a:solidFill>
+          <a:schemeClr val="tx1"/>
+        </a:solidFill>
+        <a:effectLst/>
+      </p:bgPr>
+    </p:bg>
+    <p:spTree>
+      <p:nvGrpSpPr>
+        <p:cNvPr id="1" name=""/>
+        <p:cNvGrpSpPr/>
+        <p:nvPr/>
+      </p:nvGrpSpPr>
+      <p:grpSpPr>
+        <a:xfrm>
+          <a:off x="0" y="0"/>
+          <a:ext cx="0" cy="0"/>
+          <a:chOff x="0" y="0"/>
+          <a:chExt cx="0" cy="0"/>
+        </a:xfrm>
+      </p:grpSpPr>
+      <p:sp>
+        <p:nvSpPr>
+          <p:cNvPr id="5" name="Title 4"/>
+          <p:cNvSpPr>
+            <a:spLocks noGrp="1"/>
+          </p:cNvSpPr>
+          <p:nvPr>
+            <p:ph type="title"/>
+          </p:nvPr>
+        </p:nvSpPr>
+        <p:spPr/>
+        <p:txBody>
+          <a:bodyPr/>
+          <a:lstStyle/>
+          <a:p>
+            <a:r>
+              <a:rPr lang="en-US" b="1" smtClean="0">
+                <a:solidFill>
+                  <a:schemeClr val="bg1"/>
+                </a:solidFill>
+                <a:latin typeface="Arial" charset="0"/>
+                <a:ea typeface="Arial" charset="0"/>
+                <a:cs typeface="Arial" charset="0"/>
+              </a:rPr>
+              <a:t>The Problems</a:t>
+            </a:r>
+            <a:endParaRPr lang="en-US" dirty="0"/>
+          </a:p>
+        </p:txBody>
+      </p:sp>
+      <p:sp>
+        <p:nvSpPr>
+          <p:cNvPr id="8" name="Content Placeholder 7"/>
+          <p:cNvSpPr>
+            <a:spLocks noGrp="1"/>
+          </p:cNvSpPr>
+          <p:nvPr>
+            <p:ph idx="1"/>
+          </p:nvPr>
+        </p:nvSpPr>
+        <p:spPr>
+          <a:xfrm>
+            <a:off x="838200" y="1825625"/>
+            <a:ext cx="10515600" cy="4332108"/>
+          </a:xfrm>
+        </p:spPr>
+        <p:txBody>
+          <a:bodyPr>
+            <a:normAutofit/>
+          </a:bodyPr>
+          <a:lstStyle/>
+          <a:p>
+            <a:r>
+              <a:rPr lang="en-US" sz="2000" dirty="0" smtClean="0">
+                <a:solidFill>
+                  <a:schemeClr val="bg1"/>
+                </a:solidFill>
+                <a:latin typeface="Arial" charset="0"/>
+                <a:ea typeface="Arial" charset="0"/>
+                <a:cs typeface="Arial" charset="0"/>
+              </a:rPr>
+              <a:t>Challenge: keeping track of varying parameters in societies with and without extremists</a:t>
+            </a:r>
+          </a:p>
+          <a:p>
+            <a:r>
+              <a:rPr lang="en-US" sz="2000" dirty="0" smtClean="0">
+                <a:solidFill>
+                  <a:schemeClr val="bg1"/>
+                </a:solidFill>
+                <a:latin typeface="Arial" charset="0"/>
+                <a:ea typeface="Arial" charset="0"/>
+                <a:cs typeface="Arial" charset="0"/>
+              </a:rPr>
+              <a:t>Difference to Laguna: u threshold of 0.28 instead of 0.3</a:t>
+            </a:r>
+          </a:p>
+          <a:p>
+            <a:r>
+              <a:rPr lang="en-US" sz="2000" dirty="0" smtClean="0">
+                <a:solidFill>
+                  <a:schemeClr val="bg1"/>
+                </a:solidFill>
+                <a:latin typeface="Arial" charset="0"/>
+                <a:ea typeface="Arial" charset="0"/>
+                <a:cs typeface="Arial" charset="0"/>
+              </a:rPr>
+              <a:t>Interesting: change of variable </a:t>
+            </a:r>
+            <a:r>
+              <a:rPr lang="en-US" sz="2000" dirty="0" smtClean="0">
+                <a:solidFill>
+                  <a:schemeClr val="bg1"/>
+                </a:solidFill>
+                <a:latin typeface="Arial" charset="0"/>
+                <a:ea typeface="Arial" charset="0"/>
+                <a:cs typeface="Arial" charset="0"/>
+              </a:rPr>
+              <a:t>𝝻</a:t>
+            </a:r>
+            <a:endParaRPr lang="en-US" sz="2000" dirty="0">
+              <a:solidFill>
+                <a:schemeClr val="bg1"/>
+              </a:solidFill>
+              <a:latin typeface="Arial" charset="0"/>
+              <a:ea typeface="Arial" charset="0"/>
+              <a:cs typeface="Arial" charset="0"/>
+            </a:endParaRPr>
+          </a:p>
+        </p:txBody>
+      </p:sp>
+      <p:sp>
+        <p:nvSpPr>
+          <p:cNvPr id="6" name="Footer Placeholder 5"/>
+          <p:cNvSpPr>
+            <a:spLocks noGrp="1"/>
+          </p:cNvSpPr>
+          <p:nvPr>
+            <p:ph type="ftr" sz="quarter" idx="11"/>
+          </p:nvPr>
+        </p:nvSpPr>
+        <p:spPr/>
+        <p:txBody>
+          <a:bodyPr/>
+          <a:lstStyle/>
+          <a:p>
+            <a:r>
+              <a:rPr lang="en-US" smtClean="0"/>
+              <a:t>Alexander Stein | Niklas Tidbury | Elisa Wall</a:t>
+            </a:r>
+            <a:endParaRPr lang="en-US"/>
+          </a:p>
+        </p:txBody>
+      </p:sp>
+      <p:sp>
+        <p:nvSpPr>
+          <p:cNvPr id="7" name="Slide Number Placeholder 6"/>
+          <p:cNvSpPr>
+            <a:spLocks noGrp="1"/>
+          </p:cNvSpPr>
+          <p:nvPr>
+            <p:ph type="sldNum" sz="quarter" idx="12"/>
+          </p:nvPr>
+        </p:nvSpPr>
+        <p:spPr/>
+        <p:txBody>
+          <a:bodyPr/>
+          <a:lstStyle/>
+          <a:p>
+            <a:fld id="{F2596965-FA8D-4049-94E7-50F8EE20294F}" type="slidenum">
+              <a:rPr lang="en-US" smtClean="0"/>
+              <a:t>12</a:t>
+            </a:fld>
+            <a:endParaRPr lang="en-US"/>
+          </a:p>
+        </p:txBody>
+      </p:sp>
+      <p:sp>
+        <p:nvSpPr>
+          <p:cNvPr id="9" name="Date Placeholder 8"/>
+          <p:cNvSpPr>
+            <a:spLocks noGrp="1"/>
+          </p:cNvSpPr>
+          <p:nvPr>
+            <p:ph type="dt" sz="half" idx="10"/>
+          </p:nvPr>
+        </p:nvSpPr>
+        <p:spPr/>
+        <p:txBody>
+          <a:bodyPr/>
+          <a:lstStyle/>
+          <a:p>
+            <a:r>
+              <a:rPr lang="en-US" smtClean="0"/>
+              <a:t>18.12.17</a:t>
+            </a:r>
+            <a:endParaRPr lang="en-US"/>
+          </a:p>
+        </p:txBody>
+      </p:sp>
+      <p:sp>
+        <p:nvSpPr>
+          <p:cNvPr id="10" name="Content Placeholder 7"/>
+          <p:cNvSpPr txBox="1">
+            <a:spLocks/>
+          </p:cNvSpPr>
+          <p:nvPr/>
+        </p:nvSpPr>
+        <p:spPr>
+          <a:xfrm>
+            <a:off x="10462592" y="217930"/>
+            <a:ext cx="1729408" cy="1213306"/>
+          </a:xfrm>
+          <a:prstGeom prst="rect">
+            <a:avLst/>
+          </a:prstGeom>
+        </p:spPr>
+        <p:txBody>
+          <a:bodyPr vert="horz" lIns="91440" tIns="45720" rIns="91440" bIns="45720" rtlCol="0">
+            <a:normAutofit/>
+          </a:bodyPr>
+          <a:lstStyle>
+            <a:lvl1pPr marL="228600" indent="-228600" algn="l" defTabSz="914400" rtl="0" eaLnBrk="1" latinLnBrk="0" hangingPunct="1">
+              <a:lnSpc>
+                <a:spcPct val="90000"/>
+              </a:lnSpc>
+              <a:spcBef>
+                <a:spcPts val="1000"/>
+              </a:spcBef>
+              <a:buFont typeface="Arial"/>
+              <a:buChar char="•"/>
+              <a:defRPr sz="2800" kern="1200">
+                <a:solidFill>
+                  <a:schemeClr val="tx1"/>
+                </a:solidFill>
+                <a:latin typeface="+mn-lt"/>
+                <a:ea typeface="+mn-ea"/>
+                <a:cs typeface="+mn-cs"/>
+              </a:defRPr>
+            </a:lvl1pPr>
+            <a:lvl2pPr marL="685800" indent="-228600" algn="l" defTabSz="914400" rtl="0" eaLnBrk="1" latinLnBrk="0" hangingPunct="1">
+              <a:lnSpc>
+                <a:spcPct val="90000"/>
+              </a:lnSpc>
+              <a:spcBef>
+                <a:spcPts val="500"/>
+              </a:spcBef>
+              <a:buFont typeface="Arial"/>
+              <a:buChar char="•"/>
+              <a:defRPr sz="2400" kern="1200">
+                <a:solidFill>
+                  <a:schemeClr val="tx1"/>
+                </a:solidFill>
+                <a:latin typeface="+mn-lt"/>
+                <a:ea typeface="+mn-ea"/>
+                <a:cs typeface="+mn-cs"/>
+              </a:defRPr>
+            </a:lvl2pPr>
+            <a:lvl3pPr marL="1143000" indent="-228600" algn="l" defTabSz="914400" rtl="0" eaLnBrk="1" latinLnBrk="0" hangingPunct="1">
+              <a:lnSpc>
+                <a:spcPct val="90000"/>
+              </a:lnSpc>
+              <a:spcBef>
+                <a:spcPts val="500"/>
+              </a:spcBef>
+              <a:buFont typeface="Arial"/>
+              <a:buChar char="•"/>
+              <a:defRPr sz="2000" kern="1200">
+                <a:solidFill>
+                  <a:schemeClr val="tx1"/>
+                </a:solidFill>
+                <a:latin typeface="+mn-lt"/>
+                <a:ea typeface="+mn-ea"/>
+                <a:cs typeface="+mn-cs"/>
+              </a:defRPr>
+            </a:lvl3pPr>
+            <a:lvl4pPr marL="1600200" indent="-228600" algn="l" defTabSz="914400" rtl="0" eaLnBrk="1" latinLnBrk="0" hangingPunct="1">
+              <a:lnSpc>
+                <a:spcPct val="90000"/>
+              </a:lnSpc>
+              <a:spcBef>
+                <a:spcPts val="500"/>
+              </a:spcBef>
+              <a:buFont typeface="Arial"/>
+              <a:buChar char="•"/>
+              <a:defRPr sz="1800" kern="1200">
+                <a:solidFill>
+                  <a:schemeClr val="tx1"/>
+                </a:solidFill>
+                <a:latin typeface="+mn-lt"/>
+                <a:ea typeface="+mn-ea"/>
+                <a:cs typeface="+mn-cs"/>
+              </a:defRPr>
+            </a:lvl4pPr>
+            <a:lvl5pPr marL="2057400" indent="-228600" algn="l" defTabSz="914400" rtl="0" eaLnBrk="1" latinLnBrk="0" hangingPunct="1">
+              <a:lnSpc>
+                <a:spcPct val="90000"/>
+              </a:lnSpc>
+              <a:spcBef>
+                <a:spcPts val="500"/>
+              </a:spcBef>
+              <a:buFont typeface="Arial"/>
+              <a:buChar char="•"/>
+              <a:defRPr sz="1800" kern="1200">
+                <a:solidFill>
+                  <a:schemeClr val="tx1"/>
+                </a:solidFill>
+                <a:latin typeface="+mn-lt"/>
+                <a:ea typeface="+mn-ea"/>
+                <a:cs typeface="+mn-cs"/>
+              </a:defRPr>
+            </a:lvl5pPr>
+            <a:lvl6pPr marL="2514600" indent="-228600" algn="l" defTabSz="914400" rtl="0" eaLnBrk="1" latinLnBrk="0" hangingPunct="1">
+              <a:lnSpc>
+                <a:spcPct val="90000"/>
+              </a:lnSpc>
+              <a:spcBef>
+                <a:spcPts val="500"/>
+              </a:spcBef>
+              <a:buFont typeface="Arial"/>
+              <a:buChar char="•"/>
+              <a:defRPr sz="1800" kern="1200">
+                <a:solidFill>
+                  <a:schemeClr val="tx1"/>
+                </a:solidFill>
+                <a:latin typeface="+mn-lt"/>
+                <a:ea typeface="+mn-ea"/>
+                <a:cs typeface="+mn-cs"/>
+              </a:defRPr>
+            </a:lvl6pPr>
+            <a:lvl7pPr marL="2971800" indent="-228600" algn="l" defTabSz="914400" rtl="0" eaLnBrk="1" latinLnBrk="0" hangingPunct="1">
+              <a:lnSpc>
+                <a:spcPct val="90000"/>
+              </a:lnSpc>
+              <a:spcBef>
+                <a:spcPts val="500"/>
+              </a:spcBef>
+              <a:buFont typeface="Arial"/>
+              <a:buChar char="•"/>
+              <a:defRPr sz="1800" kern="1200">
+                <a:solidFill>
+                  <a:schemeClr val="tx1"/>
+                </a:solidFill>
+                <a:latin typeface="+mn-lt"/>
+                <a:ea typeface="+mn-ea"/>
+                <a:cs typeface="+mn-cs"/>
+              </a:defRPr>
+            </a:lvl7pPr>
+            <a:lvl8pPr marL="3429000" indent="-228600" algn="l" defTabSz="914400" rtl="0" eaLnBrk="1" latinLnBrk="0" hangingPunct="1">
+              <a:lnSpc>
+                <a:spcPct val="90000"/>
+              </a:lnSpc>
+              <a:spcBef>
+                <a:spcPts val="500"/>
+              </a:spcBef>
+              <a:buFont typeface="Arial"/>
+              <a:buChar char="•"/>
+              <a:defRPr sz="1800" kern="1200">
+                <a:solidFill>
+                  <a:schemeClr val="tx1"/>
+                </a:solidFill>
+                <a:latin typeface="+mn-lt"/>
+                <a:ea typeface="+mn-ea"/>
+                <a:cs typeface="+mn-cs"/>
+              </a:defRPr>
+            </a:lvl8pPr>
+            <a:lvl9pPr marL="3886200" indent="-228600" algn="l" defTabSz="914400" rtl="0" eaLnBrk="1" latinLnBrk="0" hangingPunct="1">
+              <a:lnSpc>
+                <a:spcPct val="90000"/>
+              </a:lnSpc>
+              <a:spcBef>
+                <a:spcPts val="500"/>
+              </a:spcBef>
+              <a:buFont typeface="Arial"/>
+              <a:buChar char="•"/>
+              <a:defRPr sz="1800" kern="1200">
+                <a:solidFill>
+                  <a:schemeClr val="tx1"/>
+                </a:solidFill>
+                <a:latin typeface="+mn-lt"/>
+                <a:ea typeface="+mn-ea"/>
+                <a:cs typeface="+mn-cs"/>
+              </a:defRPr>
+            </a:lvl9pPr>
+          </a:lstStyle>
+          <a:p>
+            <a:pPr>
+              <a:lnSpc>
+                <a:spcPct val="100000"/>
+              </a:lnSpc>
+              <a:spcBef>
+                <a:spcPts val="0"/>
+              </a:spcBef>
+              <a:buFontTx/>
+              <a:buChar char="-"/>
+            </a:pPr>
+            <a:r>
+              <a:rPr lang="en-US" sz="1400" dirty="0" smtClean="0">
+                <a:solidFill>
+                  <a:schemeClr val="bg1">
+                    <a:lumMod val="50000"/>
+                  </a:schemeClr>
+                </a:solidFill>
+                <a:latin typeface="Arial" charset="0"/>
+                <a:ea typeface="Arial" charset="0"/>
+                <a:cs typeface="Arial" charset="0"/>
+              </a:rPr>
+              <a:t>Introduction</a:t>
+            </a:r>
+          </a:p>
+          <a:p>
+            <a:pPr>
+              <a:lnSpc>
+                <a:spcPct val="100000"/>
+              </a:lnSpc>
+              <a:spcBef>
+                <a:spcPts val="0"/>
+              </a:spcBef>
+              <a:buFontTx/>
+              <a:buChar char="-"/>
+            </a:pPr>
+            <a:r>
+              <a:rPr lang="en-US" sz="1400" dirty="0" smtClean="0">
+                <a:solidFill>
+                  <a:schemeClr val="bg1">
+                    <a:lumMod val="50000"/>
+                  </a:schemeClr>
+                </a:solidFill>
+                <a:latin typeface="Arial" charset="0"/>
+                <a:ea typeface="Arial" charset="0"/>
+                <a:cs typeface="Arial" charset="0"/>
+              </a:rPr>
+              <a:t>The Model</a:t>
+            </a:r>
+          </a:p>
+          <a:p>
+            <a:pPr>
+              <a:lnSpc>
+                <a:spcPct val="100000"/>
+              </a:lnSpc>
+              <a:spcBef>
+                <a:spcPts val="0"/>
+              </a:spcBef>
+              <a:buFontTx/>
+              <a:buChar char="-"/>
+            </a:pPr>
+            <a:r>
+              <a:rPr lang="en-US" sz="1400" dirty="0" smtClean="0">
+                <a:solidFill>
+                  <a:schemeClr val="bg1">
+                    <a:lumMod val="50000"/>
+                  </a:schemeClr>
+                </a:solidFill>
+                <a:latin typeface="Arial" charset="0"/>
+                <a:ea typeface="Arial" charset="0"/>
+                <a:cs typeface="Arial" charset="0"/>
+              </a:rPr>
+              <a:t>The Code</a:t>
+            </a:r>
+          </a:p>
+          <a:p>
+            <a:pPr>
+              <a:lnSpc>
+                <a:spcPct val="100000"/>
+              </a:lnSpc>
+              <a:spcBef>
+                <a:spcPts val="0"/>
+              </a:spcBef>
+              <a:buFontTx/>
+              <a:buChar char="-"/>
+            </a:pPr>
+            <a:r>
+              <a:rPr lang="en-US" sz="1400" dirty="0" smtClean="0">
+                <a:solidFill>
+                  <a:schemeClr val="bg1">
+                    <a:lumMod val="50000"/>
+                  </a:schemeClr>
+                </a:solidFill>
+                <a:latin typeface="Arial" charset="0"/>
+                <a:ea typeface="Arial" charset="0"/>
+                <a:cs typeface="Arial" charset="0"/>
+              </a:rPr>
+              <a:t>The Results</a:t>
+            </a:r>
+          </a:p>
+          <a:p>
+            <a:pPr>
+              <a:lnSpc>
+                <a:spcPct val="100000"/>
+              </a:lnSpc>
+              <a:spcBef>
+                <a:spcPts val="0"/>
+              </a:spcBef>
+              <a:buFontTx/>
+              <a:buChar char="-"/>
+            </a:pPr>
+            <a:r>
+              <a:rPr lang="en-US" sz="1400" dirty="0" smtClean="0">
+                <a:solidFill>
+                  <a:schemeClr val="bg1"/>
+                </a:solidFill>
+                <a:latin typeface="Arial" charset="0"/>
+                <a:ea typeface="Arial" charset="0"/>
+                <a:cs typeface="Arial" charset="0"/>
+              </a:rPr>
+              <a:t>The Problems</a:t>
+            </a:r>
+          </a:p>
+          <a:p>
+            <a:pPr>
+              <a:lnSpc>
+                <a:spcPct val="100000"/>
+              </a:lnSpc>
+              <a:spcBef>
+                <a:spcPts val="0"/>
+              </a:spcBef>
+              <a:buFontTx/>
+              <a:buChar char="-"/>
+            </a:pPr>
+            <a:endParaRPr lang="en-US" sz="1400" dirty="0">
+              <a:solidFill>
+                <a:schemeClr val="bg1">
+                  <a:lumMod val="50000"/>
+                </a:schemeClr>
+              </a:solidFill>
+              <a:latin typeface="Arial" charset="0"/>
+              <a:ea typeface="Arial" charset="0"/>
+              <a:cs typeface="Arial" charset="0"/>
+            </a:endParaRPr>
+          </a:p>
+        </p:txBody>
+      </p:sp>
+    </p:spTree>
+    <p:extLst>
+      <p:ext uri="{BB962C8B-B14F-4D97-AF65-F5344CB8AC3E}">
+        <p14:creationId xmlns:p14="http://schemas.microsoft.com/office/powerpoint/2010/main" val="1135436696"/>
+      </p:ext>
+    </p:extLst>
+  </p:cSld>
+  <p:clrMapOvr>
+    <a:masterClrMapping/>
+  </p:clrMapOvr>
+  <p:timing>
+    <p:tnLst>
+      <p:par>
+        <p:cTn id="1" dur="indefinite" restart="never" nodeType="tmRoot"/>
+      </p:par>
+    </p:tnLst>
+  </p:timing>
+</p:sld>
+</file>
+
+<file path=ppt/slides/slide13.xml><?xml version="1.0" encoding="utf-8"?>
+<p:sld xmlns:a="http://schemas.openxmlformats.org/drawingml/2006/main" xmlns:r="http://schemas.openxmlformats.org/officeDocument/2006/relationships" xmlns:p="http://schemas.openxmlformats.org/presentationml/2006/main">
+  <p:cSld>
+    <p:bg>
+      <p:bgPr>
+        <a:solidFill>
+          <a:schemeClr val="tx1"/>
+        </a:solidFill>
+        <a:effectLst/>
+      </p:bgPr>
+    </p:bg>
+    <p:spTree>
+      <p:nvGrpSpPr>
+        <p:cNvPr id="1" name=""/>
+        <p:cNvGrpSpPr/>
+        <p:nvPr/>
+      </p:nvGrpSpPr>
+      <p:grpSpPr>
+        <a:xfrm>
+          <a:off x="0" y="0"/>
+          <a:ext cx="0" cy="0"/>
+          <a:chOff x="0" y="0"/>
+          <a:chExt cx="0" cy="0"/>
+        </a:xfrm>
+      </p:grpSpPr>
+      <p:sp>
+        <p:nvSpPr>
+          <p:cNvPr id="5" name="Title 4"/>
+          <p:cNvSpPr>
+            <a:spLocks noGrp="1"/>
+          </p:cNvSpPr>
+          <p:nvPr>
+            <p:ph type="title"/>
+          </p:nvPr>
+        </p:nvSpPr>
+        <p:spPr/>
+        <p:txBody>
+          <a:bodyPr/>
+          <a:lstStyle/>
+          <a:p>
+            <a:r>
+              <a:rPr lang="en-US" b="1" dirty="0" smtClean="0">
+                <a:solidFill>
+                  <a:schemeClr val="bg1"/>
+                </a:solidFill>
+                <a:latin typeface="Arial" charset="0"/>
+                <a:ea typeface="Arial" charset="0"/>
+                <a:cs typeface="Arial" charset="0"/>
+              </a:rPr>
+              <a:t>Any questions?</a:t>
+            </a:r>
+            <a:endParaRPr lang="en-US" dirty="0"/>
+          </a:p>
+        </p:txBody>
+      </p:sp>
+      <p:sp>
+        <p:nvSpPr>
+          <p:cNvPr id="8" name="Content Placeholder 7"/>
+          <p:cNvSpPr>
+            <a:spLocks noGrp="1"/>
+          </p:cNvSpPr>
+          <p:nvPr>
+            <p:ph idx="1"/>
+          </p:nvPr>
+        </p:nvSpPr>
+        <p:spPr>
+          <a:xfrm>
+            <a:off x="838200" y="1825625"/>
+            <a:ext cx="10515600" cy="4332108"/>
+          </a:xfrm>
+        </p:spPr>
+        <p:txBody>
+          <a:bodyPr>
+            <a:normAutofit/>
+          </a:bodyPr>
+          <a:lstStyle/>
+          <a:p>
+            <a:r>
+              <a:rPr lang="en-US" sz="2000" dirty="0" smtClean="0">
+                <a:solidFill>
+                  <a:schemeClr val="bg1"/>
+                </a:solidFill>
+                <a:latin typeface="Arial" charset="0"/>
+                <a:ea typeface="Arial" charset="0"/>
+                <a:cs typeface="Arial" charset="0"/>
+              </a:rPr>
+              <a:t>We will try to answer them</a:t>
+            </a:r>
+            <a:endParaRPr lang="en-US" sz="2000" dirty="0">
+              <a:solidFill>
+                <a:schemeClr val="bg1"/>
+              </a:solidFill>
+              <a:latin typeface="Arial" charset="0"/>
+              <a:ea typeface="Arial" charset="0"/>
+              <a:cs typeface="Arial" charset="0"/>
+            </a:endParaRPr>
+          </a:p>
+        </p:txBody>
+      </p:sp>
+      <p:sp>
+        <p:nvSpPr>
+          <p:cNvPr id="6" name="Footer Placeholder 5"/>
+          <p:cNvSpPr>
+            <a:spLocks noGrp="1"/>
+          </p:cNvSpPr>
+          <p:nvPr>
+            <p:ph type="ftr" sz="quarter" idx="11"/>
+          </p:nvPr>
+        </p:nvSpPr>
+        <p:spPr/>
+        <p:txBody>
+          <a:bodyPr/>
+          <a:lstStyle/>
+          <a:p>
+            <a:r>
+              <a:rPr lang="en-US" smtClean="0"/>
+              <a:t>Alexander Stein | Niklas Tidbury | Elisa Wall</a:t>
+            </a:r>
+            <a:endParaRPr lang="en-US"/>
+          </a:p>
+        </p:txBody>
+      </p:sp>
+      <p:sp>
+        <p:nvSpPr>
+          <p:cNvPr id="7" name="Slide Number Placeholder 6"/>
+          <p:cNvSpPr>
+            <a:spLocks noGrp="1"/>
+          </p:cNvSpPr>
+          <p:nvPr>
+            <p:ph type="sldNum" sz="quarter" idx="12"/>
+          </p:nvPr>
+        </p:nvSpPr>
+        <p:spPr/>
+        <p:txBody>
+          <a:bodyPr/>
+          <a:lstStyle/>
+          <a:p>
+            <a:fld id="{F2596965-FA8D-4049-94E7-50F8EE20294F}" type="slidenum">
+              <a:rPr lang="en-US" smtClean="0"/>
+              <a:t>13</a:t>
+            </a:fld>
+            <a:endParaRPr lang="en-US"/>
+          </a:p>
+        </p:txBody>
+      </p:sp>
+      <p:sp>
+        <p:nvSpPr>
+          <p:cNvPr id="9" name="Date Placeholder 8"/>
+          <p:cNvSpPr>
+            <a:spLocks noGrp="1"/>
+          </p:cNvSpPr>
+          <p:nvPr>
+            <p:ph type="dt" sz="half" idx="10"/>
+          </p:nvPr>
+        </p:nvSpPr>
+        <p:spPr/>
+        <p:txBody>
+          <a:bodyPr/>
+          <a:lstStyle/>
+          <a:p>
+            <a:r>
+              <a:rPr lang="en-US" smtClean="0"/>
+              <a:t>18.12.17</a:t>
+            </a:r>
+            <a:endParaRPr lang="en-US"/>
+          </a:p>
+        </p:txBody>
+      </p:sp>
+      <p:sp>
+        <p:nvSpPr>
+          <p:cNvPr id="10" name="Content Placeholder 7"/>
+          <p:cNvSpPr txBox="1">
+            <a:spLocks/>
+          </p:cNvSpPr>
+          <p:nvPr/>
+        </p:nvSpPr>
+        <p:spPr>
+          <a:xfrm>
+            <a:off x="10462592" y="217930"/>
+            <a:ext cx="1729408" cy="1213306"/>
+          </a:xfrm>
+          <a:prstGeom prst="rect">
+            <a:avLst/>
+          </a:prstGeom>
+        </p:spPr>
+        <p:txBody>
+          <a:bodyPr vert="horz" lIns="91440" tIns="45720" rIns="91440" bIns="45720" rtlCol="0">
+            <a:normAutofit/>
+          </a:bodyPr>
+          <a:lstStyle>
+            <a:lvl1pPr marL="228600" indent="-228600" algn="l" defTabSz="914400" rtl="0" eaLnBrk="1" latinLnBrk="0" hangingPunct="1">
+              <a:lnSpc>
+                <a:spcPct val="90000"/>
+              </a:lnSpc>
+              <a:spcBef>
+                <a:spcPts val="1000"/>
+              </a:spcBef>
+              <a:buFont typeface="Arial"/>
+              <a:buChar char="•"/>
+              <a:defRPr sz="2800" kern="1200">
+                <a:solidFill>
+                  <a:schemeClr val="tx1"/>
+                </a:solidFill>
+                <a:latin typeface="+mn-lt"/>
+                <a:ea typeface="+mn-ea"/>
+                <a:cs typeface="+mn-cs"/>
+              </a:defRPr>
+            </a:lvl1pPr>
+            <a:lvl2pPr marL="685800" indent="-228600" algn="l" defTabSz="914400" rtl="0" eaLnBrk="1" latinLnBrk="0" hangingPunct="1">
+              <a:lnSpc>
+                <a:spcPct val="90000"/>
+              </a:lnSpc>
+              <a:spcBef>
+                <a:spcPts val="500"/>
+              </a:spcBef>
+              <a:buFont typeface="Arial"/>
+              <a:buChar char="•"/>
+              <a:defRPr sz="2400" kern="1200">
+                <a:solidFill>
+                  <a:schemeClr val="tx1"/>
+                </a:solidFill>
+                <a:latin typeface="+mn-lt"/>
+                <a:ea typeface="+mn-ea"/>
+                <a:cs typeface="+mn-cs"/>
+              </a:defRPr>
+            </a:lvl2pPr>
+            <a:lvl3pPr marL="1143000" indent="-228600" algn="l" defTabSz="914400" rtl="0" eaLnBrk="1" latinLnBrk="0" hangingPunct="1">
+              <a:lnSpc>
+                <a:spcPct val="90000"/>
+              </a:lnSpc>
+              <a:spcBef>
+                <a:spcPts val="500"/>
+              </a:spcBef>
+              <a:buFont typeface="Arial"/>
+              <a:buChar char="•"/>
+              <a:defRPr sz="2000" kern="1200">
+                <a:solidFill>
+                  <a:schemeClr val="tx1"/>
+                </a:solidFill>
+                <a:latin typeface="+mn-lt"/>
+                <a:ea typeface="+mn-ea"/>
+                <a:cs typeface="+mn-cs"/>
+              </a:defRPr>
+            </a:lvl3pPr>
+            <a:lvl4pPr marL="1600200" indent="-228600" algn="l" defTabSz="914400" rtl="0" eaLnBrk="1" latinLnBrk="0" hangingPunct="1">
+              <a:lnSpc>
+                <a:spcPct val="90000"/>
+              </a:lnSpc>
+              <a:spcBef>
+                <a:spcPts val="500"/>
+              </a:spcBef>
+              <a:buFont typeface="Arial"/>
+              <a:buChar char="•"/>
+              <a:defRPr sz="1800" kern="1200">
+                <a:solidFill>
+                  <a:schemeClr val="tx1"/>
+                </a:solidFill>
+                <a:latin typeface="+mn-lt"/>
+                <a:ea typeface="+mn-ea"/>
+                <a:cs typeface="+mn-cs"/>
+              </a:defRPr>
+            </a:lvl4pPr>
+            <a:lvl5pPr marL="2057400" indent="-228600" algn="l" defTabSz="914400" rtl="0" eaLnBrk="1" latinLnBrk="0" hangingPunct="1">
+              <a:lnSpc>
+                <a:spcPct val="90000"/>
+              </a:lnSpc>
+              <a:spcBef>
+                <a:spcPts val="500"/>
+              </a:spcBef>
+              <a:buFont typeface="Arial"/>
+              <a:buChar char="•"/>
+              <a:defRPr sz="1800" kern="1200">
+                <a:solidFill>
+                  <a:schemeClr val="tx1"/>
+                </a:solidFill>
+                <a:latin typeface="+mn-lt"/>
+                <a:ea typeface="+mn-ea"/>
+                <a:cs typeface="+mn-cs"/>
+              </a:defRPr>
+            </a:lvl5pPr>
+            <a:lvl6pPr marL="2514600" indent="-228600" algn="l" defTabSz="914400" rtl="0" eaLnBrk="1" latinLnBrk="0" hangingPunct="1">
+              <a:lnSpc>
+                <a:spcPct val="90000"/>
+              </a:lnSpc>
+              <a:spcBef>
+                <a:spcPts val="500"/>
+              </a:spcBef>
+              <a:buFont typeface="Arial"/>
+              <a:buChar char="•"/>
+              <a:defRPr sz="1800" kern="1200">
+                <a:solidFill>
+                  <a:schemeClr val="tx1"/>
+                </a:solidFill>
+                <a:latin typeface="+mn-lt"/>
+                <a:ea typeface="+mn-ea"/>
+                <a:cs typeface="+mn-cs"/>
+              </a:defRPr>
+            </a:lvl6pPr>
+            <a:lvl7pPr marL="2971800" indent="-228600" algn="l" defTabSz="914400" rtl="0" eaLnBrk="1" latinLnBrk="0" hangingPunct="1">
+              <a:lnSpc>
+                <a:spcPct val="90000"/>
+              </a:lnSpc>
+              <a:spcBef>
+                <a:spcPts val="500"/>
+              </a:spcBef>
+              <a:buFont typeface="Arial"/>
+              <a:buChar char="•"/>
+              <a:defRPr sz="1800" kern="1200">
+                <a:solidFill>
+                  <a:schemeClr val="tx1"/>
+                </a:solidFill>
+                <a:latin typeface="+mn-lt"/>
+                <a:ea typeface="+mn-ea"/>
+                <a:cs typeface="+mn-cs"/>
+              </a:defRPr>
+            </a:lvl7pPr>
+            <a:lvl8pPr marL="3429000" indent="-228600" algn="l" defTabSz="914400" rtl="0" eaLnBrk="1" latinLnBrk="0" hangingPunct="1">
+              <a:lnSpc>
+                <a:spcPct val="90000"/>
+              </a:lnSpc>
+              <a:spcBef>
+                <a:spcPts val="500"/>
+              </a:spcBef>
+              <a:buFont typeface="Arial"/>
+              <a:buChar char="•"/>
+              <a:defRPr sz="1800" kern="1200">
+                <a:solidFill>
+                  <a:schemeClr val="tx1"/>
+                </a:solidFill>
+                <a:latin typeface="+mn-lt"/>
+                <a:ea typeface="+mn-ea"/>
+                <a:cs typeface="+mn-cs"/>
+              </a:defRPr>
+            </a:lvl8pPr>
+            <a:lvl9pPr marL="3886200" indent="-228600" algn="l" defTabSz="914400" rtl="0" eaLnBrk="1" latinLnBrk="0" hangingPunct="1">
+              <a:lnSpc>
+                <a:spcPct val="90000"/>
+              </a:lnSpc>
+              <a:spcBef>
+                <a:spcPts val="500"/>
+              </a:spcBef>
+              <a:buFont typeface="Arial"/>
+              <a:buChar char="•"/>
+              <a:defRPr sz="1800" kern="1200">
+                <a:solidFill>
+                  <a:schemeClr val="tx1"/>
+                </a:solidFill>
+                <a:latin typeface="+mn-lt"/>
+                <a:ea typeface="+mn-ea"/>
+                <a:cs typeface="+mn-cs"/>
+              </a:defRPr>
+            </a:lvl9pPr>
+          </a:lstStyle>
+          <a:p>
+            <a:pPr>
+              <a:lnSpc>
+                <a:spcPct val="100000"/>
+              </a:lnSpc>
+              <a:spcBef>
+                <a:spcPts val="0"/>
+              </a:spcBef>
+              <a:buFontTx/>
+              <a:buChar char="-"/>
+            </a:pPr>
+            <a:r>
+              <a:rPr lang="en-US" sz="1400" dirty="0" smtClean="0">
+                <a:solidFill>
+                  <a:schemeClr val="bg1">
+                    <a:lumMod val="50000"/>
+                  </a:schemeClr>
+                </a:solidFill>
+                <a:latin typeface="Arial" charset="0"/>
+                <a:ea typeface="Arial" charset="0"/>
+                <a:cs typeface="Arial" charset="0"/>
+              </a:rPr>
+              <a:t>Introduction</a:t>
+            </a:r>
+          </a:p>
+          <a:p>
+            <a:pPr>
+              <a:lnSpc>
+                <a:spcPct val="100000"/>
+              </a:lnSpc>
+              <a:spcBef>
+                <a:spcPts val="0"/>
+              </a:spcBef>
+              <a:buFontTx/>
+              <a:buChar char="-"/>
+            </a:pPr>
+            <a:r>
+              <a:rPr lang="en-US" sz="1400" dirty="0" smtClean="0">
+                <a:solidFill>
+                  <a:schemeClr val="bg1">
+                    <a:lumMod val="50000"/>
+                  </a:schemeClr>
+                </a:solidFill>
+                <a:latin typeface="Arial" charset="0"/>
+                <a:ea typeface="Arial" charset="0"/>
+                <a:cs typeface="Arial" charset="0"/>
+              </a:rPr>
+              <a:t>The Model</a:t>
+            </a:r>
+          </a:p>
+          <a:p>
+            <a:pPr>
+              <a:lnSpc>
+                <a:spcPct val="100000"/>
+              </a:lnSpc>
+              <a:spcBef>
+                <a:spcPts val="0"/>
+              </a:spcBef>
+              <a:buFontTx/>
+              <a:buChar char="-"/>
+            </a:pPr>
+            <a:r>
+              <a:rPr lang="en-US" sz="1400" dirty="0" smtClean="0">
+                <a:solidFill>
+                  <a:schemeClr val="bg1">
+                    <a:lumMod val="50000"/>
+                  </a:schemeClr>
+                </a:solidFill>
+                <a:latin typeface="Arial" charset="0"/>
+                <a:ea typeface="Arial" charset="0"/>
+                <a:cs typeface="Arial" charset="0"/>
+              </a:rPr>
+              <a:t>The Code</a:t>
+            </a:r>
+          </a:p>
+          <a:p>
+            <a:pPr>
+              <a:lnSpc>
+                <a:spcPct val="100000"/>
+              </a:lnSpc>
+              <a:spcBef>
+                <a:spcPts val="0"/>
+              </a:spcBef>
+              <a:buFontTx/>
+              <a:buChar char="-"/>
+            </a:pPr>
+            <a:r>
+              <a:rPr lang="en-US" sz="1400" dirty="0" smtClean="0">
+                <a:solidFill>
+                  <a:schemeClr val="bg1">
+                    <a:lumMod val="50000"/>
+                  </a:schemeClr>
+                </a:solidFill>
+                <a:latin typeface="Arial" charset="0"/>
+                <a:ea typeface="Arial" charset="0"/>
+                <a:cs typeface="Arial" charset="0"/>
+              </a:rPr>
+              <a:t>The Results</a:t>
+            </a:r>
+          </a:p>
+          <a:p>
+            <a:pPr>
+              <a:lnSpc>
+                <a:spcPct val="100000"/>
+              </a:lnSpc>
+              <a:spcBef>
+                <a:spcPts val="0"/>
+              </a:spcBef>
+              <a:buFontTx/>
+              <a:buChar char="-"/>
+            </a:pPr>
+            <a:r>
+              <a:rPr lang="en-US" sz="1400" dirty="0" smtClean="0">
+                <a:solidFill>
+                  <a:schemeClr val="bg1">
+                    <a:lumMod val="50000"/>
+                  </a:schemeClr>
+                </a:solidFill>
+                <a:latin typeface="Arial" charset="0"/>
+                <a:ea typeface="Arial" charset="0"/>
+                <a:cs typeface="Arial" charset="0"/>
+              </a:rPr>
+              <a:t>The Problems</a:t>
+            </a:r>
+          </a:p>
+          <a:p>
+            <a:pPr>
+              <a:lnSpc>
+                <a:spcPct val="100000"/>
+              </a:lnSpc>
+              <a:spcBef>
+                <a:spcPts val="0"/>
+              </a:spcBef>
+              <a:buFontTx/>
+              <a:buChar char="-"/>
+            </a:pPr>
+            <a:endParaRPr lang="en-US" sz="1400" dirty="0">
+              <a:solidFill>
+                <a:schemeClr val="bg1">
+                  <a:lumMod val="50000"/>
+                </a:schemeClr>
+              </a:solidFill>
+              <a:latin typeface="Arial" charset="0"/>
+              <a:ea typeface="Arial" charset="0"/>
+              <a:cs typeface="Arial" charset="0"/>
+            </a:endParaRPr>
+          </a:p>
+        </p:txBody>
+      </p:sp>
+    </p:spTree>
+    <p:extLst>
+      <p:ext uri="{BB962C8B-B14F-4D97-AF65-F5344CB8AC3E}">
+        <p14:creationId xmlns:p14="http://schemas.microsoft.com/office/powerpoint/2010/main" val="1554109031"/>
+      </p:ext>
+    </p:extLst>
+  </p:cSld>
+  <p:clrMapOvr>
+    <a:masterClrMapping/>
+  </p:clrMapOvr>
+  <p:timing>
+    <p:tnLst>
+      <p:par>
+        <p:cTn id="1" dur="indefinite" restart="never" nodeType="tmRoot"/>
+      </p:par>
+    </p:tnLst>
+  </p:timing>
+</p:sld>
+</file>
+
+<file path=ppt/slides/slide14.xml><?xml version="1.0" encoding="utf-8"?>
+<p:sld xmlns:a="http://schemas.openxmlformats.org/drawingml/2006/main" xmlns:r="http://schemas.openxmlformats.org/officeDocument/2006/relationships" xmlns:p="http://schemas.openxmlformats.org/presentationml/2006/main">
+  <p:cSld>
+    <p:bg>
+      <p:bgPr>
+        <a:solidFill>
+          <a:schemeClr val="tx1"/>
+        </a:solidFill>
+        <a:effectLst/>
+      </p:bgPr>
+    </p:bg>
+    <p:spTree>
+      <p:nvGrpSpPr>
+        <p:cNvPr id="1" name=""/>
+        <p:cNvGrpSpPr/>
+        <p:nvPr/>
+      </p:nvGrpSpPr>
+      <p:grpSpPr>
+        <a:xfrm>
+          <a:off x="0" y="0"/>
+          <a:ext cx="0" cy="0"/>
+          <a:chOff x="0" y="0"/>
+          <a:chExt cx="0" cy="0"/>
+        </a:xfrm>
+      </p:grpSpPr>
+      <p:sp>
+        <p:nvSpPr>
+          <p:cNvPr id="5" name="Title 4"/>
+          <p:cNvSpPr>
+            <a:spLocks noGrp="1"/>
+          </p:cNvSpPr>
+          <p:nvPr>
+            <p:ph type="title"/>
+          </p:nvPr>
+        </p:nvSpPr>
+        <p:spPr/>
+        <p:txBody>
+          <a:bodyPr/>
+          <a:lstStyle/>
+          <a:p>
+            <a:r>
+              <a:rPr lang="en-US" b="1" dirty="0" smtClean="0">
+                <a:solidFill>
+                  <a:schemeClr val="bg1"/>
+                </a:solidFill>
+                <a:latin typeface="Arial" charset="0"/>
+                <a:ea typeface="Arial" charset="0"/>
+                <a:cs typeface="Arial" charset="0"/>
+              </a:rPr>
+              <a:t>Thanks</a:t>
+            </a:r>
+            <a:endParaRPr lang="en-US" dirty="0"/>
+          </a:p>
+        </p:txBody>
+      </p:sp>
+      <p:sp>
+        <p:nvSpPr>
+          <p:cNvPr id="6" name="Footer Placeholder 5"/>
+          <p:cNvSpPr>
+            <a:spLocks noGrp="1"/>
+          </p:cNvSpPr>
+          <p:nvPr>
+            <p:ph type="ftr" sz="quarter" idx="11"/>
+          </p:nvPr>
+        </p:nvSpPr>
+        <p:spPr/>
+        <p:txBody>
+          <a:bodyPr/>
+          <a:lstStyle/>
+          <a:p>
+            <a:r>
+              <a:rPr lang="en-US" smtClean="0"/>
+              <a:t>Alexander Stein | Niklas Tidbury | Elisa Wall</a:t>
+            </a:r>
+            <a:endParaRPr lang="en-US"/>
+          </a:p>
+        </p:txBody>
+      </p:sp>
+      <p:sp>
+        <p:nvSpPr>
+          <p:cNvPr id="7" name="Slide Number Placeholder 6"/>
+          <p:cNvSpPr>
+            <a:spLocks noGrp="1"/>
+          </p:cNvSpPr>
+          <p:nvPr>
+            <p:ph type="sldNum" sz="quarter" idx="12"/>
+          </p:nvPr>
+        </p:nvSpPr>
+        <p:spPr/>
+        <p:txBody>
+          <a:bodyPr/>
+          <a:lstStyle/>
+          <a:p>
+            <a:fld id="{F2596965-FA8D-4049-94E7-50F8EE20294F}" type="slidenum">
+              <a:rPr lang="en-US" smtClean="0"/>
+              <a:t>14</a:t>
+            </a:fld>
+            <a:endParaRPr lang="en-US"/>
+          </a:p>
+        </p:txBody>
+      </p:sp>
+      <p:sp>
+        <p:nvSpPr>
+          <p:cNvPr id="9" name="Date Placeholder 8"/>
+          <p:cNvSpPr>
+            <a:spLocks noGrp="1"/>
+          </p:cNvSpPr>
+          <p:nvPr>
+            <p:ph type="dt" sz="half" idx="10"/>
+          </p:nvPr>
+        </p:nvSpPr>
+        <p:spPr/>
+        <p:txBody>
+          <a:bodyPr/>
+          <a:lstStyle/>
+          <a:p>
+            <a:r>
+              <a:rPr lang="en-US" smtClean="0"/>
+              <a:t>18.12.17</a:t>
+            </a:r>
+            <a:endParaRPr lang="en-US"/>
+          </a:p>
+        </p:txBody>
+      </p:sp>
+      <p:sp>
+        <p:nvSpPr>
+          <p:cNvPr id="3" name="Content Placeholder 2"/>
+          <p:cNvSpPr>
+            <a:spLocks noGrp="1"/>
+          </p:cNvSpPr>
+          <p:nvPr>
+            <p:ph idx="1"/>
+          </p:nvPr>
+        </p:nvSpPr>
+        <p:spPr/>
+        <p:txBody>
+          <a:bodyPr/>
+          <a:lstStyle/>
+          <a:p>
+            <a:endParaRPr lang="en-US"/>
+          </a:p>
+        </p:txBody>
+      </p:sp>
+    </p:spTree>
+    <p:extLst>
+      <p:ext uri="{BB962C8B-B14F-4D97-AF65-F5344CB8AC3E}">
+        <p14:creationId xmlns:p14="http://schemas.microsoft.com/office/powerpoint/2010/main" val="411008598"/>
+      </p:ext>
+    </p:extLst>
+  </p:cSld>
+  <p:clrMapOvr>
+    <a:masterClrMapping/>
+  </p:clrMapOvr>
+  <p:timing>
+    <p:tnLst>
+      <p:par>
+        <p:cTn id="1" dur="indefinite" restart="never" nodeType="tmRoot"/>
+      </p:par>
+    </p:tnLst>
+  </p:timing>
+</p:sld>
+</file>
+
 <file path=ppt/slides/slide2.xml><?xml version="1.0" encoding="utf-8"?>
 <p:sld xmlns:a="http://schemas.openxmlformats.org/drawingml/2006/main" xmlns:r="http://schemas.openxmlformats.org/officeDocument/2006/relationships" xmlns:p="http://schemas.openxmlformats.org/presentationml/2006/main">
   <p:cSld>
@@ -4222,7 +8844,7 @@
                 <a:ea typeface="Arial" charset="0"/>
                 <a:cs typeface="Arial" charset="0"/>
               </a:rPr>
-              <a:t>The Questions</a:t>
+              <a:t>The Results</a:t>
             </a:r>
           </a:p>
           <a:p>
@@ -4523,7 +9145,7 @@
           <a:p>
             <a:pPr lvl="1"/>
             <a:r>
-              <a:rPr lang="en-US" sz="2000" smtClean="0">
+              <a:rPr lang="en-US" sz="2000" dirty="0" smtClean="0">
                 <a:solidFill>
                   <a:schemeClr val="bg1"/>
                 </a:solidFill>
@@ -4531,18 +9153,7 @@
                 <a:ea typeface="Arial" charset="0"/>
                 <a:cs typeface="Arial" charset="0"/>
               </a:rPr>
-              <a:t>Parameters 𝝻 </a:t>
-            </a:r>
-            <a:r>
-              <a:rPr lang="en-US" sz="2000" dirty="0" smtClean="0">
-                <a:solidFill>
-                  <a:schemeClr val="bg1"/>
-                </a:solidFill>
-                <a:latin typeface="Arial" charset="0"/>
-                <a:ea typeface="Arial" charset="0"/>
-                <a:cs typeface="Arial" charset="0"/>
-              </a:rPr>
-              <a:t>(weight on foreign opinion), u (threshold of interaction) and T (number of time steps)</a:t>
+              <a:t>Parameters 𝝻 (weight on foreign opinion), u (threshold of interaction) and T (number of time steps)</a:t>
             </a:r>
           </a:p>
           <a:p>
@@ -4589,8 +9200,30 @@
                 <a:ea typeface="Arial" charset="0"/>
                 <a:cs typeface="Arial" charset="0"/>
               </a:rPr>
-              <a:t>of interaction with people of similar opinion</a:t>
-            </a:r>
+              <a:t>of interaction with people of similar </a:t>
+            </a:r>
+            <a:r>
+              <a:rPr lang="en-US" sz="2000" dirty="0" smtClean="0">
+                <a:solidFill>
+                  <a:schemeClr val="bg1"/>
+                </a:solidFill>
+                <a:latin typeface="Arial" charset="0"/>
+                <a:ea typeface="Arial" charset="0"/>
+                <a:cs typeface="Arial" charset="0"/>
+              </a:rPr>
+              <a:t>opinion</a:t>
+            </a:r>
+          </a:p>
+          <a:p>
+            <a:pPr lvl="1"/>
+            <a:endParaRPr lang="en-US" sz="2000" dirty="0">
+              <a:solidFill>
+                <a:schemeClr val="bg1"/>
+              </a:solidFill>
+              <a:latin typeface="Arial" charset="0"/>
+              <a:ea typeface="Arial" charset="0"/>
+              <a:cs typeface="Arial" charset="0"/>
+            </a:endParaRPr>
           </a:p>
           <a:p>
             <a:r>
@@ -5028,7 +9661,7 @@
                 <a:ea typeface="Arial" charset="0"/>
                 <a:cs typeface="Arial" charset="0"/>
               </a:rPr>
-              <a:t>The Questions</a:t>
+              <a:t>The Results</a:t>
             </a:r>
           </a:p>
           <a:p>
@@ -5093,7 +9726,314 @@
   <p:timing>
     <p:tnLst>
       <p:par>
-        <p:cTn id="1" dur="indefinite" restart="never" nodeType="tmRoot"/>
+        <p:cTn id="1" dur="indefinite" restart="never" nodeType="tmRoot">
+          <p:childTnLst>
+            <p:seq concurrent="1" nextAc="seek">
+              <p:cTn id="2" dur="indefinite" nodeType="mainSeq">
+                <p:childTnLst>
+                  <p:par>
+                    <p:cTn id="3" fill="hold">
+                      <p:stCondLst>
+                        <p:cond delay="indefinite"/>
+                      </p:stCondLst>
+                      <p:childTnLst>
+                        <p:par>
+                          <p:cTn id="4" fill="hold">
+                            <p:stCondLst>
+                              <p:cond delay="0"/>
+                            </p:stCondLst>
+                            <p:childTnLst>
+                              <p:par>
+                                <p:cTn id="5" presetID="1" presetClass="entr" presetSubtype="0" fill="hold" nodeType="clickEffect">
+                                  <p:stCondLst>
+                                    <p:cond delay="0"/>
+                                  </p:stCondLst>
+                                  <p:childTnLst>
+                                    <p:set>
+                                      <p:cBhvr>
+                                        <p:cTn id="6" dur="1" fill="hold">
+                                          <p:stCondLst>
+                                            <p:cond delay="0"/>
+                                          </p:stCondLst>
+                                        </p:cTn>
+                                        <p:tgtEl>
+                                          <p:spTgt spid="8">
+                                            <p:txEl>
+                                              <p:pRg st="0" end="0"/>
+                                            </p:txEl>
+                                          </p:spTgt>
+                                        </p:tgtEl>
+                                        <p:attrNameLst>
+                                          <p:attrName>style.visibility</p:attrName>
+                                        </p:attrNameLst>
+                                      </p:cBhvr>
+                                      <p:to>
+                                        <p:strVal val="visible"/>
+                                      </p:to>
+                                    </p:set>
+                                  </p:childTnLst>
+                                </p:cTn>
+                              </p:par>
+                              <p:par>
+                                <p:cTn id="7" presetID="1" presetClass="entr" presetSubtype="0" fill="hold" nodeType="withEffect">
+                                  <p:stCondLst>
+                                    <p:cond delay="0"/>
+                                  </p:stCondLst>
+                                  <p:childTnLst>
+                                    <p:set>
+                                      <p:cBhvr>
+                                        <p:cTn id="8" dur="1" fill="hold">
+                                          <p:stCondLst>
+                                            <p:cond delay="0"/>
+                                          </p:stCondLst>
+                                        </p:cTn>
+                                        <p:tgtEl>
+                                          <p:spTgt spid="8">
+                                            <p:txEl>
+                                              <p:pRg st="1" end="1"/>
+                                            </p:txEl>
+                                          </p:spTgt>
+                                        </p:tgtEl>
+                                        <p:attrNameLst>
+                                          <p:attrName>style.visibility</p:attrName>
+                                        </p:attrNameLst>
+                                      </p:cBhvr>
+                                      <p:to>
+                                        <p:strVal val="visible"/>
+                                      </p:to>
+                                    </p:set>
+                                  </p:childTnLst>
+                                </p:cTn>
+                              </p:par>
+                              <p:par>
+                                <p:cTn id="9" presetID="1" presetClass="entr" presetSubtype="0" fill="hold" nodeType="withEffect">
+                                  <p:stCondLst>
+                                    <p:cond delay="0"/>
+                                  </p:stCondLst>
+                                  <p:childTnLst>
+                                    <p:set>
+                                      <p:cBhvr>
+                                        <p:cTn id="10" dur="1" fill="hold">
+                                          <p:stCondLst>
+                                            <p:cond delay="0"/>
+                                          </p:stCondLst>
+                                        </p:cTn>
+                                        <p:tgtEl>
+                                          <p:spTgt spid="8">
+                                            <p:txEl>
+                                              <p:pRg st="2" end="2"/>
+                                            </p:txEl>
+                                          </p:spTgt>
+                                        </p:tgtEl>
+                                        <p:attrNameLst>
+                                          <p:attrName>style.visibility</p:attrName>
+                                        </p:attrNameLst>
+                                      </p:cBhvr>
+                                      <p:to>
+                                        <p:strVal val="visible"/>
+                                      </p:to>
+                                    </p:set>
+                                  </p:childTnLst>
+                                </p:cTn>
+                              </p:par>
+                              <p:par>
+                                <p:cTn id="11" presetID="1" presetClass="entr" presetSubtype="0" fill="hold" nodeType="withEffect">
+                                  <p:stCondLst>
+                                    <p:cond delay="0"/>
+                                  </p:stCondLst>
+                                  <p:childTnLst>
+                                    <p:set>
+                                      <p:cBhvr>
+                                        <p:cTn id="12" dur="1" fill="hold">
+                                          <p:stCondLst>
+                                            <p:cond delay="0"/>
+                                          </p:stCondLst>
+                                        </p:cTn>
+                                        <p:tgtEl>
+                                          <p:spTgt spid="8">
+                                            <p:txEl>
+                                              <p:pRg st="3" end="3"/>
+                                            </p:txEl>
+                                          </p:spTgt>
+                                        </p:tgtEl>
+                                        <p:attrNameLst>
+                                          <p:attrName>style.visibility</p:attrName>
+                                        </p:attrNameLst>
+                                      </p:cBhvr>
+                                      <p:to>
+                                        <p:strVal val="visible"/>
+                                      </p:to>
+                                    </p:set>
+                                  </p:childTnLst>
+                                </p:cTn>
+                              </p:par>
+                              <p:par>
+                                <p:cTn id="13" presetID="1" presetClass="entr" presetSubtype="0" fill="hold" nodeType="withEffect">
+                                  <p:stCondLst>
+                                    <p:cond delay="0"/>
+                                  </p:stCondLst>
+                                  <p:childTnLst>
+                                    <p:set>
+                                      <p:cBhvr>
+                                        <p:cTn id="14" dur="1" fill="hold">
+                                          <p:stCondLst>
+                                            <p:cond delay="0"/>
+                                          </p:stCondLst>
+                                        </p:cTn>
+                                        <p:tgtEl>
+                                          <p:spTgt spid="8">
+                                            <p:txEl>
+                                              <p:pRg st="4" end="4"/>
+                                            </p:txEl>
+                                          </p:spTgt>
+                                        </p:tgtEl>
+                                        <p:attrNameLst>
+                                          <p:attrName>style.visibility</p:attrName>
+                                        </p:attrNameLst>
+                                      </p:cBhvr>
+                                      <p:to>
+                                        <p:strVal val="visible"/>
+                                      </p:to>
+                                    </p:set>
+                                  </p:childTnLst>
+                                </p:cTn>
+                              </p:par>
+                            </p:childTnLst>
+                          </p:cTn>
+                        </p:par>
+                      </p:childTnLst>
+                    </p:cTn>
+                  </p:par>
+                  <p:par>
+                    <p:cTn id="15" fill="hold">
+                      <p:stCondLst>
+                        <p:cond delay="indefinite"/>
+                      </p:stCondLst>
+                      <p:childTnLst>
+                        <p:par>
+                          <p:cTn id="16" fill="hold">
+                            <p:stCondLst>
+                              <p:cond delay="0"/>
+                            </p:stCondLst>
+                            <p:childTnLst>
+                              <p:par>
+                                <p:cTn id="17" presetID="1" presetClass="entr" presetSubtype="0" fill="hold" nodeType="clickEffect">
+                                  <p:stCondLst>
+                                    <p:cond delay="0"/>
+                                  </p:stCondLst>
+                                  <p:childTnLst>
+                                    <p:set>
+                                      <p:cBhvr>
+                                        <p:cTn id="18" dur="1" fill="hold">
+                                          <p:stCondLst>
+                                            <p:cond delay="0"/>
+                                          </p:stCondLst>
+                                        </p:cTn>
+                                        <p:tgtEl>
+                                          <p:spTgt spid="8">
+                                            <p:txEl>
+                                              <p:pRg st="6" end="6"/>
+                                            </p:txEl>
+                                          </p:spTgt>
+                                        </p:tgtEl>
+                                        <p:attrNameLst>
+                                          <p:attrName>style.visibility</p:attrName>
+                                        </p:attrNameLst>
+                                      </p:cBhvr>
+                                      <p:to>
+                                        <p:strVal val="visible"/>
+                                      </p:to>
+                                    </p:set>
+                                  </p:childTnLst>
+                                </p:cTn>
+                              </p:par>
+                              <p:par>
+                                <p:cTn id="19" presetID="1" presetClass="entr" presetSubtype="0" fill="hold" nodeType="withEffect">
+                                  <p:stCondLst>
+                                    <p:cond delay="0"/>
+                                  </p:stCondLst>
+                                  <p:childTnLst>
+                                    <p:set>
+                                      <p:cBhvr>
+                                        <p:cTn id="20" dur="1" fill="hold">
+                                          <p:stCondLst>
+                                            <p:cond delay="0"/>
+                                          </p:stCondLst>
+                                        </p:cTn>
+                                        <p:tgtEl>
+                                          <p:spTgt spid="8">
+                                            <p:txEl>
+                                              <p:pRg st="7" end="7"/>
+                                            </p:txEl>
+                                          </p:spTgt>
+                                        </p:tgtEl>
+                                        <p:attrNameLst>
+                                          <p:attrName>style.visibility</p:attrName>
+                                        </p:attrNameLst>
+                                      </p:cBhvr>
+                                      <p:to>
+                                        <p:strVal val="visible"/>
+                                      </p:to>
+                                    </p:set>
+                                  </p:childTnLst>
+                                </p:cTn>
+                              </p:par>
+                              <p:par>
+                                <p:cTn id="21" presetID="1" presetClass="entr" presetSubtype="0" fill="hold" nodeType="withEffect">
+                                  <p:stCondLst>
+                                    <p:cond delay="0"/>
+                                  </p:stCondLst>
+                                  <p:childTnLst>
+                                    <p:set>
+                                      <p:cBhvr>
+                                        <p:cTn id="22" dur="1" fill="hold">
+                                          <p:stCondLst>
+                                            <p:cond delay="0"/>
+                                          </p:stCondLst>
+                                        </p:cTn>
+                                        <p:tgtEl>
+                                          <p:spTgt spid="8">
+                                            <p:txEl>
+                                              <p:pRg st="8" end="8"/>
+                                            </p:txEl>
+                                          </p:spTgt>
+                                        </p:tgtEl>
+                                        <p:attrNameLst>
+                                          <p:attrName>style.visibility</p:attrName>
+                                        </p:attrNameLst>
+                                      </p:cBhvr>
+                                      <p:to>
+                                        <p:strVal val="visible"/>
+                                      </p:to>
+                                    </p:set>
+                                  </p:childTnLst>
+                                </p:cTn>
+                              </p:par>
+                            </p:childTnLst>
+                          </p:cTn>
+                        </p:par>
+                      </p:childTnLst>
+                    </p:cTn>
+                  </p:par>
+                </p:childTnLst>
+              </p:cTn>
+              <p:prevCondLst>
+                <p:cond evt="onPrev" delay="0">
+                  <p:tgtEl>
+                    <p:sldTgt/>
+                  </p:tgtEl>
+                </p:cond>
+              </p:prevCondLst>
+              <p:nextCondLst>
+                <p:cond evt="onNext" delay="0">
+                  <p:tgtEl>
+                    <p:sldTgt/>
+                  </p:tgtEl>
+                </p:cond>
+              </p:nextCondLst>
+            </p:seq>
+          </p:childTnLst>
+        </p:cTn>
       </p:par>
     </p:tnLst>
   </p:timing>
@@ -5101,6 +10041,1930 @@
 </file>
 
 <file path=ppt/slides/slide4.xml><?xml version="1.0" encoding="utf-8"?>
+<p:sld xmlns:a="http://schemas.openxmlformats.org/drawingml/2006/main" xmlns:r="http://schemas.openxmlformats.org/officeDocument/2006/relationships" xmlns:p="http://schemas.openxmlformats.org/presentationml/2006/main">
+  <p:cSld>
+    <p:bg>
+      <p:bgPr>
+        <a:solidFill>
+          <a:schemeClr val="tx1"/>
+        </a:solidFill>
+        <a:effectLst/>
+      </p:bgPr>
+    </p:bg>
+    <p:spTree>
+      <p:nvGrpSpPr>
+        <p:cNvPr id="1" name=""/>
+        <p:cNvGrpSpPr/>
+        <p:nvPr/>
+      </p:nvGrpSpPr>
+      <p:grpSpPr>
+        <a:xfrm>
+          <a:off x="0" y="0"/>
+          <a:ext cx="0" cy="0"/>
+          <a:chOff x="0" y="0"/>
+          <a:chExt cx="0" cy="0"/>
+        </a:xfrm>
+      </p:grpSpPr>
+      <p:sp>
+        <p:nvSpPr>
+          <p:cNvPr id="5" name="Title 4"/>
+          <p:cNvSpPr>
+            <a:spLocks noGrp="1"/>
+          </p:cNvSpPr>
+          <p:nvPr>
+            <p:ph type="title"/>
+          </p:nvPr>
+        </p:nvSpPr>
+        <p:spPr/>
+        <p:txBody>
+          <a:bodyPr/>
+          <a:lstStyle/>
+          <a:p>
+            <a:r>
+              <a:rPr lang="en-US" b="1" dirty="0" smtClean="0">
+                <a:solidFill>
+                  <a:schemeClr val="bg1"/>
+                </a:solidFill>
+                <a:latin typeface="Arial" charset="0"/>
+                <a:ea typeface="Arial" charset="0"/>
+                <a:cs typeface="Arial" charset="0"/>
+              </a:rPr>
+              <a:t>The Model</a:t>
+            </a:r>
+            <a:endParaRPr lang="en-US" dirty="0"/>
+          </a:p>
+        </p:txBody>
+      </p:sp>
+      <p:sp>
+        <p:nvSpPr>
+          <p:cNvPr id="8" name="Content Placeholder 7"/>
+          <p:cNvSpPr>
+            <a:spLocks noGrp="1"/>
+          </p:cNvSpPr>
+          <p:nvPr>
+            <p:ph idx="1"/>
+          </p:nvPr>
+        </p:nvSpPr>
+        <p:spPr>
+          <a:xfrm>
+            <a:off x="838200" y="1825625"/>
+            <a:ext cx="10515600" cy="4332108"/>
+          </a:xfrm>
+        </p:spPr>
+        <p:txBody>
+          <a:bodyPr>
+            <a:normAutofit/>
+          </a:bodyPr>
+          <a:lstStyle/>
+          <a:p>
+            <a:r>
+              <a:rPr lang="en-US" sz="2000" dirty="0">
+                <a:solidFill>
+                  <a:schemeClr val="bg1"/>
+                </a:solidFill>
+                <a:latin typeface="Arial" charset="0"/>
+                <a:ea typeface="Arial" charset="0"/>
+                <a:cs typeface="Arial" charset="0"/>
+              </a:rPr>
+              <a:t>Society agent in a single time step</a:t>
+            </a:r>
+          </a:p>
+          <a:p>
+            <a:pPr lvl="1"/>
+            <a:r>
+              <a:rPr lang="en-US" sz="2000" dirty="0">
+                <a:solidFill>
+                  <a:schemeClr val="bg1"/>
+                </a:solidFill>
+                <a:latin typeface="Arial" charset="0"/>
+                <a:ea typeface="Arial" charset="0"/>
+                <a:cs typeface="Arial" charset="0"/>
+              </a:rPr>
+              <a:t>if within distance u of each other</a:t>
+            </a:r>
+          </a:p>
+          <a:p>
+            <a:pPr lvl="1"/>
+            <a:r>
+              <a:rPr lang="en-US" sz="2000" dirty="0">
+                <a:solidFill>
+                  <a:schemeClr val="bg1"/>
+                </a:solidFill>
+                <a:latin typeface="Arial" charset="0"/>
+                <a:ea typeface="Arial" charset="0"/>
+                <a:cs typeface="Arial" charset="0"/>
+              </a:rPr>
+              <a:t>x(t+1) </a:t>
+            </a:r>
+            <a:r>
+              <a:rPr lang="en-US" sz="2000" dirty="0" smtClean="0">
+                <a:solidFill>
+                  <a:schemeClr val="bg1"/>
+                </a:solidFill>
+                <a:latin typeface="Arial" charset="0"/>
+                <a:ea typeface="Arial" charset="0"/>
+                <a:cs typeface="Arial" charset="0"/>
+              </a:rPr>
+              <a:t>= </a:t>
+            </a:r>
+            <a:r>
+              <a:rPr lang="mr-IN" sz="2000" dirty="0" err="1">
+                <a:solidFill>
+                  <a:schemeClr val="bg1"/>
+                </a:solidFill>
+              </a:rPr>
+              <a:t>x</a:t>
+            </a:r>
+            <a:r>
+              <a:rPr lang="mr-IN" sz="2000" dirty="0">
+                <a:solidFill>
+                  <a:schemeClr val="bg1"/>
+                </a:solidFill>
+              </a:rPr>
+              <a:t>(</a:t>
+            </a:r>
+            <a:r>
+              <a:rPr lang="mr-IN" sz="2000" dirty="0" err="1">
+                <a:solidFill>
+                  <a:schemeClr val="bg1"/>
+                </a:solidFill>
+              </a:rPr>
+              <a:t>t</a:t>
+            </a:r>
+            <a:r>
+              <a:rPr lang="mr-IN" sz="2000" dirty="0">
+                <a:solidFill>
+                  <a:schemeClr val="bg1"/>
+                </a:solidFill>
+              </a:rPr>
+              <a:t>) + µ(</a:t>
+            </a:r>
+            <a:r>
+              <a:rPr lang="mr-IN" sz="2000" dirty="0" err="1">
+                <a:solidFill>
+                  <a:schemeClr val="bg1"/>
+                </a:solidFill>
+              </a:rPr>
+              <a:t>x</a:t>
+            </a:r>
+            <a:r>
+              <a:rPr lang="mr-IN" sz="2000" dirty="0">
+                <a:solidFill>
+                  <a:schemeClr val="bg1"/>
+                </a:solidFill>
+              </a:rPr>
+              <a:t>'(</a:t>
+            </a:r>
+            <a:r>
+              <a:rPr lang="mr-IN" sz="2000" dirty="0" err="1">
+                <a:solidFill>
+                  <a:schemeClr val="bg1"/>
+                </a:solidFill>
+              </a:rPr>
+              <a:t>t</a:t>
+            </a:r>
+            <a:r>
+              <a:rPr lang="mr-IN" sz="2000" dirty="0">
+                <a:solidFill>
+                  <a:schemeClr val="bg1"/>
+                </a:solidFill>
+              </a:rPr>
+              <a:t>) - </a:t>
+            </a:r>
+            <a:r>
+              <a:rPr lang="mr-IN" sz="2000" dirty="0" err="1">
+                <a:solidFill>
+                  <a:schemeClr val="bg1"/>
+                </a:solidFill>
+              </a:rPr>
+              <a:t>x</a:t>
+            </a:r>
+            <a:r>
+              <a:rPr lang="mr-IN" sz="2000" dirty="0">
+                <a:solidFill>
+                  <a:schemeClr val="bg1"/>
+                </a:solidFill>
+              </a:rPr>
+              <a:t>(</a:t>
+            </a:r>
+            <a:r>
+              <a:rPr lang="mr-IN" sz="2000" dirty="0" err="1">
+                <a:solidFill>
+                  <a:schemeClr val="bg1"/>
+                </a:solidFill>
+              </a:rPr>
+              <a:t>t</a:t>
+            </a:r>
+            <a:r>
+              <a:rPr lang="mr-IN" sz="2000" dirty="0">
+                <a:solidFill>
+                  <a:schemeClr val="bg1"/>
+                </a:solidFill>
+              </a:rPr>
+              <a:t>))</a:t>
+            </a:r>
+            <a:endParaRPr lang="en-US" sz="2000" dirty="0" smtClean="0">
+              <a:solidFill>
+                <a:schemeClr val="bg1"/>
+              </a:solidFill>
+              <a:latin typeface="Arial" charset="0"/>
+              <a:ea typeface="Arial" charset="0"/>
+              <a:cs typeface="Arial" charset="0"/>
+            </a:endParaRPr>
+          </a:p>
+          <a:p>
+            <a:pPr lvl="1"/>
+            <a:r>
+              <a:rPr lang="en-US" sz="2000" dirty="0" smtClean="0">
+                <a:solidFill>
+                  <a:schemeClr val="bg1"/>
+                </a:solidFill>
+                <a:latin typeface="Arial" charset="0"/>
+                <a:ea typeface="Arial" charset="0"/>
+                <a:cs typeface="Arial" charset="0"/>
+              </a:rPr>
+              <a:t>x’(t+1) = </a:t>
+            </a:r>
+            <a:r>
+              <a:rPr lang="mr-IN" sz="2000" dirty="0" err="1">
+                <a:solidFill>
+                  <a:schemeClr val="bg1"/>
+                </a:solidFill>
+              </a:rPr>
+              <a:t>x</a:t>
+            </a:r>
+            <a:r>
+              <a:rPr lang="mr-IN" sz="2000" dirty="0">
+                <a:solidFill>
+                  <a:schemeClr val="bg1"/>
+                </a:solidFill>
+              </a:rPr>
+              <a:t>'(</a:t>
+            </a:r>
+            <a:r>
+              <a:rPr lang="mr-IN" sz="2000" dirty="0" err="1">
+                <a:solidFill>
+                  <a:schemeClr val="bg1"/>
+                </a:solidFill>
+              </a:rPr>
+              <a:t>t</a:t>
+            </a:r>
+            <a:r>
+              <a:rPr lang="mr-IN" sz="2000" dirty="0">
+                <a:solidFill>
+                  <a:schemeClr val="bg1"/>
+                </a:solidFill>
+              </a:rPr>
+              <a:t>) + µ(</a:t>
+            </a:r>
+            <a:r>
+              <a:rPr lang="mr-IN" sz="2000" dirty="0" err="1">
+                <a:solidFill>
+                  <a:schemeClr val="bg1"/>
+                </a:solidFill>
+              </a:rPr>
+              <a:t>x</a:t>
+            </a:r>
+            <a:r>
+              <a:rPr lang="mr-IN" sz="2000" dirty="0">
+                <a:solidFill>
+                  <a:schemeClr val="bg1"/>
+                </a:solidFill>
+              </a:rPr>
+              <a:t>(</a:t>
+            </a:r>
+            <a:r>
+              <a:rPr lang="mr-IN" sz="2000" dirty="0" err="1">
+                <a:solidFill>
+                  <a:schemeClr val="bg1"/>
+                </a:solidFill>
+              </a:rPr>
+              <a:t>t</a:t>
+            </a:r>
+            <a:r>
+              <a:rPr lang="mr-IN" sz="2000" dirty="0">
+                <a:solidFill>
+                  <a:schemeClr val="bg1"/>
+                </a:solidFill>
+              </a:rPr>
+              <a:t>) - </a:t>
+            </a:r>
+            <a:r>
+              <a:rPr lang="mr-IN" sz="2000" dirty="0" err="1">
+                <a:solidFill>
+                  <a:schemeClr val="bg1"/>
+                </a:solidFill>
+              </a:rPr>
+              <a:t>x</a:t>
+            </a:r>
+            <a:r>
+              <a:rPr lang="mr-IN" sz="2000" dirty="0">
+                <a:solidFill>
+                  <a:schemeClr val="bg1"/>
+                </a:solidFill>
+              </a:rPr>
+              <a:t>'(</a:t>
+            </a:r>
+            <a:r>
+              <a:rPr lang="mr-IN" sz="2000" dirty="0" err="1">
+                <a:solidFill>
+                  <a:schemeClr val="bg1"/>
+                </a:solidFill>
+              </a:rPr>
+              <a:t>t</a:t>
+            </a:r>
+            <a:r>
+              <a:rPr lang="mr-IN" sz="2000" dirty="0">
+                <a:solidFill>
+                  <a:schemeClr val="bg1"/>
+                </a:solidFill>
+              </a:rPr>
+              <a:t>))</a:t>
+            </a:r>
+            <a:endParaRPr lang="en-US" sz="2000" dirty="0" smtClean="0">
+              <a:solidFill>
+                <a:schemeClr val="bg1"/>
+              </a:solidFill>
+              <a:latin typeface="Arial" charset="0"/>
+              <a:ea typeface="Arial" charset="0"/>
+              <a:cs typeface="Arial" charset="0"/>
+            </a:endParaRPr>
+          </a:p>
+          <a:p>
+            <a:pPr lvl="1"/>
+            <a:r>
+              <a:rPr lang="en-US" sz="2000" dirty="0" smtClean="0">
+                <a:solidFill>
+                  <a:schemeClr val="bg1"/>
+                </a:solidFill>
+                <a:latin typeface="Arial" charset="0"/>
+                <a:ea typeface="Arial" charset="0"/>
+                <a:cs typeface="Arial" charset="0"/>
+              </a:rPr>
+              <a:t>only 0 &lt; </a:t>
+            </a:r>
+            <a:r>
+              <a:rPr lang="en-US" sz="2000" dirty="0" smtClean="0">
+                <a:solidFill>
+                  <a:schemeClr val="bg1"/>
+                </a:solidFill>
+                <a:latin typeface="Arial" charset="0"/>
+                <a:ea typeface="Arial" charset="0"/>
+                <a:cs typeface="Arial" charset="0"/>
+              </a:rPr>
+              <a:t>𝝻</a:t>
+            </a:r>
+            <a:r>
+              <a:rPr lang="en-US" sz="2000" dirty="0" smtClean="0">
+                <a:solidFill>
+                  <a:schemeClr val="bg1"/>
+                </a:solidFill>
+                <a:latin typeface="Arial" charset="0"/>
+                <a:ea typeface="Arial" charset="0"/>
+                <a:cs typeface="Arial" charset="0"/>
+              </a:rPr>
+              <a:t> &lt; 0.5 allowed</a:t>
+            </a:r>
+          </a:p>
+          <a:p>
+            <a:pPr lvl="1"/>
+            <a:r>
+              <a:rPr lang="en-US" sz="2000" dirty="0" smtClean="0">
+                <a:solidFill>
+                  <a:schemeClr val="bg1"/>
+                </a:solidFill>
+                <a:latin typeface="Arial" charset="0"/>
+                <a:ea typeface="Arial" charset="0"/>
+                <a:cs typeface="Arial" charset="0"/>
+              </a:rPr>
+              <a:t>close </a:t>
+            </a:r>
+            <a:r>
+              <a:rPr lang="en-US" sz="2000" dirty="0">
+                <a:solidFill>
+                  <a:schemeClr val="bg1"/>
+                </a:solidFill>
+                <a:latin typeface="Arial" charset="0"/>
+                <a:ea typeface="Arial" charset="0"/>
+                <a:cs typeface="Arial" charset="0"/>
+              </a:rPr>
+              <a:t>opinions come closer and opinions further than u don’t influence each other.</a:t>
+            </a:r>
+          </a:p>
+          <a:p>
+            <a:r>
+              <a:rPr lang="en-US" sz="2000" dirty="0" smtClean="0">
+                <a:solidFill>
+                  <a:schemeClr val="bg1"/>
+                </a:solidFill>
+                <a:latin typeface="Arial" charset="0"/>
+                <a:ea typeface="Arial" charset="0"/>
+                <a:cs typeface="Arial" charset="0"/>
+              </a:rPr>
+              <a:t>Insertion </a:t>
+            </a:r>
+            <a:r>
+              <a:rPr lang="en-US" sz="2000" dirty="0">
+                <a:solidFill>
+                  <a:schemeClr val="bg1"/>
+                </a:solidFill>
+                <a:latin typeface="Arial" charset="0"/>
+                <a:ea typeface="Arial" charset="0"/>
+                <a:cs typeface="Arial" charset="0"/>
+              </a:rPr>
+              <a:t>of extremists</a:t>
+            </a:r>
+          </a:p>
+          <a:p>
+            <a:pPr lvl="1"/>
+            <a:r>
+              <a:rPr lang="en-US" sz="2000" dirty="0">
+                <a:solidFill>
+                  <a:schemeClr val="bg1"/>
+                </a:solidFill>
+                <a:latin typeface="Arial" charset="0"/>
+                <a:ea typeface="Arial" charset="0"/>
+                <a:cs typeface="Arial" charset="0"/>
+              </a:rPr>
+              <a:t>parameters for each side: n extremists can persuade p agents with a </a:t>
+            </a:r>
+            <a:r>
+              <a:rPr lang="en-US" sz="2000" dirty="0" smtClean="0">
+                <a:solidFill>
+                  <a:schemeClr val="bg1"/>
+                </a:solidFill>
+                <a:latin typeface="Arial" charset="0"/>
+                <a:ea typeface="Arial" charset="0"/>
+                <a:cs typeface="Arial" charset="0"/>
+              </a:rPr>
+              <a:t>probability </a:t>
+            </a:r>
+            <a:r>
+              <a:rPr lang="en-US" sz="2000" dirty="0">
+                <a:solidFill>
+                  <a:schemeClr val="bg1"/>
+                </a:solidFill>
+                <a:latin typeface="Arial" charset="0"/>
+                <a:ea typeface="Arial" charset="0"/>
+                <a:cs typeface="Arial" charset="0"/>
+              </a:rPr>
+              <a:t>of kappa</a:t>
+            </a:r>
+          </a:p>
+          <a:p>
+            <a:pPr lvl="2"/>
+            <a:r>
+              <a:rPr lang="en-US" dirty="0">
+                <a:solidFill>
+                  <a:schemeClr val="bg1"/>
+                </a:solidFill>
+                <a:latin typeface="Arial" charset="0"/>
+                <a:ea typeface="Arial" charset="0"/>
+                <a:cs typeface="Arial" charset="0"/>
+              </a:rPr>
+              <a:t>can be united to one parameter of convinced agents </a:t>
+            </a:r>
+            <a:r>
+              <a:rPr lang="en-US" dirty="0" err="1">
+                <a:solidFill>
+                  <a:schemeClr val="bg1"/>
+                </a:solidFill>
+                <a:latin typeface="Arial" charset="0"/>
+                <a:ea typeface="Arial" charset="0"/>
+                <a:cs typeface="Arial" charset="0"/>
+              </a:rPr>
+              <a:t>n_conv</a:t>
+            </a:r>
+            <a:endParaRPr lang="en-US" dirty="0">
+              <a:solidFill>
+                <a:schemeClr val="bg1"/>
+              </a:solidFill>
+              <a:latin typeface="Arial" charset="0"/>
+              <a:ea typeface="Arial" charset="0"/>
+              <a:cs typeface="Arial" charset="0"/>
+            </a:endParaRPr>
+          </a:p>
+          <a:p>
+            <a:pPr lvl="1"/>
+            <a:r>
+              <a:rPr lang="en-US" sz="2000" dirty="0">
+                <a:solidFill>
+                  <a:schemeClr val="bg1"/>
+                </a:solidFill>
+                <a:latin typeface="Arial" charset="0"/>
+                <a:ea typeface="Arial" charset="0"/>
+                <a:cs typeface="Arial" charset="0"/>
+              </a:rPr>
+              <a:t>second parameter </a:t>
+            </a:r>
+            <a:r>
+              <a:rPr lang="en-US" sz="2000" dirty="0" err="1">
+                <a:solidFill>
+                  <a:schemeClr val="bg1"/>
+                </a:solidFill>
+                <a:latin typeface="Arial" charset="0"/>
+                <a:ea typeface="Arial" charset="0"/>
+                <a:cs typeface="Arial" charset="0"/>
+              </a:rPr>
+              <a:t>infop</a:t>
+            </a:r>
+            <a:r>
+              <a:rPr lang="en-US" sz="2000" dirty="0">
+                <a:solidFill>
+                  <a:schemeClr val="bg1"/>
+                </a:solidFill>
+                <a:latin typeface="Arial" charset="0"/>
+                <a:ea typeface="Arial" charset="0"/>
+                <a:cs typeface="Arial" charset="0"/>
+              </a:rPr>
+              <a:t> as the interval of influence</a:t>
+            </a:r>
+          </a:p>
+        </p:txBody>
+      </p:sp>
+      <p:sp>
+        <p:nvSpPr>
+          <p:cNvPr id="6" name="Footer Placeholder 5"/>
+          <p:cNvSpPr>
+            <a:spLocks noGrp="1"/>
+          </p:cNvSpPr>
+          <p:nvPr>
+            <p:ph type="ftr" sz="quarter" idx="11"/>
+          </p:nvPr>
+        </p:nvSpPr>
+        <p:spPr/>
+        <p:txBody>
+          <a:bodyPr/>
+          <a:lstStyle/>
+          <a:p>
+            <a:r>
+              <a:rPr lang="en-US" smtClean="0"/>
+              <a:t>Alexander Stein | Niklas Tidbury | Elisa Wall</a:t>
+            </a:r>
+            <a:endParaRPr lang="en-US"/>
+          </a:p>
+        </p:txBody>
+      </p:sp>
+      <p:sp>
+        <p:nvSpPr>
+          <p:cNvPr id="7" name="Slide Number Placeholder 6"/>
+          <p:cNvSpPr>
+            <a:spLocks noGrp="1"/>
+          </p:cNvSpPr>
+          <p:nvPr>
+            <p:ph type="sldNum" sz="quarter" idx="12"/>
+          </p:nvPr>
+        </p:nvSpPr>
+        <p:spPr/>
+        <p:txBody>
+          <a:bodyPr/>
+          <a:lstStyle/>
+          <a:p>
+            <a:fld id="{F2596965-FA8D-4049-94E7-50F8EE20294F}" type="slidenum">
+              <a:rPr lang="en-US" smtClean="0"/>
+              <a:t>4</a:t>
+            </a:fld>
+            <a:endParaRPr lang="en-US"/>
+          </a:p>
+        </p:txBody>
+      </p:sp>
+      <p:sp>
+        <p:nvSpPr>
+          <p:cNvPr id="9" name="Date Placeholder 8"/>
+          <p:cNvSpPr>
+            <a:spLocks noGrp="1"/>
+          </p:cNvSpPr>
+          <p:nvPr>
+            <p:ph type="dt" sz="half" idx="10"/>
+          </p:nvPr>
+        </p:nvSpPr>
+        <p:spPr/>
+        <p:txBody>
+          <a:bodyPr/>
+          <a:lstStyle/>
+          <a:p>
+            <a:r>
+              <a:rPr lang="en-US" smtClean="0"/>
+              <a:t>18.12.17</a:t>
+            </a:r>
+            <a:endParaRPr lang="en-US"/>
+          </a:p>
+        </p:txBody>
+      </p:sp>
+      <p:sp>
+        <p:nvSpPr>
+          <p:cNvPr id="10" name="Content Placeholder 7"/>
+          <p:cNvSpPr txBox="1">
+            <a:spLocks/>
+          </p:cNvSpPr>
+          <p:nvPr/>
+        </p:nvSpPr>
+        <p:spPr>
+          <a:xfrm>
+            <a:off x="10462592" y="217930"/>
+            <a:ext cx="1729408" cy="1213306"/>
+          </a:xfrm>
+          <a:prstGeom prst="rect">
+            <a:avLst/>
+          </a:prstGeom>
+        </p:spPr>
+        <p:txBody>
+          <a:bodyPr vert="horz" lIns="91440" tIns="45720" rIns="91440" bIns="45720" rtlCol="0">
+            <a:normAutofit/>
+          </a:bodyPr>
+          <a:lstStyle>
+            <a:lvl1pPr marL="228600" indent="-228600" algn="l" defTabSz="914400" rtl="0" eaLnBrk="1" latinLnBrk="0" hangingPunct="1">
+              <a:lnSpc>
+                <a:spcPct val="90000"/>
+              </a:lnSpc>
+              <a:spcBef>
+                <a:spcPts val="1000"/>
+              </a:spcBef>
+              <a:buFont typeface="Arial"/>
+              <a:buChar char="•"/>
+              <a:defRPr sz="2800" kern="1200">
+                <a:solidFill>
+                  <a:schemeClr val="tx1"/>
+                </a:solidFill>
+                <a:latin typeface="+mn-lt"/>
+                <a:ea typeface="+mn-ea"/>
+                <a:cs typeface="+mn-cs"/>
+              </a:defRPr>
+            </a:lvl1pPr>
+            <a:lvl2pPr marL="685800" indent="-228600" algn="l" defTabSz="914400" rtl="0" eaLnBrk="1" latinLnBrk="0" hangingPunct="1">
+              <a:lnSpc>
+                <a:spcPct val="90000"/>
+              </a:lnSpc>
+              <a:spcBef>
+                <a:spcPts val="500"/>
+              </a:spcBef>
+              <a:buFont typeface="Arial"/>
+              <a:buChar char="•"/>
+              <a:defRPr sz="2400" kern="1200">
+                <a:solidFill>
+                  <a:schemeClr val="tx1"/>
+                </a:solidFill>
+                <a:latin typeface="+mn-lt"/>
+                <a:ea typeface="+mn-ea"/>
+                <a:cs typeface="+mn-cs"/>
+              </a:defRPr>
+            </a:lvl2pPr>
+            <a:lvl3pPr marL="1143000" indent="-228600" algn="l" defTabSz="914400" rtl="0" eaLnBrk="1" latinLnBrk="0" hangingPunct="1">
+              <a:lnSpc>
+                <a:spcPct val="90000"/>
+              </a:lnSpc>
+              <a:spcBef>
+                <a:spcPts val="500"/>
+              </a:spcBef>
+              <a:buFont typeface="Arial"/>
+              <a:buChar char="•"/>
+              <a:defRPr sz="2000" kern="1200">
+                <a:solidFill>
+                  <a:schemeClr val="tx1"/>
+                </a:solidFill>
+                <a:latin typeface="+mn-lt"/>
+                <a:ea typeface="+mn-ea"/>
+                <a:cs typeface="+mn-cs"/>
+              </a:defRPr>
+            </a:lvl3pPr>
+            <a:lvl4pPr marL="1600200" indent="-228600" algn="l" defTabSz="914400" rtl="0" eaLnBrk="1" latinLnBrk="0" hangingPunct="1">
+              <a:lnSpc>
+                <a:spcPct val="90000"/>
+              </a:lnSpc>
+              <a:spcBef>
+                <a:spcPts val="500"/>
+              </a:spcBef>
+              <a:buFont typeface="Arial"/>
+              <a:buChar char="•"/>
+              <a:defRPr sz="1800" kern="1200">
+                <a:solidFill>
+                  <a:schemeClr val="tx1"/>
+                </a:solidFill>
+                <a:latin typeface="+mn-lt"/>
+                <a:ea typeface="+mn-ea"/>
+                <a:cs typeface="+mn-cs"/>
+              </a:defRPr>
+            </a:lvl4pPr>
+            <a:lvl5pPr marL="2057400" indent="-228600" algn="l" defTabSz="914400" rtl="0" eaLnBrk="1" latinLnBrk="0" hangingPunct="1">
+              <a:lnSpc>
+                <a:spcPct val="90000"/>
+              </a:lnSpc>
+              <a:spcBef>
+                <a:spcPts val="500"/>
+              </a:spcBef>
+              <a:buFont typeface="Arial"/>
+              <a:buChar char="•"/>
+              <a:defRPr sz="1800" kern="1200">
+                <a:solidFill>
+                  <a:schemeClr val="tx1"/>
+                </a:solidFill>
+                <a:latin typeface="+mn-lt"/>
+                <a:ea typeface="+mn-ea"/>
+                <a:cs typeface="+mn-cs"/>
+              </a:defRPr>
+            </a:lvl5pPr>
+            <a:lvl6pPr marL="2514600" indent="-228600" algn="l" defTabSz="914400" rtl="0" eaLnBrk="1" latinLnBrk="0" hangingPunct="1">
+              <a:lnSpc>
+                <a:spcPct val="90000"/>
+              </a:lnSpc>
+              <a:spcBef>
+                <a:spcPts val="500"/>
+              </a:spcBef>
+              <a:buFont typeface="Arial"/>
+              <a:buChar char="•"/>
+              <a:defRPr sz="1800" kern="1200">
+                <a:solidFill>
+                  <a:schemeClr val="tx1"/>
+                </a:solidFill>
+                <a:latin typeface="+mn-lt"/>
+                <a:ea typeface="+mn-ea"/>
+                <a:cs typeface="+mn-cs"/>
+              </a:defRPr>
+            </a:lvl6pPr>
+            <a:lvl7pPr marL="2971800" indent="-228600" algn="l" defTabSz="914400" rtl="0" eaLnBrk="1" latinLnBrk="0" hangingPunct="1">
+              <a:lnSpc>
+                <a:spcPct val="90000"/>
+              </a:lnSpc>
+              <a:spcBef>
+                <a:spcPts val="500"/>
+              </a:spcBef>
+              <a:buFont typeface="Arial"/>
+              <a:buChar char="•"/>
+              <a:defRPr sz="1800" kern="1200">
+                <a:solidFill>
+                  <a:schemeClr val="tx1"/>
+                </a:solidFill>
+                <a:latin typeface="+mn-lt"/>
+                <a:ea typeface="+mn-ea"/>
+                <a:cs typeface="+mn-cs"/>
+              </a:defRPr>
+            </a:lvl7pPr>
+            <a:lvl8pPr marL="3429000" indent="-228600" algn="l" defTabSz="914400" rtl="0" eaLnBrk="1" latinLnBrk="0" hangingPunct="1">
+              <a:lnSpc>
+                <a:spcPct val="90000"/>
+              </a:lnSpc>
+              <a:spcBef>
+                <a:spcPts val="500"/>
+              </a:spcBef>
+              <a:buFont typeface="Arial"/>
+              <a:buChar char="•"/>
+              <a:defRPr sz="1800" kern="1200">
+                <a:solidFill>
+                  <a:schemeClr val="tx1"/>
+                </a:solidFill>
+                <a:latin typeface="+mn-lt"/>
+                <a:ea typeface="+mn-ea"/>
+                <a:cs typeface="+mn-cs"/>
+              </a:defRPr>
+            </a:lvl8pPr>
+            <a:lvl9pPr marL="3886200" indent="-228600" algn="l" defTabSz="914400" rtl="0" eaLnBrk="1" latinLnBrk="0" hangingPunct="1">
+              <a:lnSpc>
+                <a:spcPct val="90000"/>
+              </a:lnSpc>
+              <a:spcBef>
+                <a:spcPts val="500"/>
+              </a:spcBef>
+              <a:buFont typeface="Arial"/>
+              <a:buChar char="•"/>
+              <a:defRPr sz="1800" kern="1200">
+                <a:solidFill>
+                  <a:schemeClr val="tx1"/>
+                </a:solidFill>
+                <a:latin typeface="+mn-lt"/>
+                <a:ea typeface="+mn-ea"/>
+                <a:cs typeface="+mn-cs"/>
+              </a:defRPr>
+            </a:lvl9pPr>
+          </a:lstStyle>
+          <a:p>
+            <a:pPr>
+              <a:lnSpc>
+                <a:spcPct val="100000"/>
+              </a:lnSpc>
+              <a:spcBef>
+                <a:spcPts val="0"/>
+              </a:spcBef>
+              <a:buFontTx/>
+              <a:buChar char="-"/>
+            </a:pPr>
+            <a:r>
+              <a:rPr lang="en-US" sz="1400" dirty="0" smtClean="0">
+                <a:solidFill>
+                  <a:schemeClr val="bg1">
+                    <a:lumMod val="50000"/>
+                  </a:schemeClr>
+                </a:solidFill>
+                <a:latin typeface="Arial" charset="0"/>
+                <a:ea typeface="Arial" charset="0"/>
+                <a:cs typeface="Arial" charset="0"/>
+              </a:rPr>
+              <a:t>Introduction</a:t>
+            </a:r>
+          </a:p>
+          <a:p>
+            <a:pPr>
+              <a:lnSpc>
+                <a:spcPct val="100000"/>
+              </a:lnSpc>
+              <a:spcBef>
+                <a:spcPts val="0"/>
+              </a:spcBef>
+              <a:buFontTx/>
+              <a:buChar char="-"/>
+            </a:pPr>
+            <a:r>
+              <a:rPr lang="en-US" sz="1400" dirty="0" smtClean="0">
+                <a:solidFill>
+                  <a:schemeClr val="bg1"/>
+                </a:solidFill>
+                <a:latin typeface="Arial" charset="0"/>
+                <a:ea typeface="Arial" charset="0"/>
+                <a:cs typeface="Arial" charset="0"/>
+              </a:rPr>
+              <a:t>The Model</a:t>
+            </a:r>
+          </a:p>
+          <a:p>
+            <a:pPr>
+              <a:lnSpc>
+                <a:spcPct val="100000"/>
+              </a:lnSpc>
+              <a:spcBef>
+                <a:spcPts val="0"/>
+              </a:spcBef>
+              <a:buFontTx/>
+              <a:buChar char="-"/>
+            </a:pPr>
+            <a:r>
+              <a:rPr lang="en-US" sz="1400" dirty="0" smtClean="0">
+                <a:solidFill>
+                  <a:schemeClr val="bg1">
+                    <a:lumMod val="50000"/>
+                  </a:schemeClr>
+                </a:solidFill>
+                <a:latin typeface="Arial" charset="0"/>
+                <a:ea typeface="Arial" charset="0"/>
+                <a:cs typeface="Arial" charset="0"/>
+              </a:rPr>
+              <a:t>The Code</a:t>
+            </a:r>
+          </a:p>
+          <a:p>
+            <a:pPr>
+              <a:lnSpc>
+                <a:spcPct val="100000"/>
+              </a:lnSpc>
+              <a:spcBef>
+                <a:spcPts val="0"/>
+              </a:spcBef>
+              <a:buFontTx/>
+              <a:buChar char="-"/>
+            </a:pPr>
+            <a:r>
+              <a:rPr lang="en-US" sz="1400" dirty="0" smtClean="0">
+                <a:solidFill>
+                  <a:schemeClr val="bg1">
+                    <a:lumMod val="50000"/>
+                  </a:schemeClr>
+                </a:solidFill>
+                <a:latin typeface="Arial" charset="0"/>
+                <a:ea typeface="Arial" charset="0"/>
+                <a:cs typeface="Arial" charset="0"/>
+              </a:rPr>
+              <a:t>The Results</a:t>
+            </a:r>
+          </a:p>
+          <a:p>
+            <a:pPr>
+              <a:lnSpc>
+                <a:spcPct val="100000"/>
+              </a:lnSpc>
+              <a:spcBef>
+                <a:spcPts val="0"/>
+              </a:spcBef>
+              <a:buFontTx/>
+              <a:buChar char="-"/>
+            </a:pPr>
+            <a:r>
+              <a:rPr lang="en-US" sz="1400" dirty="0" smtClean="0">
+                <a:solidFill>
+                  <a:schemeClr val="bg1">
+                    <a:lumMod val="50000"/>
+                  </a:schemeClr>
+                </a:solidFill>
+                <a:latin typeface="Arial" charset="0"/>
+                <a:ea typeface="Arial" charset="0"/>
+                <a:cs typeface="Arial" charset="0"/>
+              </a:rPr>
+              <a:t>The Problems</a:t>
+            </a:r>
+          </a:p>
+          <a:p>
+            <a:pPr>
+              <a:lnSpc>
+                <a:spcPct val="100000"/>
+              </a:lnSpc>
+              <a:spcBef>
+                <a:spcPts val="0"/>
+              </a:spcBef>
+              <a:buFontTx/>
+              <a:buChar char="-"/>
+            </a:pPr>
+            <a:endParaRPr lang="en-US" sz="1400" dirty="0">
+              <a:solidFill>
+                <a:schemeClr val="bg1">
+                  <a:lumMod val="50000"/>
+                </a:schemeClr>
+              </a:solidFill>
+              <a:latin typeface="Arial" charset="0"/>
+              <a:ea typeface="Arial" charset="0"/>
+              <a:cs typeface="Arial" charset="0"/>
+            </a:endParaRPr>
+          </a:p>
+        </p:txBody>
+      </p:sp>
+    </p:spTree>
+    <p:extLst>
+      <p:ext uri="{BB962C8B-B14F-4D97-AF65-F5344CB8AC3E}">
+        <p14:creationId xmlns:p14="http://schemas.microsoft.com/office/powerpoint/2010/main" val="1157698731"/>
+      </p:ext>
+    </p:extLst>
+  </p:cSld>
+  <p:clrMapOvr>
+    <a:masterClrMapping/>
+  </p:clrMapOvr>
+  <p:timing>
+    <p:tnLst>
+      <p:par>
+        <p:cTn id="1" dur="indefinite" restart="never" nodeType="tmRoot">
+          <p:childTnLst>
+            <p:seq concurrent="1" nextAc="seek">
+              <p:cTn id="2" dur="indefinite" nodeType="mainSeq">
+                <p:childTnLst>
+                  <p:par>
+                    <p:cTn id="3" fill="hold">
+                      <p:stCondLst>
+                        <p:cond delay="indefinite"/>
+                      </p:stCondLst>
+                      <p:childTnLst>
+                        <p:par>
+                          <p:cTn id="4" fill="hold">
+                            <p:stCondLst>
+                              <p:cond delay="0"/>
+                            </p:stCondLst>
+                            <p:childTnLst>
+                              <p:par>
+                                <p:cTn id="5" presetID="1" presetClass="entr" presetSubtype="0" fill="hold" nodeType="clickEffect">
+                                  <p:stCondLst>
+                                    <p:cond delay="0"/>
+                                  </p:stCondLst>
+                                  <p:childTnLst>
+                                    <p:set>
+                                      <p:cBhvr>
+                                        <p:cTn id="6" dur="1" fill="hold">
+                                          <p:stCondLst>
+                                            <p:cond delay="0"/>
+                                          </p:stCondLst>
+                                        </p:cTn>
+                                        <p:tgtEl>
+                                          <p:spTgt spid="8">
+                                            <p:txEl>
+                                              <p:pRg st="0" end="0"/>
+                                            </p:txEl>
+                                          </p:spTgt>
+                                        </p:tgtEl>
+                                        <p:attrNameLst>
+                                          <p:attrName>style.visibility</p:attrName>
+                                        </p:attrNameLst>
+                                      </p:cBhvr>
+                                      <p:to>
+                                        <p:strVal val="visible"/>
+                                      </p:to>
+                                    </p:set>
+                                  </p:childTnLst>
+                                </p:cTn>
+                              </p:par>
+                              <p:par>
+                                <p:cTn id="7" presetID="1" presetClass="entr" presetSubtype="0" fill="hold" nodeType="withEffect">
+                                  <p:stCondLst>
+                                    <p:cond delay="0"/>
+                                  </p:stCondLst>
+                                  <p:childTnLst>
+                                    <p:set>
+                                      <p:cBhvr>
+                                        <p:cTn id="8" dur="1" fill="hold">
+                                          <p:stCondLst>
+                                            <p:cond delay="0"/>
+                                          </p:stCondLst>
+                                        </p:cTn>
+                                        <p:tgtEl>
+                                          <p:spTgt spid="8">
+                                            <p:txEl>
+                                              <p:pRg st="1" end="1"/>
+                                            </p:txEl>
+                                          </p:spTgt>
+                                        </p:tgtEl>
+                                        <p:attrNameLst>
+                                          <p:attrName>style.visibility</p:attrName>
+                                        </p:attrNameLst>
+                                      </p:cBhvr>
+                                      <p:to>
+                                        <p:strVal val="visible"/>
+                                      </p:to>
+                                    </p:set>
+                                  </p:childTnLst>
+                                </p:cTn>
+                              </p:par>
+                              <p:par>
+                                <p:cTn id="9" presetID="1" presetClass="entr" presetSubtype="0" fill="hold" nodeType="withEffect">
+                                  <p:stCondLst>
+                                    <p:cond delay="0"/>
+                                  </p:stCondLst>
+                                  <p:childTnLst>
+                                    <p:set>
+                                      <p:cBhvr>
+                                        <p:cTn id="10" dur="1" fill="hold">
+                                          <p:stCondLst>
+                                            <p:cond delay="0"/>
+                                          </p:stCondLst>
+                                        </p:cTn>
+                                        <p:tgtEl>
+                                          <p:spTgt spid="8">
+                                            <p:txEl>
+                                              <p:pRg st="2" end="2"/>
+                                            </p:txEl>
+                                          </p:spTgt>
+                                        </p:tgtEl>
+                                        <p:attrNameLst>
+                                          <p:attrName>style.visibility</p:attrName>
+                                        </p:attrNameLst>
+                                      </p:cBhvr>
+                                      <p:to>
+                                        <p:strVal val="visible"/>
+                                      </p:to>
+                                    </p:set>
+                                  </p:childTnLst>
+                                </p:cTn>
+                              </p:par>
+                              <p:par>
+                                <p:cTn id="11" presetID="1" presetClass="entr" presetSubtype="0" fill="hold" nodeType="withEffect">
+                                  <p:stCondLst>
+                                    <p:cond delay="0"/>
+                                  </p:stCondLst>
+                                  <p:childTnLst>
+                                    <p:set>
+                                      <p:cBhvr>
+                                        <p:cTn id="12" dur="1" fill="hold">
+                                          <p:stCondLst>
+                                            <p:cond delay="0"/>
+                                          </p:stCondLst>
+                                        </p:cTn>
+                                        <p:tgtEl>
+                                          <p:spTgt spid="8">
+                                            <p:txEl>
+                                              <p:pRg st="3" end="3"/>
+                                            </p:txEl>
+                                          </p:spTgt>
+                                        </p:tgtEl>
+                                        <p:attrNameLst>
+                                          <p:attrName>style.visibility</p:attrName>
+                                        </p:attrNameLst>
+                                      </p:cBhvr>
+                                      <p:to>
+                                        <p:strVal val="visible"/>
+                                      </p:to>
+                                    </p:set>
+                                  </p:childTnLst>
+                                </p:cTn>
+                              </p:par>
+                              <p:par>
+                                <p:cTn id="13" presetID="1" presetClass="entr" presetSubtype="0" fill="hold" nodeType="withEffect">
+                                  <p:stCondLst>
+                                    <p:cond delay="0"/>
+                                  </p:stCondLst>
+                                  <p:childTnLst>
+                                    <p:set>
+                                      <p:cBhvr>
+                                        <p:cTn id="14" dur="1" fill="hold">
+                                          <p:stCondLst>
+                                            <p:cond delay="0"/>
+                                          </p:stCondLst>
+                                        </p:cTn>
+                                        <p:tgtEl>
+                                          <p:spTgt spid="8">
+                                            <p:txEl>
+                                              <p:pRg st="4" end="4"/>
+                                            </p:txEl>
+                                          </p:spTgt>
+                                        </p:tgtEl>
+                                        <p:attrNameLst>
+                                          <p:attrName>style.visibility</p:attrName>
+                                        </p:attrNameLst>
+                                      </p:cBhvr>
+                                      <p:to>
+                                        <p:strVal val="visible"/>
+                                      </p:to>
+                                    </p:set>
+                                  </p:childTnLst>
+                                </p:cTn>
+                              </p:par>
+                              <p:par>
+                                <p:cTn id="15" presetID="1" presetClass="entr" presetSubtype="0" fill="hold" nodeType="withEffect">
+                                  <p:stCondLst>
+                                    <p:cond delay="0"/>
+                                  </p:stCondLst>
+                                  <p:childTnLst>
+                                    <p:set>
+                                      <p:cBhvr>
+                                        <p:cTn id="16" dur="1" fill="hold">
+                                          <p:stCondLst>
+                                            <p:cond delay="0"/>
+                                          </p:stCondLst>
+                                        </p:cTn>
+                                        <p:tgtEl>
+                                          <p:spTgt spid="8">
+                                            <p:txEl>
+                                              <p:pRg st="5" end="5"/>
+                                            </p:txEl>
+                                          </p:spTgt>
+                                        </p:tgtEl>
+                                        <p:attrNameLst>
+                                          <p:attrName>style.visibility</p:attrName>
+                                        </p:attrNameLst>
+                                      </p:cBhvr>
+                                      <p:to>
+                                        <p:strVal val="visible"/>
+                                      </p:to>
+                                    </p:set>
+                                  </p:childTnLst>
+                                </p:cTn>
+                              </p:par>
+                            </p:childTnLst>
+                          </p:cTn>
+                        </p:par>
+                      </p:childTnLst>
+                    </p:cTn>
+                  </p:par>
+                  <p:par>
+                    <p:cTn id="17" fill="hold">
+                      <p:stCondLst>
+                        <p:cond delay="indefinite"/>
+                      </p:stCondLst>
+                      <p:childTnLst>
+                        <p:par>
+                          <p:cTn id="18" fill="hold">
+                            <p:stCondLst>
+                              <p:cond delay="0"/>
+                            </p:stCondLst>
+                            <p:childTnLst>
+                              <p:par>
+                                <p:cTn id="19" presetID="1" presetClass="entr" presetSubtype="0" fill="hold" nodeType="clickEffect">
+                                  <p:stCondLst>
+                                    <p:cond delay="0"/>
+                                  </p:stCondLst>
+                                  <p:childTnLst>
+                                    <p:set>
+                                      <p:cBhvr>
+                                        <p:cTn id="20" dur="1" fill="hold">
+                                          <p:stCondLst>
+                                            <p:cond delay="0"/>
+                                          </p:stCondLst>
+                                        </p:cTn>
+                                        <p:tgtEl>
+                                          <p:spTgt spid="8">
+                                            <p:txEl>
+                                              <p:pRg st="6" end="6"/>
+                                            </p:txEl>
+                                          </p:spTgt>
+                                        </p:tgtEl>
+                                        <p:attrNameLst>
+                                          <p:attrName>style.visibility</p:attrName>
+                                        </p:attrNameLst>
+                                      </p:cBhvr>
+                                      <p:to>
+                                        <p:strVal val="visible"/>
+                                      </p:to>
+                                    </p:set>
+                                  </p:childTnLst>
+                                </p:cTn>
+                              </p:par>
+                              <p:par>
+                                <p:cTn id="21" presetID="1" presetClass="entr" presetSubtype="0" fill="hold" nodeType="withEffect">
+                                  <p:stCondLst>
+                                    <p:cond delay="0"/>
+                                  </p:stCondLst>
+                                  <p:childTnLst>
+                                    <p:set>
+                                      <p:cBhvr>
+                                        <p:cTn id="22" dur="1" fill="hold">
+                                          <p:stCondLst>
+                                            <p:cond delay="0"/>
+                                          </p:stCondLst>
+                                        </p:cTn>
+                                        <p:tgtEl>
+                                          <p:spTgt spid="8">
+                                            <p:txEl>
+                                              <p:pRg st="7" end="7"/>
+                                            </p:txEl>
+                                          </p:spTgt>
+                                        </p:tgtEl>
+                                        <p:attrNameLst>
+                                          <p:attrName>style.visibility</p:attrName>
+                                        </p:attrNameLst>
+                                      </p:cBhvr>
+                                      <p:to>
+                                        <p:strVal val="visible"/>
+                                      </p:to>
+                                    </p:set>
+                                  </p:childTnLst>
+                                </p:cTn>
+                              </p:par>
+                              <p:par>
+                                <p:cTn id="23" presetID="1" presetClass="entr" presetSubtype="0" fill="hold" nodeType="withEffect">
+                                  <p:stCondLst>
+                                    <p:cond delay="0"/>
+                                  </p:stCondLst>
+                                  <p:childTnLst>
+                                    <p:set>
+                                      <p:cBhvr>
+                                        <p:cTn id="24" dur="1" fill="hold">
+                                          <p:stCondLst>
+                                            <p:cond delay="0"/>
+                                          </p:stCondLst>
+                                        </p:cTn>
+                                        <p:tgtEl>
+                                          <p:spTgt spid="8">
+                                            <p:txEl>
+                                              <p:pRg st="8" end="8"/>
+                                            </p:txEl>
+                                          </p:spTgt>
+                                        </p:tgtEl>
+                                        <p:attrNameLst>
+                                          <p:attrName>style.visibility</p:attrName>
+                                        </p:attrNameLst>
+                                      </p:cBhvr>
+                                      <p:to>
+                                        <p:strVal val="visible"/>
+                                      </p:to>
+                                    </p:set>
+                                  </p:childTnLst>
+                                </p:cTn>
+                              </p:par>
+                              <p:par>
+                                <p:cTn id="25" presetID="1" presetClass="entr" presetSubtype="0" fill="hold" nodeType="withEffect">
+                                  <p:stCondLst>
+                                    <p:cond delay="0"/>
+                                  </p:stCondLst>
+                                  <p:childTnLst>
+                                    <p:set>
+                                      <p:cBhvr>
+                                        <p:cTn id="26" dur="1" fill="hold">
+                                          <p:stCondLst>
+                                            <p:cond delay="0"/>
+                                          </p:stCondLst>
+                                        </p:cTn>
+                                        <p:tgtEl>
+                                          <p:spTgt spid="8">
+                                            <p:txEl>
+                                              <p:pRg st="9" end="9"/>
+                                            </p:txEl>
+                                          </p:spTgt>
+                                        </p:tgtEl>
+                                        <p:attrNameLst>
+                                          <p:attrName>style.visibility</p:attrName>
+                                        </p:attrNameLst>
+                                      </p:cBhvr>
+                                      <p:to>
+                                        <p:strVal val="visible"/>
+                                      </p:to>
+                                    </p:set>
+                                  </p:childTnLst>
+                                </p:cTn>
+                              </p:par>
+                            </p:childTnLst>
+                          </p:cTn>
+                        </p:par>
+                      </p:childTnLst>
+                    </p:cTn>
+                  </p:par>
+                </p:childTnLst>
+              </p:cTn>
+              <p:prevCondLst>
+                <p:cond evt="onPrev" delay="0">
+                  <p:tgtEl>
+                    <p:sldTgt/>
+                  </p:tgtEl>
+                </p:cond>
+              </p:prevCondLst>
+              <p:nextCondLst>
+                <p:cond evt="onNext" delay="0">
+                  <p:tgtEl>
+                    <p:sldTgt/>
+                  </p:tgtEl>
+                </p:cond>
+              </p:nextCondLst>
+            </p:seq>
+          </p:childTnLst>
+        </p:cTn>
+      </p:par>
+    </p:tnLst>
+  </p:timing>
+</p:sld>
+</file>
+
+<file path=ppt/slides/slide5.xml><?xml version="1.0" encoding="utf-8"?>
+<p:sld xmlns:a="http://schemas.openxmlformats.org/drawingml/2006/main" xmlns:r="http://schemas.openxmlformats.org/officeDocument/2006/relationships" xmlns:p="http://schemas.openxmlformats.org/presentationml/2006/main">
+  <p:cSld>
+    <p:bg>
+      <p:bgPr>
+        <a:solidFill>
+          <a:schemeClr val="tx1"/>
+        </a:solidFill>
+        <a:effectLst/>
+      </p:bgPr>
+    </p:bg>
+    <p:spTree>
+      <p:nvGrpSpPr>
+        <p:cNvPr id="1" name=""/>
+        <p:cNvGrpSpPr/>
+        <p:nvPr/>
+      </p:nvGrpSpPr>
+      <p:grpSpPr>
+        <a:xfrm>
+          <a:off x="0" y="0"/>
+          <a:ext cx="0" cy="0"/>
+          <a:chOff x="0" y="0"/>
+          <a:chExt cx="0" cy="0"/>
+        </a:xfrm>
+      </p:grpSpPr>
+      <p:sp>
+        <p:nvSpPr>
+          <p:cNvPr id="5" name="Title 4"/>
+          <p:cNvSpPr>
+            <a:spLocks noGrp="1"/>
+          </p:cNvSpPr>
+          <p:nvPr>
+            <p:ph type="title"/>
+          </p:nvPr>
+        </p:nvSpPr>
+        <p:spPr/>
+        <p:txBody>
+          <a:bodyPr/>
+          <a:lstStyle/>
+          <a:p>
+            <a:r>
+              <a:rPr lang="en-US" b="1" dirty="0" smtClean="0">
+                <a:solidFill>
+                  <a:schemeClr val="bg1"/>
+                </a:solidFill>
+                <a:latin typeface="Arial" charset="0"/>
+                <a:ea typeface="Arial" charset="0"/>
+                <a:cs typeface="Arial" charset="0"/>
+              </a:rPr>
+              <a:t>The Question?</a:t>
+            </a:r>
+            <a:endParaRPr lang="en-US" dirty="0"/>
+          </a:p>
+        </p:txBody>
+      </p:sp>
+      <p:sp>
+        <p:nvSpPr>
+          <p:cNvPr id="8" name="Content Placeholder 7"/>
+          <p:cNvSpPr>
+            <a:spLocks noGrp="1"/>
+          </p:cNvSpPr>
+          <p:nvPr>
+            <p:ph idx="1"/>
+          </p:nvPr>
+        </p:nvSpPr>
+        <p:spPr>
+          <a:xfrm>
+            <a:off x="838200" y="1825625"/>
+            <a:ext cx="10515600" cy="4332108"/>
+          </a:xfrm>
+        </p:spPr>
+        <p:txBody>
+          <a:bodyPr>
+            <a:normAutofit/>
+          </a:bodyPr>
+          <a:lstStyle/>
+          <a:p>
+            <a:r>
+              <a:rPr lang="en-US" sz="4400" dirty="0" smtClean="0">
+                <a:solidFill>
+                  <a:schemeClr val="bg1"/>
+                </a:solidFill>
+                <a:latin typeface="Arial" charset="0"/>
+                <a:ea typeface="Arial" charset="0"/>
+                <a:cs typeface="Arial" charset="0"/>
+              </a:rPr>
+              <a:t>In a model of a society converging to one average opinion, what influence do charismatic extremists possess?</a:t>
+            </a:r>
+            <a:endParaRPr lang="en-US" sz="4400" dirty="0">
+              <a:solidFill>
+                <a:schemeClr val="bg1"/>
+              </a:solidFill>
+              <a:latin typeface="Arial" charset="0"/>
+              <a:ea typeface="Arial" charset="0"/>
+              <a:cs typeface="Arial" charset="0"/>
+            </a:endParaRPr>
+          </a:p>
+        </p:txBody>
+      </p:sp>
+      <p:sp>
+        <p:nvSpPr>
+          <p:cNvPr id="6" name="Footer Placeholder 5"/>
+          <p:cNvSpPr>
+            <a:spLocks noGrp="1"/>
+          </p:cNvSpPr>
+          <p:nvPr>
+            <p:ph type="ftr" sz="quarter" idx="11"/>
+          </p:nvPr>
+        </p:nvSpPr>
+        <p:spPr/>
+        <p:txBody>
+          <a:bodyPr/>
+          <a:lstStyle/>
+          <a:p>
+            <a:r>
+              <a:rPr lang="en-US" smtClean="0"/>
+              <a:t>Alexander Stein | Niklas Tidbury | Elisa Wall</a:t>
+            </a:r>
+            <a:endParaRPr lang="en-US"/>
+          </a:p>
+        </p:txBody>
+      </p:sp>
+      <p:sp>
+        <p:nvSpPr>
+          <p:cNvPr id="7" name="Slide Number Placeholder 6"/>
+          <p:cNvSpPr>
+            <a:spLocks noGrp="1"/>
+          </p:cNvSpPr>
+          <p:nvPr>
+            <p:ph type="sldNum" sz="quarter" idx="12"/>
+          </p:nvPr>
+        </p:nvSpPr>
+        <p:spPr/>
+        <p:txBody>
+          <a:bodyPr/>
+          <a:lstStyle/>
+          <a:p>
+            <a:fld id="{F2596965-FA8D-4049-94E7-50F8EE20294F}" type="slidenum">
+              <a:rPr lang="en-US" smtClean="0"/>
+              <a:t>5</a:t>
+            </a:fld>
+            <a:endParaRPr lang="en-US"/>
+          </a:p>
+        </p:txBody>
+      </p:sp>
+      <p:sp>
+        <p:nvSpPr>
+          <p:cNvPr id="9" name="Date Placeholder 8"/>
+          <p:cNvSpPr>
+            <a:spLocks noGrp="1"/>
+          </p:cNvSpPr>
+          <p:nvPr>
+            <p:ph type="dt" sz="half" idx="10"/>
+          </p:nvPr>
+        </p:nvSpPr>
+        <p:spPr/>
+        <p:txBody>
+          <a:bodyPr/>
+          <a:lstStyle/>
+          <a:p>
+            <a:r>
+              <a:rPr lang="en-US" smtClean="0"/>
+              <a:t>18.12.17</a:t>
+            </a:r>
+            <a:endParaRPr lang="en-US"/>
+          </a:p>
+        </p:txBody>
+      </p:sp>
+      <p:sp>
+        <p:nvSpPr>
+          <p:cNvPr id="10" name="Content Placeholder 7"/>
+          <p:cNvSpPr txBox="1">
+            <a:spLocks/>
+          </p:cNvSpPr>
+          <p:nvPr/>
+        </p:nvSpPr>
+        <p:spPr>
+          <a:xfrm>
+            <a:off x="10462592" y="217930"/>
+            <a:ext cx="1729408" cy="1213306"/>
+          </a:xfrm>
+          <a:prstGeom prst="rect">
+            <a:avLst/>
+          </a:prstGeom>
+        </p:spPr>
+        <p:txBody>
+          <a:bodyPr vert="horz" lIns="91440" tIns="45720" rIns="91440" bIns="45720" rtlCol="0">
+            <a:normAutofit/>
+          </a:bodyPr>
+          <a:lstStyle>
+            <a:lvl1pPr marL="228600" indent="-228600" algn="l" defTabSz="914400" rtl="0" eaLnBrk="1" latinLnBrk="0" hangingPunct="1">
+              <a:lnSpc>
+                <a:spcPct val="90000"/>
+              </a:lnSpc>
+              <a:spcBef>
+                <a:spcPts val="1000"/>
+              </a:spcBef>
+              <a:buFont typeface="Arial"/>
+              <a:buChar char="•"/>
+              <a:defRPr sz="2800" kern="1200">
+                <a:solidFill>
+                  <a:schemeClr val="tx1"/>
+                </a:solidFill>
+                <a:latin typeface="+mn-lt"/>
+                <a:ea typeface="+mn-ea"/>
+                <a:cs typeface="+mn-cs"/>
+              </a:defRPr>
+            </a:lvl1pPr>
+            <a:lvl2pPr marL="685800" indent="-228600" algn="l" defTabSz="914400" rtl="0" eaLnBrk="1" latinLnBrk="0" hangingPunct="1">
+              <a:lnSpc>
+                <a:spcPct val="90000"/>
+              </a:lnSpc>
+              <a:spcBef>
+                <a:spcPts val="500"/>
+              </a:spcBef>
+              <a:buFont typeface="Arial"/>
+              <a:buChar char="•"/>
+              <a:defRPr sz="2400" kern="1200">
+                <a:solidFill>
+                  <a:schemeClr val="tx1"/>
+                </a:solidFill>
+                <a:latin typeface="+mn-lt"/>
+                <a:ea typeface="+mn-ea"/>
+                <a:cs typeface="+mn-cs"/>
+              </a:defRPr>
+            </a:lvl2pPr>
+            <a:lvl3pPr marL="1143000" indent="-228600" algn="l" defTabSz="914400" rtl="0" eaLnBrk="1" latinLnBrk="0" hangingPunct="1">
+              <a:lnSpc>
+                <a:spcPct val="90000"/>
+              </a:lnSpc>
+              <a:spcBef>
+                <a:spcPts val="500"/>
+              </a:spcBef>
+              <a:buFont typeface="Arial"/>
+              <a:buChar char="•"/>
+              <a:defRPr sz="2000" kern="1200">
+                <a:solidFill>
+                  <a:schemeClr val="tx1"/>
+                </a:solidFill>
+                <a:latin typeface="+mn-lt"/>
+                <a:ea typeface="+mn-ea"/>
+                <a:cs typeface="+mn-cs"/>
+              </a:defRPr>
+            </a:lvl3pPr>
+            <a:lvl4pPr marL="1600200" indent="-228600" algn="l" defTabSz="914400" rtl="0" eaLnBrk="1" latinLnBrk="0" hangingPunct="1">
+              <a:lnSpc>
+                <a:spcPct val="90000"/>
+              </a:lnSpc>
+              <a:spcBef>
+                <a:spcPts val="500"/>
+              </a:spcBef>
+              <a:buFont typeface="Arial"/>
+              <a:buChar char="•"/>
+              <a:defRPr sz="1800" kern="1200">
+                <a:solidFill>
+                  <a:schemeClr val="tx1"/>
+                </a:solidFill>
+                <a:latin typeface="+mn-lt"/>
+                <a:ea typeface="+mn-ea"/>
+                <a:cs typeface="+mn-cs"/>
+              </a:defRPr>
+            </a:lvl4pPr>
+            <a:lvl5pPr marL="2057400" indent="-228600" algn="l" defTabSz="914400" rtl="0" eaLnBrk="1" latinLnBrk="0" hangingPunct="1">
+              <a:lnSpc>
+                <a:spcPct val="90000"/>
+              </a:lnSpc>
+              <a:spcBef>
+                <a:spcPts val="500"/>
+              </a:spcBef>
+              <a:buFont typeface="Arial"/>
+              <a:buChar char="•"/>
+              <a:defRPr sz="1800" kern="1200">
+                <a:solidFill>
+                  <a:schemeClr val="tx1"/>
+                </a:solidFill>
+                <a:latin typeface="+mn-lt"/>
+                <a:ea typeface="+mn-ea"/>
+                <a:cs typeface="+mn-cs"/>
+              </a:defRPr>
+            </a:lvl5pPr>
+            <a:lvl6pPr marL="2514600" indent="-228600" algn="l" defTabSz="914400" rtl="0" eaLnBrk="1" latinLnBrk="0" hangingPunct="1">
+              <a:lnSpc>
+                <a:spcPct val="90000"/>
+              </a:lnSpc>
+              <a:spcBef>
+                <a:spcPts val="500"/>
+              </a:spcBef>
+              <a:buFont typeface="Arial"/>
+              <a:buChar char="•"/>
+              <a:defRPr sz="1800" kern="1200">
+                <a:solidFill>
+                  <a:schemeClr val="tx1"/>
+                </a:solidFill>
+                <a:latin typeface="+mn-lt"/>
+                <a:ea typeface="+mn-ea"/>
+                <a:cs typeface="+mn-cs"/>
+              </a:defRPr>
+            </a:lvl6pPr>
+            <a:lvl7pPr marL="2971800" indent="-228600" algn="l" defTabSz="914400" rtl="0" eaLnBrk="1" latinLnBrk="0" hangingPunct="1">
+              <a:lnSpc>
+                <a:spcPct val="90000"/>
+              </a:lnSpc>
+              <a:spcBef>
+                <a:spcPts val="500"/>
+              </a:spcBef>
+              <a:buFont typeface="Arial"/>
+              <a:buChar char="•"/>
+              <a:defRPr sz="1800" kern="1200">
+                <a:solidFill>
+                  <a:schemeClr val="tx1"/>
+                </a:solidFill>
+                <a:latin typeface="+mn-lt"/>
+                <a:ea typeface="+mn-ea"/>
+                <a:cs typeface="+mn-cs"/>
+              </a:defRPr>
+            </a:lvl7pPr>
+            <a:lvl8pPr marL="3429000" indent="-228600" algn="l" defTabSz="914400" rtl="0" eaLnBrk="1" latinLnBrk="0" hangingPunct="1">
+              <a:lnSpc>
+                <a:spcPct val="90000"/>
+              </a:lnSpc>
+              <a:spcBef>
+                <a:spcPts val="500"/>
+              </a:spcBef>
+              <a:buFont typeface="Arial"/>
+              <a:buChar char="•"/>
+              <a:defRPr sz="1800" kern="1200">
+                <a:solidFill>
+                  <a:schemeClr val="tx1"/>
+                </a:solidFill>
+                <a:latin typeface="+mn-lt"/>
+                <a:ea typeface="+mn-ea"/>
+                <a:cs typeface="+mn-cs"/>
+              </a:defRPr>
+            </a:lvl8pPr>
+            <a:lvl9pPr marL="3886200" indent="-228600" algn="l" defTabSz="914400" rtl="0" eaLnBrk="1" latinLnBrk="0" hangingPunct="1">
+              <a:lnSpc>
+                <a:spcPct val="90000"/>
+              </a:lnSpc>
+              <a:spcBef>
+                <a:spcPts val="500"/>
+              </a:spcBef>
+              <a:buFont typeface="Arial"/>
+              <a:buChar char="•"/>
+              <a:defRPr sz="1800" kern="1200">
+                <a:solidFill>
+                  <a:schemeClr val="tx1"/>
+                </a:solidFill>
+                <a:latin typeface="+mn-lt"/>
+                <a:ea typeface="+mn-ea"/>
+                <a:cs typeface="+mn-cs"/>
+              </a:defRPr>
+            </a:lvl9pPr>
+          </a:lstStyle>
+          <a:p>
+            <a:pPr>
+              <a:lnSpc>
+                <a:spcPct val="100000"/>
+              </a:lnSpc>
+              <a:spcBef>
+                <a:spcPts val="0"/>
+              </a:spcBef>
+              <a:buFontTx/>
+              <a:buChar char="-"/>
+            </a:pPr>
+            <a:r>
+              <a:rPr lang="en-US" sz="1400" dirty="0" smtClean="0">
+                <a:solidFill>
+                  <a:schemeClr val="bg1">
+                    <a:lumMod val="50000"/>
+                  </a:schemeClr>
+                </a:solidFill>
+                <a:latin typeface="Arial" charset="0"/>
+                <a:ea typeface="Arial" charset="0"/>
+                <a:cs typeface="Arial" charset="0"/>
+              </a:rPr>
+              <a:t>Introduction</a:t>
+            </a:r>
+          </a:p>
+          <a:p>
+            <a:pPr>
+              <a:lnSpc>
+                <a:spcPct val="100000"/>
+              </a:lnSpc>
+              <a:spcBef>
+                <a:spcPts val="0"/>
+              </a:spcBef>
+              <a:buFontTx/>
+              <a:buChar char="-"/>
+            </a:pPr>
+            <a:r>
+              <a:rPr lang="en-US" sz="1400" dirty="0" smtClean="0">
+                <a:solidFill>
+                  <a:schemeClr val="bg1"/>
+                </a:solidFill>
+                <a:latin typeface="Arial" charset="0"/>
+                <a:ea typeface="Arial" charset="0"/>
+                <a:cs typeface="Arial" charset="0"/>
+              </a:rPr>
+              <a:t>The Model</a:t>
+            </a:r>
+          </a:p>
+          <a:p>
+            <a:pPr>
+              <a:lnSpc>
+                <a:spcPct val="100000"/>
+              </a:lnSpc>
+              <a:spcBef>
+                <a:spcPts val="0"/>
+              </a:spcBef>
+              <a:buFontTx/>
+              <a:buChar char="-"/>
+            </a:pPr>
+            <a:r>
+              <a:rPr lang="en-US" sz="1400" dirty="0" smtClean="0">
+                <a:solidFill>
+                  <a:schemeClr val="bg1">
+                    <a:lumMod val="50000"/>
+                  </a:schemeClr>
+                </a:solidFill>
+                <a:latin typeface="Arial" charset="0"/>
+                <a:ea typeface="Arial" charset="0"/>
+                <a:cs typeface="Arial" charset="0"/>
+              </a:rPr>
+              <a:t>The Code</a:t>
+            </a:r>
+          </a:p>
+          <a:p>
+            <a:pPr>
+              <a:lnSpc>
+                <a:spcPct val="100000"/>
+              </a:lnSpc>
+              <a:spcBef>
+                <a:spcPts val="0"/>
+              </a:spcBef>
+              <a:buFontTx/>
+              <a:buChar char="-"/>
+            </a:pPr>
+            <a:r>
+              <a:rPr lang="en-US" sz="1400" dirty="0" smtClean="0">
+                <a:solidFill>
+                  <a:schemeClr val="bg1">
+                    <a:lumMod val="50000"/>
+                  </a:schemeClr>
+                </a:solidFill>
+                <a:latin typeface="Arial" charset="0"/>
+                <a:ea typeface="Arial" charset="0"/>
+                <a:cs typeface="Arial" charset="0"/>
+              </a:rPr>
+              <a:t>The Results</a:t>
+            </a:r>
+          </a:p>
+          <a:p>
+            <a:pPr>
+              <a:lnSpc>
+                <a:spcPct val="100000"/>
+              </a:lnSpc>
+              <a:spcBef>
+                <a:spcPts val="0"/>
+              </a:spcBef>
+              <a:buFontTx/>
+              <a:buChar char="-"/>
+            </a:pPr>
+            <a:r>
+              <a:rPr lang="en-US" sz="1400" dirty="0" smtClean="0">
+                <a:solidFill>
+                  <a:schemeClr val="bg1">
+                    <a:lumMod val="50000"/>
+                  </a:schemeClr>
+                </a:solidFill>
+                <a:latin typeface="Arial" charset="0"/>
+                <a:ea typeface="Arial" charset="0"/>
+                <a:cs typeface="Arial" charset="0"/>
+              </a:rPr>
+              <a:t>The Problems</a:t>
+            </a:r>
+          </a:p>
+          <a:p>
+            <a:pPr>
+              <a:lnSpc>
+                <a:spcPct val="100000"/>
+              </a:lnSpc>
+              <a:spcBef>
+                <a:spcPts val="0"/>
+              </a:spcBef>
+              <a:buFontTx/>
+              <a:buChar char="-"/>
+            </a:pPr>
+            <a:endParaRPr lang="en-US" sz="1400" dirty="0">
+              <a:solidFill>
+                <a:schemeClr val="bg1">
+                  <a:lumMod val="50000"/>
+                </a:schemeClr>
+              </a:solidFill>
+              <a:latin typeface="Arial" charset="0"/>
+              <a:ea typeface="Arial" charset="0"/>
+              <a:cs typeface="Arial" charset="0"/>
+            </a:endParaRPr>
+          </a:p>
+        </p:txBody>
+      </p:sp>
+    </p:spTree>
+    <p:extLst>
+      <p:ext uri="{BB962C8B-B14F-4D97-AF65-F5344CB8AC3E}">
+        <p14:creationId xmlns:p14="http://schemas.microsoft.com/office/powerpoint/2010/main" val="1676148609"/>
+      </p:ext>
+    </p:extLst>
+  </p:cSld>
+  <p:clrMapOvr>
+    <a:masterClrMapping/>
+  </p:clrMapOvr>
+  <p:timing>
+    <p:tnLst>
+      <p:par>
+        <p:cTn id="1" dur="indefinite" restart="never" nodeType="tmRoot">
+          <p:childTnLst>
+            <p:seq concurrent="1" nextAc="seek">
+              <p:cTn id="2" dur="indefinite" nodeType="mainSeq">
+                <p:childTnLst>
+                  <p:par>
+                    <p:cTn id="3" fill="hold">
+                      <p:stCondLst>
+                        <p:cond delay="indefinite"/>
+                      </p:stCondLst>
+                      <p:childTnLst>
+                        <p:par>
+                          <p:cTn id="4" fill="hold">
+                            <p:stCondLst>
+                              <p:cond delay="0"/>
+                            </p:stCondLst>
+                            <p:childTnLst>
+                              <p:par>
+                                <p:cTn id="5" presetID="1" presetClass="entr" presetSubtype="0" fill="hold" nodeType="clickEffect">
+                                  <p:stCondLst>
+                                    <p:cond delay="0"/>
+                                  </p:stCondLst>
+                                  <p:childTnLst>
+                                    <p:set>
+                                      <p:cBhvr>
+                                        <p:cTn id="6" dur="1" fill="hold">
+                                          <p:stCondLst>
+                                            <p:cond delay="0"/>
+                                          </p:stCondLst>
+                                        </p:cTn>
+                                        <p:tgtEl>
+                                          <p:spTgt spid="8">
+                                            <p:txEl>
+                                              <p:pRg st="0" end="0"/>
+                                            </p:txEl>
+                                          </p:spTgt>
+                                        </p:tgtEl>
+                                        <p:attrNameLst>
+                                          <p:attrName>style.visibility</p:attrName>
+                                        </p:attrNameLst>
+                                      </p:cBhvr>
+                                      <p:to>
+                                        <p:strVal val="visible"/>
+                                      </p:to>
+                                    </p:set>
+                                  </p:childTnLst>
+                                </p:cTn>
+                              </p:par>
+                            </p:childTnLst>
+                          </p:cTn>
+                        </p:par>
+                      </p:childTnLst>
+                    </p:cTn>
+                  </p:par>
+                </p:childTnLst>
+              </p:cTn>
+              <p:prevCondLst>
+                <p:cond evt="onPrev" delay="0">
+                  <p:tgtEl>
+                    <p:sldTgt/>
+                  </p:tgtEl>
+                </p:cond>
+              </p:prevCondLst>
+              <p:nextCondLst>
+                <p:cond evt="onNext" delay="0">
+                  <p:tgtEl>
+                    <p:sldTgt/>
+                  </p:tgtEl>
+                </p:cond>
+              </p:nextCondLst>
+            </p:seq>
+          </p:childTnLst>
+        </p:cTn>
+      </p:par>
+    </p:tnLst>
+  </p:timing>
+</p:sld>
+</file>
+
+<file path=ppt/slides/slide6.xml><?xml version="1.0" encoding="utf-8"?>
 <p:sld xmlns:a="http://schemas.openxmlformats.org/drawingml/2006/main" xmlns:r="http://schemas.openxmlformats.org/officeDocument/2006/relationships" xmlns:p="http://schemas.openxmlformats.org/presentationml/2006/main">
   <p:cSld>
     <p:bg>
@@ -5274,7 +12138,7 @@
             <a:fld id="{F2596965-FA8D-4049-94E7-50F8EE20294F}" type="slidenum">
               <a:rPr lang="en-US" smtClean="0"/>
               <a:pPr/>
-              <a:t>4</a:t>
+              <a:t>6</a:t>
             </a:fld>
             <a:endParaRPr lang="en-US"/>
           </a:p>
@@ -6147,7 +13011,7 @@
                 <a:ea typeface="Arial" charset="0"/>
                 <a:cs typeface="Arial" charset="0"/>
               </a:rPr>
-              <a:t>The Questions</a:t>
+              <a:t>The Results</a:t>
             </a:r>
           </a:p>
           <a:p>
@@ -6874,7 +13738,7 @@
 </p:sld>
 </file>
 
-<file path=ppt/slides/slide5.xml><?xml version="1.0" encoding="utf-8"?>
+<file path=ppt/slides/slide7.xml><?xml version="1.0" encoding="utf-8"?>
 <p:sld xmlns:a="http://schemas.openxmlformats.org/drawingml/2006/main" xmlns:r="http://schemas.openxmlformats.org/officeDocument/2006/relationships" xmlns:p="http://schemas.openxmlformats.org/presentationml/2006/main">
   <p:cSld>
     <p:bg>
@@ -6995,7 +13859,7 @@
             <a:fld id="{F2596965-FA8D-4049-94E7-50F8EE20294F}" type="slidenum">
               <a:rPr lang="en-US" smtClean="0"/>
               <a:pPr/>
-              <a:t>5</a:t>
+              <a:t>7</a:t>
             </a:fld>
             <a:endParaRPr lang="en-US"/>
           </a:p>
@@ -8042,7 +14906,7 @@
                 <a:ea typeface="Arial" charset="0"/>
                 <a:cs typeface="Arial" charset="0"/>
               </a:rPr>
-              <a:t>The Questions</a:t>
+              <a:t>The Results</a:t>
             </a:r>
           </a:p>
           <a:p>
@@ -8604,7 +15468,7 @@
 </p:sld>
 </file>
 
-<file path=ppt/slides/slide6.xml><?xml version="1.0" encoding="utf-8"?>
+<file path=ppt/slides/slide8.xml><?xml version="1.0" encoding="utf-8"?>
 <p:sld xmlns:a="http://schemas.openxmlformats.org/drawingml/2006/main" xmlns:r="http://schemas.openxmlformats.org/officeDocument/2006/relationships" xmlns:p="http://schemas.openxmlformats.org/presentationml/2006/main">
   <p:cSld>
     <p:bg>
@@ -8812,7 +15676,7 @@
                 <a:ea typeface="Arial" charset="0"/>
                 <a:cs typeface="Arial" charset="0"/>
               </a:rPr>
-              <a:t>The Questions</a:t>
+              <a:t>The Results</a:t>
             </a:r>
           </a:p>
           <a:p>
@@ -8918,7 +15782,7 @@
           <a:p>
             <a:fld id="{F2596965-FA8D-4049-94E7-50F8EE20294F}" type="slidenum">
               <a:rPr lang="en-US" smtClean="0"/>
-              <a:t>6</a:t>
+              <a:t>8</a:t>
             </a:fld>
             <a:endParaRPr lang="en-US"/>
           </a:p>
@@ -10776,7 +17640,7 @@
                                   <p:childTnLst>
                                     <p:animMotion origin="layout" path="M -4.79167E-6 2.96296E-6 L 0.19428 -0.00023 " pathEditMode="relative" rAng="0" ptsTypes="AA">
                                       <p:cBhvr>
-                                        <p:cTn id="52" dur="2000" fill="hold"/>
+                                        <p:cTn id="52" dur="1000" fill="hold"/>
                                         <p:tgtEl>
                                           <p:spTgt spid="21"/>
                                         </p:tgtEl>
@@ -11592,7 +18456,7 @@
 </p:sld>
 </file>
 
-<file path=ppt/slides/slide7.xml><?xml version="1.0" encoding="utf-8"?>
+<file path=ppt/slides/slide9.xml><?xml version="1.0" encoding="utf-8"?>
 <p:sld xmlns:a="http://schemas.openxmlformats.org/drawingml/2006/main" xmlns:r="http://schemas.openxmlformats.org/officeDocument/2006/relationships" xmlns:p="http://schemas.openxmlformats.org/presentationml/2006/main">
   <p:cSld>
     <p:bg>
@@ -11800,7 +18664,7 @@
                 <a:ea typeface="Arial" charset="0"/>
                 <a:cs typeface="Arial" charset="0"/>
               </a:rPr>
-              <a:t>The Questions</a:t>
+              <a:t>The Results</a:t>
             </a:r>
           </a:p>
           <a:p>
@@ -12056,7 +18920,7 @@
           <a:p>
             <a:fld id="{F2596965-FA8D-4049-94E7-50F8EE20294F}" type="slidenum">
               <a:rPr lang="en-US" smtClean="0"/>
-              <a:t>7</a:t>
+              <a:t>9</a:t>
             </a:fld>
             <a:endParaRPr lang="en-US"/>
           </a:p>
